--- a/Named-Data-Net/PPT/ICN+NDN-기술.pptx
+++ b/Named-Data-Net/PPT/ICN+NDN-기술.pptx
@@ -5,7 +5,7 @@
     <p:sldMasterId id="2147483648" r:id="rId4"/>
   </p:sldMasterIdLst>
   <p:notesMasterIdLst>
-    <p:notesMasterId r:id="rId10"/>
+    <p:notesMasterId r:id="rId20"/>
   </p:notesMasterIdLst>
   <p:sldIdLst>
     <p:sldId id="272" r:id="rId5"/>
@@ -13,23 +13,33 @@
     <p:sldId id="330" r:id="rId7"/>
     <p:sldId id="266" r:id="rId8"/>
     <p:sldId id="352" r:id="rId9"/>
+    <p:sldId id="353" r:id="rId10"/>
+    <p:sldId id="354" r:id="rId11"/>
+    <p:sldId id="355" r:id="rId12"/>
+    <p:sldId id="356" r:id="rId13"/>
+    <p:sldId id="357" r:id="rId14"/>
+    <p:sldId id="358" r:id="rId15"/>
+    <p:sldId id="359" r:id="rId16"/>
+    <p:sldId id="360" r:id="rId17"/>
+    <p:sldId id="361" r:id="rId18"/>
+    <p:sldId id="362" r:id="rId19"/>
   </p:sldIdLst>
   <p:sldSz cx="12192000" cy="6858000"/>
   <p:notesSz cx="6858000" cy="9144000"/>
   <p:embeddedFontLst>
     <p:embeddedFont>
       <p:font typeface="맑은 고딕" panose="020B0503020000020004" pitchFamily="50" charset="-127"/>
-      <p:regular r:id="rId11"/>
-      <p:bold r:id="rId12"/>
+      <p:regular r:id="rId21"/>
+      <p:bold r:id="rId22"/>
     </p:embeddedFont>
     <p:embeddedFont>
       <p:font typeface="배달의민족 도현" panose="020B0600000101010101" pitchFamily="50" charset="-127"/>
-      <p:regular r:id="rId13"/>
+      <p:regular r:id="rId23"/>
     </p:embeddedFont>
     <p:embeddedFont>
       <p:font typeface="한컴 고딕" panose="02000500000000000000" pitchFamily="2" charset="-127"/>
-      <p:regular r:id="rId14"/>
-      <p:bold r:id="rId15"/>
+      <p:regular r:id="rId24"/>
+      <p:bold r:id="rId25"/>
     </p:embeddedFont>
   </p:embeddedFontLst>
   <p:defaultTextStyle>
@@ -228,7 +238,7 @@
           <a:p>
             <a:fld id="{BAB97E51-E427-4ACE-A482-015806134BAA}" type="datetimeFigureOut">
               <a:rPr lang="ko-KR" altLang="en-US" smtClean="0"/>
-              <a:t>2023-07-17</a:t>
+              <a:t>2023-07-18</a:t>
             </a:fld>
             <a:endParaRPr lang="ko-KR" altLang="en-US"/>
           </a:p>
@@ -642,7 +652,7 @@
           <a:p>
             <a:fld id="{2449B460-6749-4E70-B13D-B84D895949FF}" type="datetime1">
               <a:rPr lang="ko-KR" altLang="en-US" smtClean="0"/>
-              <a:t>2023-07-17</a:t>
+              <a:t>2023-07-18</a:t>
             </a:fld>
             <a:endParaRPr lang="ko-KR" altLang="en-US"/>
           </a:p>
@@ -861,7 +871,7 @@
           <a:p>
             <a:fld id="{92B4B20E-652B-4F60-BE07-24F8AD924D62}" type="datetime1">
               <a:rPr lang="ko-KR" altLang="en-US" smtClean="0"/>
-              <a:t>2023-07-17</a:t>
+              <a:t>2023-07-18</a:t>
             </a:fld>
             <a:endParaRPr lang="ko-KR" altLang="en-US"/>
           </a:p>
@@ -1069,7 +1079,7 @@
           <a:p>
             <a:fld id="{59EDC7B4-1AE1-427E-B7FE-391206F48BE0}" type="datetime1">
               <a:rPr lang="ko-KR" altLang="en-US" smtClean="0"/>
-              <a:t>2023-07-17</a:t>
+              <a:t>2023-07-18</a:t>
             </a:fld>
             <a:endParaRPr lang="ko-KR" altLang="en-US"/>
           </a:p>
@@ -1267,7 +1277,7 @@
           <a:p>
             <a:fld id="{2AE3C021-F84F-4F2C-9D30-1509F357F51F}" type="datetime1">
               <a:rPr lang="ko-KR" altLang="en-US" smtClean="0"/>
-              <a:t>2023-07-17</a:t>
+              <a:t>2023-07-18</a:t>
             </a:fld>
             <a:endParaRPr lang="ko-KR" altLang="en-US"/>
           </a:p>
@@ -1542,7 +1552,7 @@
           <a:p>
             <a:fld id="{484B05B9-04AE-4972-B50A-E9891E1494A6}" type="datetime1">
               <a:rPr lang="ko-KR" altLang="en-US" smtClean="0"/>
-              <a:t>2023-07-17</a:t>
+              <a:t>2023-07-18</a:t>
             </a:fld>
             <a:endParaRPr lang="ko-KR" altLang="en-US"/>
           </a:p>
@@ -1807,7 +1817,7 @@
           <a:p>
             <a:fld id="{402727CD-92C4-465C-9DBA-E5CD3A35887D}" type="datetime1">
               <a:rPr lang="ko-KR" altLang="en-US" smtClean="0"/>
-              <a:t>2023-07-17</a:t>
+              <a:t>2023-07-18</a:t>
             </a:fld>
             <a:endParaRPr lang="ko-KR" altLang="en-US"/>
           </a:p>
@@ -2219,7 +2229,7 @@
           <a:p>
             <a:fld id="{05B3B641-2E79-439A-8F79-68EA085D9053}" type="datetime1">
               <a:rPr lang="ko-KR" altLang="en-US" smtClean="0"/>
-              <a:t>2023-07-17</a:t>
+              <a:t>2023-07-18</a:t>
             </a:fld>
             <a:endParaRPr lang="ko-KR" altLang="en-US"/>
           </a:p>
@@ -2360,7 +2370,7 @@
           <a:p>
             <a:fld id="{A7F04D54-8E43-4E7E-B8A1-C218E338CD28}" type="datetime1">
               <a:rPr lang="ko-KR" altLang="en-US" smtClean="0"/>
-              <a:t>2023-07-17</a:t>
+              <a:t>2023-07-18</a:t>
             </a:fld>
             <a:endParaRPr lang="ko-KR" altLang="en-US"/>
           </a:p>
@@ -2473,7 +2483,7 @@
           <a:p>
             <a:fld id="{B34C2BE8-3549-4F19-A18C-BF32B5B77313}" type="datetime1">
               <a:rPr lang="ko-KR" altLang="en-US" smtClean="0"/>
-              <a:t>2023-07-17</a:t>
+              <a:t>2023-07-18</a:t>
             </a:fld>
             <a:endParaRPr lang="ko-KR" altLang="en-US"/>
           </a:p>
@@ -2784,7 +2794,7 @@
           <a:p>
             <a:fld id="{664FB09C-A850-4101-96C2-327BB8EA9EB0}" type="datetime1">
               <a:rPr lang="ko-KR" altLang="en-US" smtClean="0"/>
-              <a:t>2023-07-17</a:t>
+              <a:t>2023-07-18</a:t>
             </a:fld>
             <a:endParaRPr lang="ko-KR" altLang="en-US"/>
           </a:p>
@@ -3072,7 +3082,7 @@
           <a:p>
             <a:fld id="{E33D87E4-B1AE-484B-83F2-C827A5C91BDD}" type="datetime1">
               <a:rPr lang="ko-KR" altLang="en-US" smtClean="0"/>
-              <a:t>2023-07-17</a:t>
+              <a:t>2023-07-18</a:t>
             </a:fld>
             <a:endParaRPr lang="ko-KR" altLang="en-US"/>
           </a:p>
@@ -3313,7 +3323,7 @@
           <a:p>
             <a:fld id="{B8003EF2-14D2-49D7-9E2B-0A9A451D6AE1}" type="datetime1">
               <a:rPr lang="ko-KR" altLang="en-US" smtClean="0"/>
-              <a:t>2023-07-17</a:t>
+              <a:t>2023-07-18</a:t>
             </a:fld>
             <a:endParaRPr lang="ko-KR" altLang="en-US"/>
           </a:p>
@@ -4180,6 +4190,2151 @@
 </p:sld>
 </file>
 
+<file path=ppt/slides/slide10.xml><?xml version="1.0" encoding="utf-8"?>
+<p:sld xmlns:a="http://schemas.openxmlformats.org/drawingml/2006/main" xmlns:r="http://schemas.openxmlformats.org/officeDocument/2006/relationships" xmlns:p="http://schemas.openxmlformats.org/presentationml/2006/main">
+  <p:cSld>
+    <p:spTree>
+      <p:nvGrpSpPr>
+        <p:cNvPr id="1" name=""/>
+        <p:cNvGrpSpPr/>
+        <p:nvPr/>
+      </p:nvGrpSpPr>
+      <p:grpSpPr>
+        <a:xfrm>
+          <a:off x="0" y="0"/>
+          <a:ext cx="0" cy="0"/>
+          <a:chOff x="0" y="0"/>
+          <a:chExt cx="0" cy="0"/>
+        </a:xfrm>
+      </p:grpSpPr>
+      <p:sp>
+        <p:nvSpPr>
+          <p:cNvPr id="2" name="TextBox 1">
+            <a:extLst>
+              <a:ext uri="{FF2B5EF4-FFF2-40B4-BE49-F238E27FC236}">
+                <a16:creationId xmlns:a16="http://schemas.microsoft.com/office/drawing/2014/main" id="{21A7DBE9-2DE9-F0B6-F5C5-7DB6C44D8D28}"/>
+              </a:ext>
+            </a:extLst>
+          </p:cNvPr>
+          <p:cNvSpPr txBox="1"/>
+          <p:nvPr/>
+        </p:nvSpPr>
+        <p:spPr>
+          <a:xfrm>
+            <a:off x="143435" y="130844"/>
+            <a:ext cx="9744635" cy="584775"/>
+          </a:xfrm>
+          <a:prstGeom prst="rect">
+            <a:avLst/>
+          </a:prstGeom>
+          <a:noFill/>
+        </p:spPr>
+        <p:txBody>
+          <a:bodyPr wrap="square" rtlCol="0">
+            <a:spAutoFit/>
+          </a:bodyPr>
+          <a:lstStyle/>
+          <a:p>
+            <a:pPr algn="just"/>
+            <a:r>
+              <a:rPr lang="en-US" altLang="ko-KR" sz="3200" dirty="0">
+                <a:solidFill>
+                  <a:schemeClr val="tx1">
+                    <a:lumMod val="65000"/>
+                    <a:lumOff val="35000"/>
+                  </a:schemeClr>
+                </a:solidFill>
+                <a:latin typeface="배달의민족 도현" panose="020B0600000101010101" pitchFamily="50" charset="-127"/>
+                <a:ea typeface="배달의민족 도현" panose="020B0600000101010101" pitchFamily="50" charset="-127"/>
+              </a:rPr>
+              <a:t>ICN+DTN </a:t>
+            </a:r>
+            <a:r>
+              <a:rPr lang="ko-KR" altLang="en-US" sz="3200" dirty="0">
+                <a:solidFill>
+                  <a:schemeClr val="tx1">
+                    <a:lumMod val="65000"/>
+                    <a:lumOff val="35000"/>
+                  </a:schemeClr>
+                </a:solidFill>
+                <a:latin typeface="배달의민족 도현" panose="020B0600000101010101" pitchFamily="50" charset="-127"/>
+                <a:ea typeface="배달의민족 도현" panose="020B0600000101010101" pitchFamily="50" charset="-127"/>
+              </a:rPr>
+              <a:t>기술 동향</a:t>
+            </a:r>
+            <a:endParaRPr lang="en-US" altLang="ko-KR" sz="3200" dirty="0">
+              <a:solidFill>
+                <a:schemeClr val="tx1">
+                  <a:lumMod val="65000"/>
+                  <a:lumOff val="35000"/>
+                </a:schemeClr>
+              </a:solidFill>
+              <a:latin typeface="배달의민족 도현" panose="020B0600000101010101" pitchFamily="50" charset="-127"/>
+              <a:ea typeface="배달의민족 도현" panose="020B0600000101010101" pitchFamily="50" charset="-127"/>
+            </a:endParaRPr>
+          </a:p>
+        </p:txBody>
+      </p:sp>
+      <p:cxnSp>
+        <p:nvCxnSpPr>
+          <p:cNvPr id="6" name="직선 연결선 5">
+            <a:extLst>
+              <a:ext uri="{FF2B5EF4-FFF2-40B4-BE49-F238E27FC236}">
+                <a16:creationId xmlns:a16="http://schemas.microsoft.com/office/drawing/2014/main" id="{3CAFC98D-1DA6-5CE0-43FD-6D3D9C8D3B4F}"/>
+              </a:ext>
+            </a:extLst>
+          </p:cNvPr>
+          <p:cNvCxnSpPr>
+            <a:cxnSpLocks/>
+          </p:cNvCxnSpPr>
+          <p:nvPr/>
+        </p:nvCxnSpPr>
+        <p:spPr>
+          <a:xfrm>
+            <a:off x="206188" y="724225"/>
+            <a:ext cx="3626776" cy="0"/>
+          </a:xfrm>
+          <a:prstGeom prst="line">
+            <a:avLst/>
+          </a:prstGeom>
+          <a:ln w="57150">
+            <a:solidFill>
+              <a:schemeClr val="accent1">
+                <a:lumMod val="75000"/>
+              </a:schemeClr>
+            </a:solidFill>
+          </a:ln>
+        </p:spPr>
+        <p:style>
+          <a:lnRef idx="1">
+            <a:schemeClr val="accent1"/>
+          </a:lnRef>
+          <a:fillRef idx="0">
+            <a:schemeClr val="accent1"/>
+          </a:fillRef>
+          <a:effectRef idx="0">
+            <a:schemeClr val="accent1"/>
+          </a:effectRef>
+          <a:fontRef idx="minor">
+            <a:schemeClr val="tx1"/>
+          </a:fontRef>
+        </p:style>
+      </p:cxnSp>
+      <p:sp>
+        <p:nvSpPr>
+          <p:cNvPr id="10" name="TextBox 9">
+            <a:extLst>
+              <a:ext uri="{FF2B5EF4-FFF2-40B4-BE49-F238E27FC236}">
+                <a16:creationId xmlns:a16="http://schemas.microsoft.com/office/drawing/2014/main" id="{266829A7-D0F8-7CDF-D9BC-CA16B9A4C881}"/>
+              </a:ext>
+            </a:extLst>
+          </p:cNvPr>
+          <p:cNvSpPr txBox="1"/>
+          <p:nvPr/>
+        </p:nvSpPr>
+        <p:spPr>
+          <a:xfrm>
+            <a:off x="206187" y="715619"/>
+            <a:ext cx="11842378" cy="1894621"/>
+          </a:xfrm>
+          <a:prstGeom prst="rect">
+            <a:avLst/>
+          </a:prstGeom>
+          <a:noFill/>
+        </p:spPr>
+        <p:txBody>
+          <a:bodyPr wrap="square" rtlCol="0">
+            <a:spAutoFit/>
+          </a:bodyPr>
+          <a:lstStyle/>
+          <a:p>
+            <a:pPr>
+              <a:lnSpc>
+                <a:spcPct val="150000"/>
+              </a:lnSpc>
+            </a:pPr>
+            <a:r>
+              <a:rPr lang="en-US" altLang="ko-KR" sz="2000" b="1" dirty="0">
+                <a:solidFill>
+                  <a:schemeClr val="accent1"/>
+                </a:solidFill>
+                <a:latin typeface="한컴 고딕" panose="02000500000000000000" pitchFamily="2" charset="-127"/>
+                <a:ea typeface="한컴 고딕" panose="02000500000000000000" pitchFamily="2" charset="-127"/>
+              </a:rPr>
+              <a:t>ICN+DTN </a:t>
+            </a:r>
+            <a:r>
+              <a:rPr lang="ko-KR" altLang="en-US" sz="2000" b="1" dirty="0">
+                <a:solidFill>
+                  <a:schemeClr val="accent1"/>
+                </a:solidFill>
+                <a:latin typeface="한컴 고딕" panose="02000500000000000000" pitchFamily="2" charset="-127"/>
+                <a:ea typeface="한컴 고딕" panose="02000500000000000000" pitchFamily="2" charset="-127"/>
+              </a:rPr>
+              <a:t>기술과 관련된 연구</a:t>
+            </a:r>
+            <a:endParaRPr lang="en-US" altLang="ko-KR" sz="2000" b="1" dirty="0">
+              <a:solidFill>
+                <a:schemeClr val="accent1"/>
+              </a:solidFill>
+              <a:latin typeface="한컴 고딕" panose="02000500000000000000" pitchFamily="2" charset="-127"/>
+              <a:ea typeface="한컴 고딕" panose="02000500000000000000" pitchFamily="2" charset="-127"/>
+            </a:endParaRPr>
+          </a:p>
+          <a:p>
+            <a:pPr marL="342900" indent="-342900">
+              <a:lnSpc>
+                <a:spcPct val="150000"/>
+              </a:lnSpc>
+              <a:buFont typeface="Arial" panose="020B0604020202020204" pitchFamily="34" charset="0"/>
+              <a:buChar char="•"/>
+            </a:pPr>
+            <a:r>
+              <a:rPr lang="ko-KR" altLang="en-US" sz="2000" b="1" dirty="0">
+                <a:solidFill>
+                  <a:schemeClr val="tx1">
+                    <a:lumMod val="50000"/>
+                    <a:lumOff val="50000"/>
+                  </a:schemeClr>
+                </a:solidFill>
+                <a:latin typeface="한컴 고딕" panose="02000500000000000000" pitchFamily="2" charset="-127"/>
+                <a:ea typeface="한컴 고딕" panose="02000500000000000000" pitchFamily="2" charset="-127"/>
+                <a:sym typeface="Wingdings" panose="05000000000000000000" pitchFamily="2" charset="2"/>
+              </a:rPr>
+              <a:t>재난 시 메시지 보드를 이용한 생존자 간 메시지 전달 방안 제시</a:t>
+            </a:r>
+            <a:endParaRPr lang="en-US" altLang="ko-KR" sz="2000" b="1" dirty="0">
+              <a:solidFill>
+                <a:schemeClr val="tx1">
+                  <a:lumMod val="50000"/>
+                  <a:lumOff val="50000"/>
+                </a:schemeClr>
+              </a:solidFill>
+              <a:latin typeface="한컴 고딕" panose="02000500000000000000" pitchFamily="2" charset="-127"/>
+              <a:ea typeface="한컴 고딕" panose="02000500000000000000" pitchFamily="2" charset="-127"/>
+              <a:sym typeface="Wingdings" panose="05000000000000000000" pitchFamily="2" charset="2"/>
+            </a:endParaRPr>
+          </a:p>
+          <a:p>
+            <a:pPr marL="800100" lvl="1" indent="-342900">
+              <a:lnSpc>
+                <a:spcPct val="150000"/>
+              </a:lnSpc>
+              <a:buFont typeface="Arial" panose="020B0604020202020204" pitchFamily="34" charset="0"/>
+              <a:buChar char="•"/>
+            </a:pPr>
+            <a:r>
+              <a:rPr lang="ko-KR" altLang="en-US" sz="2000" b="1" dirty="0">
+                <a:solidFill>
+                  <a:schemeClr val="tx1">
+                    <a:lumMod val="50000"/>
+                    <a:lumOff val="50000"/>
+                  </a:schemeClr>
+                </a:solidFill>
+                <a:latin typeface="한컴 고딕" panose="02000500000000000000" pitchFamily="2" charset="-127"/>
+                <a:ea typeface="한컴 고딕" panose="02000500000000000000" pitchFamily="2" charset="-127"/>
+                <a:sym typeface="Wingdings" panose="05000000000000000000" pitchFamily="2" charset="2"/>
+              </a:rPr>
+              <a:t>메시지 보드를 이용하여 분할 네트워크에 존재하는 생존자가 구독 방식을 통해 메시지 보드에 등록된 정보를 확인할 수 있다</a:t>
+            </a:r>
+            <a:r>
+              <a:rPr lang="en-US" altLang="ko-KR" sz="2000" b="1" dirty="0">
+                <a:solidFill>
+                  <a:schemeClr val="tx1">
+                    <a:lumMod val="50000"/>
+                    <a:lumOff val="50000"/>
+                  </a:schemeClr>
+                </a:solidFill>
+                <a:latin typeface="한컴 고딕" panose="02000500000000000000" pitchFamily="2" charset="-127"/>
+                <a:ea typeface="한컴 고딕" panose="02000500000000000000" pitchFamily="2" charset="-127"/>
+                <a:sym typeface="Wingdings" panose="05000000000000000000" pitchFamily="2" charset="2"/>
+              </a:rPr>
+              <a:t>.</a:t>
+            </a:r>
+          </a:p>
+        </p:txBody>
+      </p:sp>
+      <p:sp>
+        <p:nvSpPr>
+          <p:cNvPr id="3" name="슬라이드 번호 개체 틀 2">
+            <a:extLst>
+              <a:ext uri="{FF2B5EF4-FFF2-40B4-BE49-F238E27FC236}">
+                <a16:creationId xmlns:a16="http://schemas.microsoft.com/office/drawing/2014/main" id="{4EC25071-CFFA-8C9C-CB7A-29C2F016666E}"/>
+              </a:ext>
+            </a:extLst>
+          </p:cNvPr>
+          <p:cNvSpPr>
+            <a:spLocks noGrp="1"/>
+          </p:cNvSpPr>
+          <p:nvPr>
+            <p:ph type="sldNum" sz="quarter" idx="12"/>
+          </p:nvPr>
+        </p:nvSpPr>
+        <p:spPr/>
+        <p:txBody>
+          <a:bodyPr/>
+          <a:lstStyle/>
+          <a:p>
+            <a:fld id="{4503EA79-8FE5-4AB7-9144-49D69278BFF0}" type="slidenum">
+              <a:rPr lang="ko-KR" altLang="en-US" smtClean="0"/>
+              <a:t>10</a:t>
+            </a:fld>
+            <a:endParaRPr lang="ko-KR" altLang="en-US" dirty="0"/>
+          </a:p>
+        </p:txBody>
+      </p:sp>
+    </p:spTree>
+    <p:extLst>
+      <p:ext uri="{BB962C8B-B14F-4D97-AF65-F5344CB8AC3E}">
+        <p14:creationId xmlns:p14="http://schemas.microsoft.com/office/powerpoint/2010/main" val="2050542938"/>
+      </p:ext>
+    </p:extLst>
+  </p:cSld>
+  <p:clrMapOvr>
+    <a:masterClrMapping/>
+  </p:clrMapOvr>
+</p:sld>
+</file>
+
+<file path=ppt/slides/slide11.xml><?xml version="1.0" encoding="utf-8"?>
+<p:sld xmlns:a="http://schemas.openxmlformats.org/drawingml/2006/main" xmlns:r="http://schemas.openxmlformats.org/officeDocument/2006/relationships" xmlns:p="http://schemas.openxmlformats.org/presentationml/2006/main">
+  <p:cSld>
+    <p:spTree>
+      <p:nvGrpSpPr>
+        <p:cNvPr id="1" name=""/>
+        <p:cNvGrpSpPr/>
+        <p:nvPr/>
+      </p:nvGrpSpPr>
+      <p:grpSpPr>
+        <a:xfrm>
+          <a:off x="0" y="0"/>
+          <a:ext cx="0" cy="0"/>
+          <a:chOff x="0" y="0"/>
+          <a:chExt cx="0" cy="0"/>
+        </a:xfrm>
+      </p:grpSpPr>
+      <p:sp>
+        <p:nvSpPr>
+          <p:cNvPr id="2" name="TextBox 1">
+            <a:extLst>
+              <a:ext uri="{FF2B5EF4-FFF2-40B4-BE49-F238E27FC236}">
+                <a16:creationId xmlns:a16="http://schemas.microsoft.com/office/drawing/2014/main" id="{21A7DBE9-2DE9-F0B6-F5C5-7DB6C44D8D28}"/>
+              </a:ext>
+            </a:extLst>
+          </p:cNvPr>
+          <p:cNvSpPr txBox="1"/>
+          <p:nvPr/>
+        </p:nvSpPr>
+        <p:spPr>
+          <a:xfrm>
+            <a:off x="570947" y="2567226"/>
+            <a:ext cx="9744635" cy="923330"/>
+          </a:xfrm>
+          <a:prstGeom prst="rect">
+            <a:avLst/>
+          </a:prstGeom>
+          <a:noFill/>
+        </p:spPr>
+        <p:txBody>
+          <a:bodyPr wrap="square" rtlCol="0">
+            <a:spAutoFit/>
+          </a:bodyPr>
+          <a:lstStyle/>
+          <a:p>
+            <a:pPr algn="just"/>
+            <a:r>
+              <a:rPr lang="en-US" altLang="ko-KR" sz="5400" dirty="0">
+                <a:solidFill>
+                  <a:schemeClr val="tx1">
+                    <a:lumMod val="65000"/>
+                    <a:lumOff val="35000"/>
+                  </a:schemeClr>
+                </a:solidFill>
+                <a:latin typeface="배달의민족 도현" panose="020B0600000101010101" pitchFamily="50" charset="-127"/>
+                <a:ea typeface="배달의민족 도현" panose="020B0600000101010101" pitchFamily="50" charset="-127"/>
+              </a:rPr>
+              <a:t>ICN+DTN </a:t>
+            </a:r>
+            <a:r>
+              <a:rPr lang="ko-KR" altLang="en-US" sz="5400" dirty="0">
+                <a:solidFill>
+                  <a:schemeClr val="tx1">
+                    <a:lumMod val="65000"/>
+                    <a:lumOff val="35000"/>
+                  </a:schemeClr>
+                </a:solidFill>
+                <a:latin typeface="배달의민족 도현" panose="020B0600000101010101" pitchFamily="50" charset="-127"/>
+                <a:ea typeface="배달의민족 도현" panose="020B0600000101010101" pitchFamily="50" charset="-127"/>
+              </a:rPr>
+              <a:t>프로젝트 동향</a:t>
+            </a:r>
+            <a:endParaRPr lang="en-US" altLang="ko-KR" sz="5000" dirty="0">
+              <a:solidFill>
+                <a:schemeClr val="tx1">
+                  <a:lumMod val="65000"/>
+                  <a:lumOff val="35000"/>
+                </a:schemeClr>
+              </a:solidFill>
+              <a:latin typeface="배달의민족 도현" panose="020B0600000101010101" pitchFamily="50" charset="-127"/>
+              <a:ea typeface="배달의민족 도현" panose="020B0600000101010101" pitchFamily="50" charset="-127"/>
+            </a:endParaRPr>
+          </a:p>
+        </p:txBody>
+      </p:sp>
+      <p:sp>
+        <p:nvSpPr>
+          <p:cNvPr id="3" name="슬라이드 번호 개체 틀 2">
+            <a:extLst>
+              <a:ext uri="{FF2B5EF4-FFF2-40B4-BE49-F238E27FC236}">
+                <a16:creationId xmlns:a16="http://schemas.microsoft.com/office/drawing/2014/main" id="{CE2C3055-3767-2EC3-17AD-3FDE29F361B0}"/>
+              </a:ext>
+            </a:extLst>
+          </p:cNvPr>
+          <p:cNvSpPr>
+            <a:spLocks noGrp="1"/>
+          </p:cNvSpPr>
+          <p:nvPr>
+            <p:ph type="sldNum" sz="quarter" idx="12"/>
+          </p:nvPr>
+        </p:nvSpPr>
+        <p:spPr/>
+        <p:txBody>
+          <a:bodyPr/>
+          <a:lstStyle/>
+          <a:p>
+            <a:fld id="{4503EA79-8FE5-4AB7-9144-49D69278BFF0}" type="slidenum">
+              <a:rPr lang="ko-KR" altLang="en-US" smtClean="0"/>
+              <a:t>11</a:t>
+            </a:fld>
+            <a:endParaRPr lang="ko-KR" altLang="en-US"/>
+          </a:p>
+        </p:txBody>
+      </p:sp>
+      <p:cxnSp>
+        <p:nvCxnSpPr>
+          <p:cNvPr id="4" name="직선 연결선 3">
+            <a:extLst>
+              <a:ext uri="{FF2B5EF4-FFF2-40B4-BE49-F238E27FC236}">
+                <a16:creationId xmlns:a16="http://schemas.microsoft.com/office/drawing/2014/main" id="{00650591-D617-465F-DFD1-82178FC4CBF0}"/>
+              </a:ext>
+            </a:extLst>
+          </p:cNvPr>
+          <p:cNvCxnSpPr>
+            <a:cxnSpLocks/>
+          </p:cNvCxnSpPr>
+          <p:nvPr/>
+        </p:nvCxnSpPr>
+        <p:spPr>
+          <a:xfrm>
+            <a:off x="570947" y="3429000"/>
+            <a:ext cx="7508341" cy="0"/>
+          </a:xfrm>
+          <a:prstGeom prst="line">
+            <a:avLst/>
+          </a:prstGeom>
+          <a:ln w="57150">
+            <a:solidFill>
+              <a:schemeClr val="accent1">
+                <a:lumMod val="75000"/>
+              </a:schemeClr>
+            </a:solidFill>
+          </a:ln>
+        </p:spPr>
+        <p:style>
+          <a:lnRef idx="1">
+            <a:schemeClr val="accent1"/>
+          </a:lnRef>
+          <a:fillRef idx="0">
+            <a:schemeClr val="accent1"/>
+          </a:fillRef>
+          <a:effectRef idx="0">
+            <a:schemeClr val="accent1"/>
+          </a:effectRef>
+          <a:fontRef idx="minor">
+            <a:schemeClr val="tx1"/>
+          </a:fontRef>
+        </p:style>
+      </p:cxnSp>
+      <p:sp>
+        <p:nvSpPr>
+          <p:cNvPr id="7" name="직사각형 6">
+            <a:extLst>
+              <a:ext uri="{FF2B5EF4-FFF2-40B4-BE49-F238E27FC236}">
+                <a16:creationId xmlns:a16="http://schemas.microsoft.com/office/drawing/2014/main" id="{A2519E08-BC8B-64F6-779D-97498F7134AE}"/>
+              </a:ext>
+            </a:extLst>
+          </p:cNvPr>
+          <p:cNvSpPr/>
+          <p:nvPr/>
+        </p:nvSpPr>
+        <p:spPr>
+          <a:xfrm>
+            <a:off x="0" y="0"/>
+            <a:ext cx="12192000" cy="6858000"/>
+          </a:xfrm>
+          <a:prstGeom prst="rect">
+            <a:avLst/>
+          </a:prstGeom>
+          <a:noFill/>
+          <a:ln w="190500">
+            <a:solidFill>
+              <a:schemeClr val="accent1">
+                <a:lumMod val="75000"/>
+              </a:schemeClr>
+            </a:solidFill>
+          </a:ln>
+        </p:spPr>
+        <p:style>
+          <a:lnRef idx="2">
+            <a:schemeClr val="accent1">
+              <a:shade val="50000"/>
+            </a:schemeClr>
+          </a:lnRef>
+          <a:fillRef idx="1">
+            <a:schemeClr val="accent1"/>
+          </a:fillRef>
+          <a:effectRef idx="0">
+            <a:schemeClr val="accent1"/>
+          </a:effectRef>
+          <a:fontRef idx="minor">
+            <a:schemeClr val="lt1"/>
+          </a:fontRef>
+        </p:style>
+        <p:txBody>
+          <a:bodyPr rtlCol="0" anchor="ctr"/>
+          <a:lstStyle/>
+          <a:p>
+            <a:pPr algn="ctr"/>
+            <a:endParaRPr lang="ko-KR" altLang="en-US" dirty="0"/>
+          </a:p>
+        </p:txBody>
+      </p:sp>
+    </p:spTree>
+    <p:extLst>
+      <p:ext uri="{BB962C8B-B14F-4D97-AF65-F5344CB8AC3E}">
+        <p14:creationId xmlns:p14="http://schemas.microsoft.com/office/powerpoint/2010/main" val="1133231636"/>
+      </p:ext>
+    </p:extLst>
+  </p:cSld>
+  <p:clrMapOvr>
+    <a:masterClrMapping/>
+  </p:clrMapOvr>
+</p:sld>
+</file>
+
+<file path=ppt/slides/slide12.xml><?xml version="1.0" encoding="utf-8"?>
+<p:sld xmlns:a="http://schemas.openxmlformats.org/drawingml/2006/main" xmlns:r="http://schemas.openxmlformats.org/officeDocument/2006/relationships" xmlns:p="http://schemas.openxmlformats.org/presentationml/2006/main">
+  <p:cSld>
+    <p:spTree>
+      <p:nvGrpSpPr>
+        <p:cNvPr id="1" name=""/>
+        <p:cNvGrpSpPr/>
+        <p:nvPr/>
+      </p:nvGrpSpPr>
+      <p:grpSpPr>
+        <a:xfrm>
+          <a:off x="0" y="0"/>
+          <a:ext cx="0" cy="0"/>
+          <a:chOff x="0" y="0"/>
+          <a:chExt cx="0" cy="0"/>
+        </a:xfrm>
+      </p:grpSpPr>
+      <p:sp>
+        <p:nvSpPr>
+          <p:cNvPr id="2" name="TextBox 1">
+            <a:extLst>
+              <a:ext uri="{FF2B5EF4-FFF2-40B4-BE49-F238E27FC236}">
+                <a16:creationId xmlns:a16="http://schemas.microsoft.com/office/drawing/2014/main" id="{21A7DBE9-2DE9-F0B6-F5C5-7DB6C44D8D28}"/>
+              </a:ext>
+            </a:extLst>
+          </p:cNvPr>
+          <p:cNvSpPr txBox="1"/>
+          <p:nvPr/>
+        </p:nvSpPr>
+        <p:spPr>
+          <a:xfrm>
+            <a:off x="143435" y="130844"/>
+            <a:ext cx="9744635" cy="584775"/>
+          </a:xfrm>
+          <a:prstGeom prst="rect">
+            <a:avLst/>
+          </a:prstGeom>
+          <a:noFill/>
+        </p:spPr>
+        <p:txBody>
+          <a:bodyPr wrap="square" rtlCol="0">
+            <a:spAutoFit/>
+          </a:bodyPr>
+          <a:lstStyle/>
+          <a:p>
+            <a:pPr algn="just"/>
+            <a:r>
+              <a:rPr lang="en-US" altLang="ko-KR" sz="3200" dirty="0">
+                <a:solidFill>
+                  <a:schemeClr val="tx1">
+                    <a:lumMod val="65000"/>
+                    <a:lumOff val="35000"/>
+                  </a:schemeClr>
+                </a:solidFill>
+                <a:latin typeface="배달의민족 도현" panose="020B0600000101010101" pitchFamily="50" charset="-127"/>
+                <a:ea typeface="배달의민족 도현" panose="020B0600000101010101" pitchFamily="50" charset="-127"/>
+              </a:rPr>
+              <a:t>ICN+DTN </a:t>
+            </a:r>
+            <a:r>
+              <a:rPr lang="ko-KR" altLang="en-US" sz="3200" dirty="0">
+                <a:solidFill>
+                  <a:schemeClr val="tx1">
+                    <a:lumMod val="65000"/>
+                    <a:lumOff val="35000"/>
+                  </a:schemeClr>
+                </a:solidFill>
+                <a:latin typeface="배달의민족 도현" panose="020B0600000101010101" pitchFamily="50" charset="-127"/>
+                <a:ea typeface="배달의민족 도현" panose="020B0600000101010101" pitchFamily="50" charset="-127"/>
+              </a:rPr>
+              <a:t>프로젝트 동향</a:t>
+            </a:r>
+            <a:endParaRPr lang="en-US" altLang="ko-KR" sz="3200" dirty="0">
+              <a:solidFill>
+                <a:schemeClr val="tx1">
+                  <a:lumMod val="65000"/>
+                  <a:lumOff val="35000"/>
+                </a:schemeClr>
+              </a:solidFill>
+              <a:latin typeface="배달의민족 도현" panose="020B0600000101010101" pitchFamily="50" charset="-127"/>
+              <a:ea typeface="배달의민족 도현" panose="020B0600000101010101" pitchFamily="50" charset="-127"/>
+            </a:endParaRPr>
+          </a:p>
+        </p:txBody>
+      </p:sp>
+      <p:cxnSp>
+        <p:nvCxnSpPr>
+          <p:cNvPr id="6" name="직선 연결선 5">
+            <a:extLst>
+              <a:ext uri="{FF2B5EF4-FFF2-40B4-BE49-F238E27FC236}">
+                <a16:creationId xmlns:a16="http://schemas.microsoft.com/office/drawing/2014/main" id="{3CAFC98D-1DA6-5CE0-43FD-6D3D9C8D3B4F}"/>
+              </a:ext>
+            </a:extLst>
+          </p:cNvPr>
+          <p:cNvCxnSpPr>
+            <a:cxnSpLocks/>
+          </p:cNvCxnSpPr>
+          <p:nvPr/>
+        </p:nvCxnSpPr>
+        <p:spPr>
+          <a:xfrm>
+            <a:off x="206188" y="724225"/>
+            <a:ext cx="4440968" cy="0"/>
+          </a:xfrm>
+          <a:prstGeom prst="line">
+            <a:avLst/>
+          </a:prstGeom>
+          <a:ln w="57150">
+            <a:solidFill>
+              <a:schemeClr val="accent1">
+                <a:lumMod val="75000"/>
+              </a:schemeClr>
+            </a:solidFill>
+          </a:ln>
+        </p:spPr>
+        <p:style>
+          <a:lnRef idx="1">
+            <a:schemeClr val="accent1"/>
+          </a:lnRef>
+          <a:fillRef idx="0">
+            <a:schemeClr val="accent1"/>
+          </a:fillRef>
+          <a:effectRef idx="0">
+            <a:schemeClr val="accent1"/>
+          </a:effectRef>
+          <a:fontRef idx="minor">
+            <a:schemeClr val="tx1"/>
+          </a:fontRef>
+        </p:style>
+      </p:cxnSp>
+      <p:sp>
+        <p:nvSpPr>
+          <p:cNvPr id="10" name="TextBox 9">
+            <a:extLst>
+              <a:ext uri="{FF2B5EF4-FFF2-40B4-BE49-F238E27FC236}">
+                <a16:creationId xmlns:a16="http://schemas.microsoft.com/office/drawing/2014/main" id="{266829A7-D0F8-7CDF-D9BC-CA16B9A4C881}"/>
+              </a:ext>
+            </a:extLst>
+          </p:cNvPr>
+          <p:cNvSpPr txBox="1"/>
+          <p:nvPr/>
+        </p:nvSpPr>
+        <p:spPr>
+          <a:xfrm>
+            <a:off x="206187" y="715619"/>
+            <a:ext cx="11842378" cy="3741281"/>
+          </a:xfrm>
+          <a:prstGeom prst="rect">
+            <a:avLst/>
+          </a:prstGeom>
+          <a:noFill/>
+        </p:spPr>
+        <p:txBody>
+          <a:bodyPr wrap="square" rtlCol="0">
+            <a:spAutoFit/>
+          </a:bodyPr>
+          <a:lstStyle/>
+          <a:p>
+            <a:pPr>
+              <a:lnSpc>
+                <a:spcPct val="150000"/>
+              </a:lnSpc>
+            </a:pPr>
+            <a:r>
+              <a:rPr lang="en-US" altLang="ko-KR" sz="2000" b="1" dirty="0">
+                <a:solidFill>
+                  <a:schemeClr val="accent1"/>
+                </a:solidFill>
+                <a:latin typeface="한컴 고딕" panose="02000500000000000000" pitchFamily="2" charset="-127"/>
+                <a:ea typeface="한컴 고딕" panose="02000500000000000000" pitchFamily="2" charset="-127"/>
+              </a:rPr>
+              <a:t>Green ICN</a:t>
+            </a:r>
+          </a:p>
+          <a:p>
+            <a:pPr marL="342900" indent="-342900">
+              <a:lnSpc>
+                <a:spcPct val="150000"/>
+              </a:lnSpc>
+              <a:buFont typeface="Arial" panose="020B0604020202020204" pitchFamily="34" charset="0"/>
+              <a:buChar char="•"/>
+            </a:pPr>
+            <a:r>
+              <a:rPr lang="ko-KR" altLang="en-US" sz="2000" b="1" dirty="0">
+                <a:solidFill>
+                  <a:schemeClr val="tx1">
+                    <a:lumMod val="50000"/>
+                    <a:lumOff val="50000"/>
+                  </a:schemeClr>
+                </a:solidFill>
+                <a:latin typeface="한컴 고딕" panose="02000500000000000000" pitchFamily="2" charset="-127"/>
+                <a:ea typeface="한컴 고딕" panose="02000500000000000000" pitchFamily="2" charset="-127"/>
+                <a:sym typeface="Wingdings" panose="05000000000000000000" pitchFamily="2" charset="2"/>
+              </a:rPr>
+              <a:t>일본과 </a:t>
+            </a:r>
+            <a:r>
+              <a:rPr lang="en-US" altLang="ko-KR" sz="2000" b="1" dirty="0">
+                <a:solidFill>
+                  <a:schemeClr val="tx1">
+                    <a:lumMod val="50000"/>
+                    <a:lumOff val="50000"/>
+                  </a:schemeClr>
+                </a:solidFill>
+                <a:latin typeface="한컴 고딕" panose="02000500000000000000" pitchFamily="2" charset="-127"/>
+                <a:ea typeface="한컴 고딕" panose="02000500000000000000" pitchFamily="2" charset="-127"/>
+                <a:sym typeface="Wingdings" panose="05000000000000000000" pitchFamily="2" charset="2"/>
+              </a:rPr>
+              <a:t>EU </a:t>
+            </a:r>
+            <a:r>
+              <a:rPr lang="ko-KR" altLang="en-US" sz="2000" b="1" dirty="0">
+                <a:solidFill>
+                  <a:schemeClr val="tx1">
+                    <a:lumMod val="50000"/>
+                    <a:lumOff val="50000"/>
+                  </a:schemeClr>
+                </a:solidFill>
+                <a:latin typeface="한컴 고딕" panose="02000500000000000000" pitchFamily="2" charset="-127"/>
+                <a:ea typeface="한컴 고딕" panose="02000500000000000000" pitchFamily="2" charset="-127"/>
+                <a:sym typeface="Wingdings" panose="05000000000000000000" pitchFamily="2" charset="2"/>
+              </a:rPr>
+              <a:t>연합으로 수행된 프로젝트</a:t>
+            </a:r>
+            <a:endParaRPr lang="en-US" altLang="ko-KR" sz="2000" b="1" dirty="0">
+              <a:solidFill>
+                <a:schemeClr val="tx1">
+                  <a:lumMod val="50000"/>
+                  <a:lumOff val="50000"/>
+                </a:schemeClr>
+              </a:solidFill>
+              <a:latin typeface="한컴 고딕" panose="02000500000000000000" pitchFamily="2" charset="-127"/>
+              <a:ea typeface="한컴 고딕" panose="02000500000000000000" pitchFamily="2" charset="-127"/>
+              <a:sym typeface="Wingdings" panose="05000000000000000000" pitchFamily="2" charset="2"/>
+            </a:endParaRPr>
+          </a:p>
+          <a:p>
+            <a:pPr marL="342900" indent="-342900">
+              <a:lnSpc>
+                <a:spcPct val="150000"/>
+              </a:lnSpc>
+              <a:buFont typeface="Arial" panose="020B0604020202020204" pitchFamily="34" charset="0"/>
+              <a:buChar char="•"/>
+            </a:pPr>
+            <a:r>
+              <a:rPr lang="ko-KR" altLang="en-US" sz="2000" b="1" dirty="0">
+                <a:solidFill>
+                  <a:schemeClr val="tx1">
+                    <a:lumMod val="50000"/>
+                    <a:lumOff val="50000"/>
+                  </a:schemeClr>
+                </a:solidFill>
+                <a:latin typeface="한컴 고딕" panose="02000500000000000000" pitchFamily="2" charset="-127"/>
+                <a:ea typeface="한컴 고딕" panose="02000500000000000000" pitchFamily="2" charset="-127"/>
+                <a:sym typeface="Wingdings" panose="05000000000000000000" pitchFamily="2" charset="2"/>
+              </a:rPr>
+              <a:t>목적 </a:t>
+            </a:r>
+            <a:r>
+              <a:rPr lang="en-US" altLang="ko-KR" sz="2000" b="1" dirty="0">
+                <a:solidFill>
+                  <a:schemeClr val="tx1">
+                    <a:lumMod val="50000"/>
+                    <a:lumOff val="50000"/>
+                  </a:schemeClr>
+                </a:solidFill>
+                <a:latin typeface="한컴 고딕" panose="02000500000000000000" pitchFamily="2" charset="-127"/>
+                <a:ea typeface="한컴 고딕" panose="02000500000000000000" pitchFamily="2" charset="-127"/>
+                <a:sym typeface="Wingdings" panose="05000000000000000000" pitchFamily="2" charset="2"/>
+              </a:rPr>
+              <a:t>: </a:t>
+            </a:r>
+            <a:r>
+              <a:rPr lang="ko-KR" altLang="en-US" sz="2000" b="1" dirty="0">
+                <a:solidFill>
+                  <a:schemeClr val="tx1">
+                    <a:lumMod val="50000"/>
+                    <a:lumOff val="50000"/>
+                  </a:schemeClr>
+                </a:solidFill>
+                <a:latin typeface="한컴 고딕" panose="02000500000000000000" pitchFamily="2" charset="-127"/>
+                <a:ea typeface="한컴 고딕" panose="02000500000000000000" pitchFamily="2" charset="-127"/>
+                <a:sym typeface="Wingdings" panose="05000000000000000000" pitchFamily="2" charset="2"/>
+              </a:rPr>
+              <a:t>확장성이 있는 전력 효율적인 네트워크와 단말 설계</a:t>
+            </a:r>
+            <a:endParaRPr lang="en-US" altLang="ko-KR" sz="2000" b="1" dirty="0">
+              <a:solidFill>
+                <a:schemeClr val="tx1">
+                  <a:lumMod val="50000"/>
+                  <a:lumOff val="50000"/>
+                </a:schemeClr>
+              </a:solidFill>
+              <a:latin typeface="한컴 고딕" panose="02000500000000000000" pitchFamily="2" charset="-127"/>
+              <a:ea typeface="한컴 고딕" panose="02000500000000000000" pitchFamily="2" charset="-127"/>
+              <a:sym typeface="Wingdings" panose="05000000000000000000" pitchFamily="2" charset="2"/>
+            </a:endParaRPr>
+          </a:p>
+          <a:p>
+            <a:pPr marL="342900" indent="-342900">
+              <a:lnSpc>
+                <a:spcPct val="150000"/>
+              </a:lnSpc>
+              <a:buFont typeface="Arial" panose="020B0604020202020204" pitchFamily="34" charset="0"/>
+              <a:buChar char="•"/>
+            </a:pPr>
+            <a:r>
+              <a:rPr lang="ko-KR" altLang="en-US" sz="2000" b="1" dirty="0">
+                <a:solidFill>
+                  <a:schemeClr val="tx1">
+                    <a:lumMod val="50000"/>
+                    <a:lumOff val="50000"/>
+                  </a:schemeClr>
+                </a:solidFill>
+                <a:latin typeface="한컴 고딕" panose="02000500000000000000" pitchFamily="2" charset="-127"/>
+                <a:ea typeface="한컴 고딕" panose="02000500000000000000" pitchFamily="2" charset="-127"/>
+                <a:sym typeface="Wingdings" panose="05000000000000000000" pitchFamily="2" charset="2"/>
+              </a:rPr>
+              <a:t>프로젝트에서 고려하는 대표적인 시나리오</a:t>
+            </a:r>
+            <a:endParaRPr lang="en-US" altLang="ko-KR" sz="2000" b="1" dirty="0">
+              <a:solidFill>
+                <a:schemeClr val="tx1">
+                  <a:lumMod val="50000"/>
+                  <a:lumOff val="50000"/>
+                </a:schemeClr>
+              </a:solidFill>
+              <a:latin typeface="한컴 고딕" panose="02000500000000000000" pitchFamily="2" charset="-127"/>
+              <a:ea typeface="한컴 고딕" panose="02000500000000000000" pitchFamily="2" charset="-127"/>
+              <a:sym typeface="Wingdings" panose="05000000000000000000" pitchFamily="2" charset="2"/>
+            </a:endParaRPr>
+          </a:p>
+          <a:p>
+            <a:pPr marL="800100" lvl="1" indent="-342900">
+              <a:lnSpc>
+                <a:spcPct val="150000"/>
+              </a:lnSpc>
+              <a:buFont typeface="Arial" panose="020B0604020202020204" pitchFamily="34" charset="0"/>
+              <a:buChar char="•"/>
+            </a:pPr>
+            <a:r>
+              <a:rPr lang="ko-KR" altLang="en-US" sz="2000" b="1" dirty="0">
+                <a:solidFill>
+                  <a:schemeClr val="tx1">
+                    <a:lumMod val="50000"/>
+                    <a:lumOff val="50000"/>
+                  </a:schemeClr>
+                </a:solidFill>
+                <a:latin typeface="한컴 고딕" panose="02000500000000000000" pitchFamily="2" charset="-127"/>
+                <a:ea typeface="한컴 고딕" panose="02000500000000000000" pitchFamily="2" charset="-127"/>
+                <a:sym typeface="Wingdings" panose="05000000000000000000" pitchFamily="2" charset="2"/>
+              </a:rPr>
+              <a:t>재난 상황에서 효과적인 재난 안내 및 구조 정보의 전달</a:t>
+            </a:r>
+            <a:endParaRPr lang="en-US" altLang="ko-KR" sz="2000" b="1" dirty="0">
+              <a:solidFill>
+                <a:schemeClr val="tx1">
+                  <a:lumMod val="50000"/>
+                  <a:lumOff val="50000"/>
+                </a:schemeClr>
+              </a:solidFill>
+              <a:latin typeface="한컴 고딕" panose="02000500000000000000" pitchFamily="2" charset="-127"/>
+              <a:ea typeface="한컴 고딕" panose="02000500000000000000" pitchFamily="2" charset="-127"/>
+              <a:sym typeface="Wingdings" panose="05000000000000000000" pitchFamily="2" charset="2"/>
+            </a:endParaRPr>
+          </a:p>
+          <a:p>
+            <a:pPr marL="800100" lvl="1" indent="-342900">
+              <a:lnSpc>
+                <a:spcPct val="150000"/>
+              </a:lnSpc>
+              <a:buFont typeface="Arial" panose="020B0604020202020204" pitchFamily="34" charset="0"/>
+              <a:buChar char="•"/>
+            </a:pPr>
+            <a:r>
+              <a:rPr lang="ko-KR" altLang="en-US" sz="2000" b="1" dirty="0">
+                <a:solidFill>
+                  <a:schemeClr val="tx1">
+                    <a:lumMod val="50000"/>
+                    <a:lumOff val="50000"/>
+                  </a:schemeClr>
+                </a:solidFill>
+                <a:latin typeface="한컴 고딕" panose="02000500000000000000" pitchFamily="2" charset="-127"/>
+                <a:ea typeface="한컴 고딕" panose="02000500000000000000" pitchFamily="2" charset="-127"/>
+                <a:sym typeface="Wingdings" panose="05000000000000000000" pitchFamily="2" charset="2"/>
+              </a:rPr>
+              <a:t>캐시와 이름 기반 전달에 기반한 전력 효율적인 비디오 전송</a:t>
+            </a:r>
+            <a:endParaRPr lang="en-US" altLang="ko-KR" sz="2000" b="1" dirty="0">
+              <a:solidFill>
+                <a:schemeClr val="tx1">
+                  <a:lumMod val="50000"/>
+                  <a:lumOff val="50000"/>
+                </a:schemeClr>
+              </a:solidFill>
+              <a:latin typeface="한컴 고딕" panose="02000500000000000000" pitchFamily="2" charset="-127"/>
+              <a:ea typeface="한컴 고딕" panose="02000500000000000000" pitchFamily="2" charset="-127"/>
+              <a:sym typeface="Wingdings" panose="05000000000000000000" pitchFamily="2" charset="2"/>
+            </a:endParaRPr>
+          </a:p>
+          <a:p>
+            <a:pPr marL="342900" indent="-342900">
+              <a:lnSpc>
+                <a:spcPct val="150000"/>
+              </a:lnSpc>
+              <a:buFont typeface="Arial" panose="020B0604020202020204" pitchFamily="34" charset="0"/>
+              <a:buChar char="•"/>
+            </a:pPr>
+            <a:r>
+              <a:rPr lang="en-US" altLang="ko-KR" sz="2000" b="1" dirty="0">
+                <a:solidFill>
+                  <a:schemeClr val="tx1">
+                    <a:lumMod val="50000"/>
+                    <a:lumOff val="50000"/>
+                  </a:schemeClr>
+                </a:solidFill>
+                <a:latin typeface="한컴 고딕" panose="02000500000000000000" pitchFamily="2" charset="-127"/>
+                <a:ea typeface="한컴 고딕" panose="02000500000000000000" pitchFamily="2" charset="-127"/>
+                <a:sym typeface="Wingdings" panose="05000000000000000000" pitchFamily="2" charset="2"/>
+              </a:rPr>
+              <a:t>IRTF</a:t>
+            </a:r>
+            <a:r>
+              <a:rPr lang="ko-KR" altLang="en-US" sz="2000" b="1" dirty="0">
+                <a:solidFill>
+                  <a:schemeClr val="tx1">
+                    <a:lumMod val="50000"/>
+                    <a:lumOff val="50000"/>
+                  </a:schemeClr>
+                </a:solidFill>
+                <a:latin typeface="한컴 고딕" panose="02000500000000000000" pitchFamily="2" charset="-127"/>
+                <a:ea typeface="한컴 고딕" panose="02000500000000000000" pitchFamily="2" charset="-127"/>
+                <a:sym typeface="Wingdings" panose="05000000000000000000" pitchFamily="2" charset="2"/>
+              </a:rPr>
+              <a:t>의 </a:t>
+            </a:r>
+            <a:r>
+              <a:rPr lang="en-US" altLang="ko-KR" sz="2000" b="1" dirty="0">
+                <a:solidFill>
+                  <a:schemeClr val="tx1">
+                    <a:lumMod val="50000"/>
+                    <a:lumOff val="50000"/>
+                  </a:schemeClr>
+                </a:solidFill>
+                <a:latin typeface="한컴 고딕" panose="02000500000000000000" pitchFamily="2" charset="-127"/>
+                <a:ea typeface="한컴 고딕" panose="02000500000000000000" pitchFamily="2" charset="-127"/>
+                <a:sym typeface="Wingdings" panose="05000000000000000000" pitchFamily="2" charset="2"/>
+              </a:rPr>
+              <a:t>ICNRG(Information Centric Network Research Group)</a:t>
+            </a:r>
+            <a:r>
+              <a:rPr lang="ko-KR" altLang="en-US" sz="2000" b="1" dirty="0">
+                <a:solidFill>
+                  <a:schemeClr val="tx1">
+                    <a:lumMod val="50000"/>
+                    <a:lumOff val="50000"/>
+                  </a:schemeClr>
+                </a:solidFill>
+                <a:latin typeface="한컴 고딕" panose="02000500000000000000" pitchFamily="2" charset="-127"/>
+                <a:ea typeface="한컴 고딕" panose="02000500000000000000" pitchFamily="2" charset="-127"/>
+                <a:sym typeface="Wingdings" panose="05000000000000000000" pitchFamily="2" charset="2"/>
+              </a:rPr>
+              <a:t>의 표준화에도 참여하여 </a:t>
+            </a:r>
+            <a:r>
+              <a:rPr lang="en-US" altLang="ko-KR" sz="2000" b="1" dirty="0">
+                <a:solidFill>
+                  <a:schemeClr val="tx1">
+                    <a:lumMod val="50000"/>
+                    <a:lumOff val="50000"/>
+                  </a:schemeClr>
+                </a:solidFill>
+                <a:latin typeface="한컴 고딕" panose="02000500000000000000" pitchFamily="2" charset="-127"/>
+                <a:ea typeface="한컴 고딕" panose="02000500000000000000" pitchFamily="2" charset="-127"/>
+                <a:sym typeface="Wingdings" panose="05000000000000000000" pitchFamily="2" charset="2"/>
+              </a:rPr>
+              <a:t>ICN+DTN </a:t>
+            </a:r>
+            <a:r>
+              <a:rPr lang="ko-KR" altLang="en-US" sz="2000" b="1" dirty="0">
+                <a:solidFill>
+                  <a:schemeClr val="tx1">
+                    <a:lumMod val="50000"/>
+                    <a:lumOff val="50000"/>
+                  </a:schemeClr>
+                </a:solidFill>
+                <a:latin typeface="한컴 고딕" panose="02000500000000000000" pitchFamily="2" charset="-127"/>
+                <a:ea typeface="한컴 고딕" panose="02000500000000000000" pitchFamily="2" charset="-127"/>
+                <a:sym typeface="Wingdings" panose="05000000000000000000" pitchFamily="2" charset="2"/>
+              </a:rPr>
+              <a:t>기술의 필요성을 제시하고 </a:t>
+            </a:r>
+            <a:r>
+              <a:rPr lang="en-US" altLang="ko-KR" sz="2000" b="1" dirty="0">
+                <a:solidFill>
+                  <a:schemeClr val="tx1">
+                    <a:lumMod val="50000"/>
+                    <a:lumOff val="50000"/>
+                  </a:schemeClr>
+                </a:solidFill>
+                <a:latin typeface="한컴 고딕" panose="02000500000000000000" pitchFamily="2" charset="-127"/>
+                <a:ea typeface="한컴 고딕" panose="02000500000000000000" pitchFamily="2" charset="-127"/>
+                <a:sym typeface="Wingdings" panose="05000000000000000000" pitchFamily="2" charset="2"/>
+              </a:rPr>
+              <a:t>Use Cases, Requirements</a:t>
+            </a:r>
+            <a:r>
+              <a:rPr lang="ko-KR" altLang="en-US" sz="2000" b="1" dirty="0">
+                <a:solidFill>
+                  <a:schemeClr val="tx1">
+                    <a:lumMod val="50000"/>
+                    <a:lumOff val="50000"/>
+                  </a:schemeClr>
+                </a:solidFill>
+                <a:latin typeface="한컴 고딕" panose="02000500000000000000" pitchFamily="2" charset="-127"/>
+                <a:ea typeface="한컴 고딕" panose="02000500000000000000" pitchFamily="2" charset="-127"/>
+                <a:sym typeface="Wingdings" panose="05000000000000000000" pitchFamily="2" charset="2"/>
+              </a:rPr>
+              <a:t>를 정립함</a:t>
+            </a:r>
+          </a:p>
+        </p:txBody>
+      </p:sp>
+      <p:sp>
+        <p:nvSpPr>
+          <p:cNvPr id="3" name="슬라이드 번호 개체 틀 2">
+            <a:extLst>
+              <a:ext uri="{FF2B5EF4-FFF2-40B4-BE49-F238E27FC236}">
+                <a16:creationId xmlns:a16="http://schemas.microsoft.com/office/drawing/2014/main" id="{4EC25071-CFFA-8C9C-CB7A-29C2F016666E}"/>
+              </a:ext>
+            </a:extLst>
+          </p:cNvPr>
+          <p:cNvSpPr>
+            <a:spLocks noGrp="1"/>
+          </p:cNvSpPr>
+          <p:nvPr>
+            <p:ph type="sldNum" sz="quarter" idx="12"/>
+          </p:nvPr>
+        </p:nvSpPr>
+        <p:spPr/>
+        <p:txBody>
+          <a:bodyPr/>
+          <a:lstStyle/>
+          <a:p>
+            <a:fld id="{4503EA79-8FE5-4AB7-9144-49D69278BFF0}" type="slidenum">
+              <a:rPr lang="ko-KR" altLang="en-US" smtClean="0"/>
+              <a:t>12</a:t>
+            </a:fld>
+            <a:endParaRPr lang="ko-KR" altLang="en-US" dirty="0"/>
+          </a:p>
+        </p:txBody>
+      </p:sp>
+    </p:spTree>
+    <p:extLst>
+      <p:ext uri="{BB962C8B-B14F-4D97-AF65-F5344CB8AC3E}">
+        <p14:creationId xmlns:p14="http://schemas.microsoft.com/office/powerpoint/2010/main" val="1159704859"/>
+      </p:ext>
+    </p:extLst>
+  </p:cSld>
+  <p:clrMapOvr>
+    <a:masterClrMapping/>
+  </p:clrMapOvr>
+</p:sld>
+</file>
+
+<file path=ppt/slides/slide13.xml><?xml version="1.0" encoding="utf-8"?>
+<p:sld xmlns:a="http://schemas.openxmlformats.org/drawingml/2006/main" xmlns:r="http://schemas.openxmlformats.org/officeDocument/2006/relationships" xmlns:p="http://schemas.openxmlformats.org/presentationml/2006/main">
+  <p:cSld>
+    <p:spTree>
+      <p:nvGrpSpPr>
+        <p:cNvPr id="1" name=""/>
+        <p:cNvGrpSpPr/>
+        <p:nvPr/>
+      </p:nvGrpSpPr>
+      <p:grpSpPr>
+        <a:xfrm>
+          <a:off x="0" y="0"/>
+          <a:ext cx="0" cy="0"/>
+          <a:chOff x="0" y="0"/>
+          <a:chExt cx="0" cy="0"/>
+        </a:xfrm>
+      </p:grpSpPr>
+      <p:sp>
+        <p:nvSpPr>
+          <p:cNvPr id="2" name="TextBox 1">
+            <a:extLst>
+              <a:ext uri="{FF2B5EF4-FFF2-40B4-BE49-F238E27FC236}">
+                <a16:creationId xmlns:a16="http://schemas.microsoft.com/office/drawing/2014/main" id="{21A7DBE9-2DE9-F0B6-F5C5-7DB6C44D8D28}"/>
+              </a:ext>
+            </a:extLst>
+          </p:cNvPr>
+          <p:cNvSpPr txBox="1"/>
+          <p:nvPr/>
+        </p:nvSpPr>
+        <p:spPr>
+          <a:xfrm>
+            <a:off x="143435" y="130844"/>
+            <a:ext cx="9744635" cy="584775"/>
+          </a:xfrm>
+          <a:prstGeom prst="rect">
+            <a:avLst/>
+          </a:prstGeom>
+          <a:noFill/>
+        </p:spPr>
+        <p:txBody>
+          <a:bodyPr wrap="square" rtlCol="0">
+            <a:spAutoFit/>
+          </a:bodyPr>
+          <a:lstStyle/>
+          <a:p>
+            <a:pPr algn="just"/>
+            <a:r>
+              <a:rPr lang="en-US" altLang="ko-KR" sz="3200" dirty="0">
+                <a:solidFill>
+                  <a:schemeClr val="tx1">
+                    <a:lumMod val="65000"/>
+                    <a:lumOff val="35000"/>
+                  </a:schemeClr>
+                </a:solidFill>
+                <a:latin typeface="배달의민족 도현" panose="020B0600000101010101" pitchFamily="50" charset="-127"/>
+                <a:ea typeface="배달의민족 도현" panose="020B0600000101010101" pitchFamily="50" charset="-127"/>
+              </a:rPr>
+              <a:t>ICN+DTN </a:t>
+            </a:r>
+            <a:r>
+              <a:rPr lang="ko-KR" altLang="en-US" sz="3200" dirty="0">
+                <a:solidFill>
+                  <a:schemeClr val="tx1">
+                    <a:lumMod val="65000"/>
+                    <a:lumOff val="35000"/>
+                  </a:schemeClr>
+                </a:solidFill>
+                <a:latin typeface="배달의민족 도현" panose="020B0600000101010101" pitchFamily="50" charset="-127"/>
+                <a:ea typeface="배달의민족 도현" panose="020B0600000101010101" pitchFamily="50" charset="-127"/>
+              </a:rPr>
+              <a:t>프로젝트 동향</a:t>
+            </a:r>
+            <a:endParaRPr lang="en-US" altLang="ko-KR" sz="3200" dirty="0">
+              <a:solidFill>
+                <a:schemeClr val="tx1">
+                  <a:lumMod val="65000"/>
+                  <a:lumOff val="35000"/>
+                </a:schemeClr>
+              </a:solidFill>
+              <a:latin typeface="배달의민족 도현" panose="020B0600000101010101" pitchFamily="50" charset="-127"/>
+              <a:ea typeface="배달의민족 도현" panose="020B0600000101010101" pitchFamily="50" charset="-127"/>
+            </a:endParaRPr>
+          </a:p>
+        </p:txBody>
+      </p:sp>
+      <p:cxnSp>
+        <p:nvCxnSpPr>
+          <p:cNvPr id="6" name="직선 연결선 5">
+            <a:extLst>
+              <a:ext uri="{FF2B5EF4-FFF2-40B4-BE49-F238E27FC236}">
+                <a16:creationId xmlns:a16="http://schemas.microsoft.com/office/drawing/2014/main" id="{3CAFC98D-1DA6-5CE0-43FD-6D3D9C8D3B4F}"/>
+              </a:ext>
+            </a:extLst>
+          </p:cNvPr>
+          <p:cNvCxnSpPr>
+            <a:cxnSpLocks/>
+          </p:cNvCxnSpPr>
+          <p:nvPr/>
+        </p:nvCxnSpPr>
+        <p:spPr>
+          <a:xfrm>
+            <a:off x="206188" y="724225"/>
+            <a:ext cx="4440968" cy="0"/>
+          </a:xfrm>
+          <a:prstGeom prst="line">
+            <a:avLst/>
+          </a:prstGeom>
+          <a:ln w="57150">
+            <a:solidFill>
+              <a:schemeClr val="accent1">
+                <a:lumMod val="75000"/>
+              </a:schemeClr>
+            </a:solidFill>
+          </a:ln>
+        </p:spPr>
+        <p:style>
+          <a:lnRef idx="1">
+            <a:schemeClr val="accent1"/>
+          </a:lnRef>
+          <a:fillRef idx="0">
+            <a:schemeClr val="accent1"/>
+          </a:fillRef>
+          <a:effectRef idx="0">
+            <a:schemeClr val="accent1"/>
+          </a:effectRef>
+          <a:fontRef idx="minor">
+            <a:schemeClr val="tx1"/>
+          </a:fontRef>
+        </p:style>
+      </p:cxnSp>
+      <p:sp>
+        <p:nvSpPr>
+          <p:cNvPr id="10" name="TextBox 9">
+            <a:extLst>
+              <a:ext uri="{FF2B5EF4-FFF2-40B4-BE49-F238E27FC236}">
+                <a16:creationId xmlns:a16="http://schemas.microsoft.com/office/drawing/2014/main" id="{266829A7-D0F8-7CDF-D9BC-CA16B9A4C881}"/>
+              </a:ext>
+            </a:extLst>
+          </p:cNvPr>
+          <p:cNvSpPr txBox="1"/>
+          <p:nvPr/>
+        </p:nvSpPr>
+        <p:spPr>
+          <a:xfrm>
+            <a:off x="206187" y="715619"/>
+            <a:ext cx="11842378" cy="1894621"/>
+          </a:xfrm>
+          <a:prstGeom prst="rect">
+            <a:avLst/>
+          </a:prstGeom>
+          <a:noFill/>
+        </p:spPr>
+        <p:txBody>
+          <a:bodyPr wrap="square" rtlCol="0">
+            <a:spAutoFit/>
+          </a:bodyPr>
+          <a:lstStyle/>
+          <a:p>
+            <a:pPr>
+              <a:lnSpc>
+                <a:spcPct val="150000"/>
+              </a:lnSpc>
+            </a:pPr>
+            <a:r>
+              <a:rPr lang="en-US" altLang="ko-KR" sz="2000" b="1" dirty="0">
+                <a:solidFill>
+                  <a:schemeClr val="accent1"/>
+                </a:solidFill>
+                <a:latin typeface="한컴 고딕" panose="02000500000000000000" pitchFamily="2" charset="-127"/>
+                <a:ea typeface="한컴 고딕" panose="02000500000000000000" pitchFamily="2" charset="-127"/>
+                <a:sym typeface="Wingdings" panose="05000000000000000000" pitchFamily="2" charset="2"/>
+              </a:rPr>
+              <a:t>UMOBILE</a:t>
+            </a:r>
+          </a:p>
+          <a:p>
+            <a:pPr marL="342900" indent="-342900">
+              <a:lnSpc>
+                <a:spcPct val="150000"/>
+              </a:lnSpc>
+              <a:buFont typeface="Arial" panose="020B0604020202020204" pitchFamily="34" charset="0"/>
+              <a:buChar char="•"/>
+            </a:pPr>
+            <a:r>
+              <a:rPr lang="en-US" altLang="ko-KR" sz="2000" b="1" dirty="0">
+                <a:solidFill>
+                  <a:schemeClr val="tx1">
+                    <a:lumMod val="50000"/>
+                    <a:lumOff val="50000"/>
+                  </a:schemeClr>
+                </a:solidFill>
+                <a:latin typeface="한컴 고딕" panose="02000500000000000000" pitchFamily="2" charset="-127"/>
+                <a:ea typeface="한컴 고딕" panose="02000500000000000000" pitchFamily="2" charset="-127"/>
+                <a:sym typeface="Wingdings" panose="05000000000000000000" pitchFamily="2" charset="2"/>
+              </a:rPr>
+              <a:t>EU </a:t>
+            </a:r>
+            <a:r>
+              <a:rPr lang="ko-KR" altLang="en-US" sz="2000" b="1" dirty="0">
+                <a:solidFill>
+                  <a:schemeClr val="tx1">
+                    <a:lumMod val="50000"/>
+                    <a:lumOff val="50000"/>
+                  </a:schemeClr>
+                </a:solidFill>
+                <a:latin typeface="한컴 고딕" panose="02000500000000000000" pitchFamily="2" charset="-127"/>
+                <a:ea typeface="한컴 고딕" panose="02000500000000000000" pitchFamily="2" charset="-127"/>
+                <a:sym typeface="Wingdings" panose="05000000000000000000" pitchFamily="2" charset="2"/>
+              </a:rPr>
+              <a:t>프로젝트</a:t>
+            </a:r>
+            <a:endParaRPr lang="en-US" altLang="ko-KR" sz="2000" b="1" dirty="0">
+              <a:solidFill>
+                <a:schemeClr val="tx1">
+                  <a:lumMod val="50000"/>
+                  <a:lumOff val="50000"/>
+                </a:schemeClr>
+              </a:solidFill>
+              <a:latin typeface="한컴 고딕" panose="02000500000000000000" pitchFamily="2" charset="-127"/>
+              <a:ea typeface="한컴 고딕" panose="02000500000000000000" pitchFamily="2" charset="-127"/>
+              <a:sym typeface="Wingdings" panose="05000000000000000000" pitchFamily="2" charset="2"/>
+            </a:endParaRPr>
+          </a:p>
+          <a:p>
+            <a:pPr marL="342900" indent="-342900">
+              <a:lnSpc>
+                <a:spcPct val="150000"/>
+              </a:lnSpc>
+              <a:buFont typeface="Arial" panose="020B0604020202020204" pitchFamily="34" charset="0"/>
+              <a:buChar char="•"/>
+            </a:pPr>
+            <a:r>
+              <a:rPr lang="ko-KR" altLang="en-US" sz="2000" b="1" dirty="0">
+                <a:solidFill>
+                  <a:schemeClr val="tx1">
+                    <a:lumMod val="50000"/>
+                    <a:lumOff val="50000"/>
+                  </a:schemeClr>
+                </a:solidFill>
+                <a:latin typeface="한컴 고딕" panose="02000500000000000000" pitchFamily="2" charset="-127"/>
+                <a:ea typeface="한컴 고딕" panose="02000500000000000000" pitchFamily="2" charset="-127"/>
+                <a:sym typeface="Wingdings" panose="05000000000000000000" pitchFamily="2" charset="2"/>
+              </a:rPr>
+              <a:t> 목적 </a:t>
+            </a:r>
+            <a:r>
+              <a:rPr lang="en-US" altLang="ko-KR" sz="2000" b="1" dirty="0">
+                <a:solidFill>
+                  <a:schemeClr val="tx1">
+                    <a:lumMod val="50000"/>
+                    <a:lumOff val="50000"/>
+                  </a:schemeClr>
+                </a:solidFill>
+                <a:latin typeface="한컴 고딕" panose="02000500000000000000" pitchFamily="2" charset="-127"/>
+                <a:ea typeface="한컴 고딕" panose="02000500000000000000" pitchFamily="2" charset="-127"/>
+                <a:sym typeface="Wingdings" panose="05000000000000000000" pitchFamily="2" charset="2"/>
+              </a:rPr>
+              <a:t>: DTN</a:t>
+            </a:r>
+            <a:r>
+              <a:rPr lang="ko-KR" altLang="en-US" sz="2000" b="1" dirty="0">
+                <a:solidFill>
+                  <a:schemeClr val="tx1">
+                    <a:lumMod val="50000"/>
+                    <a:lumOff val="50000"/>
+                  </a:schemeClr>
+                </a:solidFill>
+                <a:latin typeface="한컴 고딕" panose="02000500000000000000" pitchFamily="2" charset="-127"/>
+                <a:ea typeface="한컴 고딕" panose="02000500000000000000" pitchFamily="2" charset="-127"/>
+                <a:sym typeface="Wingdings" panose="05000000000000000000" pitchFamily="2" charset="2"/>
+              </a:rPr>
+              <a:t>과 </a:t>
+            </a:r>
+            <a:r>
+              <a:rPr lang="en-US" altLang="ko-KR" sz="2000" b="1" dirty="0">
+                <a:solidFill>
+                  <a:schemeClr val="tx1">
+                    <a:lumMod val="50000"/>
+                    <a:lumOff val="50000"/>
+                  </a:schemeClr>
+                </a:solidFill>
+                <a:latin typeface="한컴 고딕" panose="02000500000000000000" pitchFamily="2" charset="-127"/>
+                <a:ea typeface="한컴 고딕" panose="02000500000000000000" pitchFamily="2" charset="-127"/>
+                <a:sym typeface="Wingdings" panose="05000000000000000000" pitchFamily="2" charset="2"/>
+              </a:rPr>
+              <a:t>ICN</a:t>
+            </a:r>
+            <a:r>
+              <a:rPr lang="ko-KR" altLang="en-US" sz="2000" b="1" dirty="0">
+                <a:solidFill>
+                  <a:schemeClr val="tx1">
+                    <a:lumMod val="50000"/>
+                    <a:lumOff val="50000"/>
+                  </a:schemeClr>
+                </a:solidFill>
+                <a:latin typeface="한컴 고딕" panose="02000500000000000000" pitchFamily="2" charset="-127"/>
+                <a:ea typeface="한컴 고딕" panose="02000500000000000000" pitchFamily="2" charset="-127"/>
+                <a:sym typeface="Wingdings" panose="05000000000000000000" pitchFamily="2" charset="2"/>
+              </a:rPr>
+              <a:t>을 통합하는 이동 노드 간 </a:t>
+            </a:r>
+            <a:r>
+              <a:rPr lang="ko-KR" altLang="en-US" sz="2000" b="1" dirty="0" err="1">
+                <a:solidFill>
+                  <a:schemeClr val="tx1">
+                    <a:lumMod val="50000"/>
+                    <a:lumOff val="50000"/>
+                  </a:schemeClr>
+                </a:solidFill>
+                <a:latin typeface="한컴 고딕" panose="02000500000000000000" pitchFamily="2" charset="-127"/>
+                <a:ea typeface="한컴 고딕" panose="02000500000000000000" pitchFamily="2" charset="-127"/>
+                <a:sym typeface="Wingdings" panose="05000000000000000000" pitchFamily="2" charset="2"/>
+              </a:rPr>
+              <a:t>기회적</a:t>
+            </a:r>
+            <a:r>
+              <a:rPr lang="ko-KR" altLang="en-US" sz="2000" b="1" dirty="0">
+                <a:solidFill>
+                  <a:schemeClr val="tx1">
+                    <a:lumMod val="50000"/>
+                    <a:lumOff val="50000"/>
+                  </a:schemeClr>
+                </a:solidFill>
+                <a:latin typeface="한컴 고딕" panose="02000500000000000000" pitchFamily="2" charset="-127"/>
+                <a:ea typeface="한컴 고딕" panose="02000500000000000000" pitchFamily="2" charset="-127"/>
+                <a:sym typeface="Wingdings" panose="05000000000000000000" pitchFamily="2" charset="2"/>
+              </a:rPr>
+              <a:t> 통신 구조 설계</a:t>
+            </a:r>
+            <a:endParaRPr lang="en-US" altLang="ko-KR" sz="2000" b="1" dirty="0">
+              <a:solidFill>
+                <a:schemeClr val="tx1">
+                  <a:lumMod val="50000"/>
+                  <a:lumOff val="50000"/>
+                </a:schemeClr>
+              </a:solidFill>
+              <a:latin typeface="한컴 고딕" panose="02000500000000000000" pitchFamily="2" charset="-127"/>
+              <a:ea typeface="한컴 고딕" panose="02000500000000000000" pitchFamily="2" charset="-127"/>
+              <a:sym typeface="Wingdings" panose="05000000000000000000" pitchFamily="2" charset="2"/>
+            </a:endParaRPr>
+          </a:p>
+          <a:p>
+            <a:pPr marL="342900" indent="-342900">
+              <a:lnSpc>
+                <a:spcPct val="150000"/>
+              </a:lnSpc>
+              <a:buFont typeface="Arial" panose="020B0604020202020204" pitchFamily="34" charset="0"/>
+              <a:buChar char="•"/>
+            </a:pPr>
+            <a:r>
+              <a:rPr lang="en-US" altLang="ko-KR" sz="2000" b="1" dirty="0">
+                <a:solidFill>
+                  <a:schemeClr val="tx1">
+                    <a:lumMod val="50000"/>
+                    <a:lumOff val="50000"/>
+                  </a:schemeClr>
+                </a:solidFill>
+                <a:latin typeface="한컴 고딕" panose="02000500000000000000" pitchFamily="2" charset="-127"/>
+                <a:ea typeface="한컴 고딕" panose="02000500000000000000" pitchFamily="2" charset="-127"/>
+                <a:sym typeface="Wingdings" panose="05000000000000000000" pitchFamily="2" charset="2"/>
+              </a:rPr>
+              <a:t>NDN </a:t>
+            </a:r>
+            <a:r>
+              <a:rPr lang="ko-KR" altLang="en-US" sz="2000" b="1" dirty="0">
+                <a:solidFill>
+                  <a:schemeClr val="tx1">
+                    <a:lumMod val="50000"/>
+                    <a:lumOff val="50000"/>
+                  </a:schemeClr>
+                </a:solidFill>
+                <a:latin typeface="한컴 고딕" panose="02000500000000000000" pitchFamily="2" charset="-127"/>
+                <a:ea typeface="한컴 고딕" panose="02000500000000000000" pitchFamily="2" charset="-127"/>
+                <a:sym typeface="Wingdings" panose="05000000000000000000" pitchFamily="2" charset="2"/>
+              </a:rPr>
+              <a:t>프로토콜을 기반으로 한 라우팅 모듈</a:t>
+            </a:r>
+            <a:r>
+              <a:rPr lang="en-US" altLang="ko-KR" sz="2000" b="1" dirty="0">
+                <a:solidFill>
+                  <a:schemeClr val="tx1">
+                    <a:lumMod val="50000"/>
+                    <a:lumOff val="50000"/>
+                  </a:schemeClr>
+                </a:solidFill>
+                <a:latin typeface="한컴 고딕" panose="02000500000000000000" pitchFamily="2" charset="-127"/>
+                <a:ea typeface="한컴 고딕" panose="02000500000000000000" pitchFamily="2" charset="-127"/>
+                <a:sym typeface="Wingdings" panose="05000000000000000000" pitchFamily="2" charset="2"/>
+              </a:rPr>
+              <a:t>, </a:t>
+            </a:r>
+            <a:r>
+              <a:rPr lang="ko-KR" altLang="en-US" sz="2000" b="1" dirty="0">
+                <a:solidFill>
+                  <a:schemeClr val="tx1">
+                    <a:lumMod val="50000"/>
+                    <a:lumOff val="50000"/>
+                  </a:schemeClr>
+                </a:solidFill>
+                <a:latin typeface="한컴 고딕" panose="02000500000000000000" pitchFamily="2" charset="-127"/>
+                <a:ea typeface="한컴 고딕" panose="02000500000000000000" pitchFamily="2" charset="-127"/>
+                <a:sym typeface="Wingdings" panose="05000000000000000000" pitchFamily="2" charset="2"/>
+              </a:rPr>
+              <a:t>포워딩 모듈들을 다수 개발함</a:t>
+            </a:r>
+            <a:endParaRPr lang="en-US" altLang="ko-KR" sz="2000" b="1" dirty="0">
+              <a:solidFill>
+                <a:schemeClr val="tx1">
+                  <a:lumMod val="50000"/>
+                  <a:lumOff val="50000"/>
+                </a:schemeClr>
+              </a:solidFill>
+              <a:latin typeface="한컴 고딕" panose="02000500000000000000" pitchFamily="2" charset="-127"/>
+              <a:ea typeface="한컴 고딕" panose="02000500000000000000" pitchFamily="2" charset="-127"/>
+              <a:sym typeface="Wingdings" panose="05000000000000000000" pitchFamily="2" charset="2"/>
+            </a:endParaRPr>
+          </a:p>
+        </p:txBody>
+      </p:sp>
+      <p:sp>
+        <p:nvSpPr>
+          <p:cNvPr id="3" name="슬라이드 번호 개체 틀 2">
+            <a:extLst>
+              <a:ext uri="{FF2B5EF4-FFF2-40B4-BE49-F238E27FC236}">
+                <a16:creationId xmlns:a16="http://schemas.microsoft.com/office/drawing/2014/main" id="{4EC25071-CFFA-8C9C-CB7A-29C2F016666E}"/>
+              </a:ext>
+            </a:extLst>
+          </p:cNvPr>
+          <p:cNvSpPr>
+            <a:spLocks noGrp="1"/>
+          </p:cNvSpPr>
+          <p:nvPr>
+            <p:ph type="sldNum" sz="quarter" idx="12"/>
+          </p:nvPr>
+        </p:nvSpPr>
+        <p:spPr/>
+        <p:txBody>
+          <a:bodyPr/>
+          <a:lstStyle/>
+          <a:p>
+            <a:fld id="{4503EA79-8FE5-4AB7-9144-49D69278BFF0}" type="slidenum">
+              <a:rPr lang="ko-KR" altLang="en-US" smtClean="0"/>
+              <a:t>13</a:t>
+            </a:fld>
+            <a:endParaRPr lang="ko-KR" altLang="en-US" dirty="0"/>
+          </a:p>
+        </p:txBody>
+      </p:sp>
+    </p:spTree>
+    <p:extLst>
+      <p:ext uri="{BB962C8B-B14F-4D97-AF65-F5344CB8AC3E}">
+        <p14:creationId xmlns:p14="http://schemas.microsoft.com/office/powerpoint/2010/main" val="2267582111"/>
+      </p:ext>
+    </p:extLst>
+  </p:cSld>
+  <p:clrMapOvr>
+    <a:masterClrMapping/>
+  </p:clrMapOvr>
+</p:sld>
+</file>
+
+<file path=ppt/slides/slide14.xml><?xml version="1.0" encoding="utf-8"?>
+<p:sld xmlns:a="http://schemas.openxmlformats.org/drawingml/2006/main" xmlns:r="http://schemas.openxmlformats.org/officeDocument/2006/relationships" xmlns:p="http://schemas.openxmlformats.org/presentationml/2006/main">
+  <p:cSld>
+    <p:spTree>
+      <p:nvGrpSpPr>
+        <p:cNvPr id="1" name=""/>
+        <p:cNvGrpSpPr/>
+        <p:nvPr/>
+      </p:nvGrpSpPr>
+      <p:grpSpPr>
+        <a:xfrm>
+          <a:off x="0" y="0"/>
+          <a:ext cx="0" cy="0"/>
+          <a:chOff x="0" y="0"/>
+          <a:chExt cx="0" cy="0"/>
+        </a:xfrm>
+      </p:grpSpPr>
+      <p:sp>
+        <p:nvSpPr>
+          <p:cNvPr id="2" name="TextBox 1">
+            <a:extLst>
+              <a:ext uri="{FF2B5EF4-FFF2-40B4-BE49-F238E27FC236}">
+                <a16:creationId xmlns:a16="http://schemas.microsoft.com/office/drawing/2014/main" id="{21A7DBE9-2DE9-F0B6-F5C5-7DB6C44D8D28}"/>
+              </a:ext>
+            </a:extLst>
+          </p:cNvPr>
+          <p:cNvSpPr txBox="1"/>
+          <p:nvPr/>
+        </p:nvSpPr>
+        <p:spPr>
+          <a:xfrm>
+            <a:off x="570947" y="2567226"/>
+            <a:ext cx="9744635" cy="923330"/>
+          </a:xfrm>
+          <a:prstGeom prst="rect">
+            <a:avLst/>
+          </a:prstGeom>
+          <a:noFill/>
+        </p:spPr>
+        <p:txBody>
+          <a:bodyPr wrap="square" rtlCol="0">
+            <a:spAutoFit/>
+          </a:bodyPr>
+          <a:lstStyle/>
+          <a:p>
+            <a:pPr algn="just"/>
+            <a:r>
+              <a:rPr lang="ko-KR" altLang="en-US" sz="5400" dirty="0">
+                <a:solidFill>
+                  <a:schemeClr val="tx1">
+                    <a:lumMod val="65000"/>
+                    <a:lumOff val="35000"/>
+                  </a:schemeClr>
+                </a:solidFill>
+                <a:latin typeface="배달의민족 도현" panose="020B0600000101010101" pitchFamily="50" charset="-127"/>
+                <a:ea typeface="배달의민족 도현" panose="020B0600000101010101" pitchFamily="50" charset="-127"/>
+              </a:rPr>
+              <a:t>결론</a:t>
+            </a:r>
+            <a:endParaRPr lang="en-US" altLang="ko-KR" sz="5400" dirty="0">
+              <a:solidFill>
+                <a:schemeClr val="tx1">
+                  <a:lumMod val="65000"/>
+                  <a:lumOff val="35000"/>
+                </a:schemeClr>
+              </a:solidFill>
+              <a:latin typeface="배달의민족 도현" panose="020B0600000101010101" pitchFamily="50" charset="-127"/>
+              <a:ea typeface="배달의민족 도현" panose="020B0600000101010101" pitchFamily="50" charset="-127"/>
+            </a:endParaRPr>
+          </a:p>
+        </p:txBody>
+      </p:sp>
+      <p:sp>
+        <p:nvSpPr>
+          <p:cNvPr id="3" name="슬라이드 번호 개체 틀 2">
+            <a:extLst>
+              <a:ext uri="{FF2B5EF4-FFF2-40B4-BE49-F238E27FC236}">
+                <a16:creationId xmlns:a16="http://schemas.microsoft.com/office/drawing/2014/main" id="{CE2C3055-3767-2EC3-17AD-3FDE29F361B0}"/>
+              </a:ext>
+            </a:extLst>
+          </p:cNvPr>
+          <p:cNvSpPr>
+            <a:spLocks noGrp="1"/>
+          </p:cNvSpPr>
+          <p:nvPr>
+            <p:ph type="sldNum" sz="quarter" idx="12"/>
+          </p:nvPr>
+        </p:nvSpPr>
+        <p:spPr/>
+        <p:txBody>
+          <a:bodyPr/>
+          <a:lstStyle/>
+          <a:p>
+            <a:fld id="{4503EA79-8FE5-4AB7-9144-49D69278BFF0}" type="slidenum">
+              <a:rPr lang="ko-KR" altLang="en-US" smtClean="0"/>
+              <a:t>14</a:t>
+            </a:fld>
+            <a:endParaRPr lang="ko-KR" altLang="en-US"/>
+          </a:p>
+        </p:txBody>
+      </p:sp>
+      <p:cxnSp>
+        <p:nvCxnSpPr>
+          <p:cNvPr id="4" name="직선 연결선 3">
+            <a:extLst>
+              <a:ext uri="{FF2B5EF4-FFF2-40B4-BE49-F238E27FC236}">
+                <a16:creationId xmlns:a16="http://schemas.microsoft.com/office/drawing/2014/main" id="{00650591-D617-465F-DFD1-82178FC4CBF0}"/>
+              </a:ext>
+            </a:extLst>
+          </p:cNvPr>
+          <p:cNvCxnSpPr>
+            <a:cxnSpLocks/>
+          </p:cNvCxnSpPr>
+          <p:nvPr/>
+        </p:nvCxnSpPr>
+        <p:spPr>
+          <a:xfrm>
+            <a:off x="570947" y="3429000"/>
+            <a:ext cx="1533426" cy="0"/>
+          </a:xfrm>
+          <a:prstGeom prst="line">
+            <a:avLst/>
+          </a:prstGeom>
+          <a:ln w="57150">
+            <a:solidFill>
+              <a:schemeClr val="accent1">
+                <a:lumMod val="75000"/>
+              </a:schemeClr>
+            </a:solidFill>
+          </a:ln>
+        </p:spPr>
+        <p:style>
+          <a:lnRef idx="1">
+            <a:schemeClr val="accent1"/>
+          </a:lnRef>
+          <a:fillRef idx="0">
+            <a:schemeClr val="accent1"/>
+          </a:fillRef>
+          <a:effectRef idx="0">
+            <a:schemeClr val="accent1"/>
+          </a:effectRef>
+          <a:fontRef idx="minor">
+            <a:schemeClr val="tx1"/>
+          </a:fontRef>
+        </p:style>
+      </p:cxnSp>
+      <p:sp>
+        <p:nvSpPr>
+          <p:cNvPr id="7" name="직사각형 6">
+            <a:extLst>
+              <a:ext uri="{FF2B5EF4-FFF2-40B4-BE49-F238E27FC236}">
+                <a16:creationId xmlns:a16="http://schemas.microsoft.com/office/drawing/2014/main" id="{A2519E08-BC8B-64F6-779D-97498F7134AE}"/>
+              </a:ext>
+            </a:extLst>
+          </p:cNvPr>
+          <p:cNvSpPr/>
+          <p:nvPr/>
+        </p:nvSpPr>
+        <p:spPr>
+          <a:xfrm>
+            <a:off x="0" y="0"/>
+            <a:ext cx="12192000" cy="6858000"/>
+          </a:xfrm>
+          <a:prstGeom prst="rect">
+            <a:avLst/>
+          </a:prstGeom>
+          <a:noFill/>
+          <a:ln w="190500">
+            <a:solidFill>
+              <a:schemeClr val="accent1">
+                <a:lumMod val="75000"/>
+              </a:schemeClr>
+            </a:solidFill>
+          </a:ln>
+        </p:spPr>
+        <p:style>
+          <a:lnRef idx="2">
+            <a:schemeClr val="accent1">
+              <a:shade val="50000"/>
+            </a:schemeClr>
+          </a:lnRef>
+          <a:fillRef idx="1">
+            <a:schemeClr val="accent1"/>
+          </a:fillRef>
+          <a:effectRef idx="0">
+            <a:schemeClr val="accent1"/>
+          </a:effectRef>
+          <a:fontRef idx="minor">
+            <a:schemeClr val="lt1"/>
+          </a:fontRef>
+        </p:style>
+        <p:txBody>
+          <a:bodyPr rtlCol="0" anchor="ctr"/>
+          <a:lstStyle/>
+          <a:p>
+            <a:pPr algn="ctr"/>
+            <a:endParaRPr lang="ko-KR" altLang="en-US" dirty="0"/>
+          </a:p>
+        </p:txBody>
+      </p:sp>
+    </p:spTree>
+    <p:extLst>
+      <p:ext uri="{BB962C8B-B14F-4D97-AF65-F5344CB8AC3E}">
+        <p14:creationId xmlns:p14="http://schemas.microsoft.com/office/powerpoint/2010/main" val="639305108"/>
+      </p:ext>
+    </p:extLst>
+  </p:cSld>
+  <p:clrMapOvr>
+    <a:masterClrMapping/>
+  </p:clrMapOvr>
+</p:sld>
+</file>
+
+<file path=ppt/slides/slide15.xml><?xml version="1.0" encoding="utf-8"?>
+<p:sld xmlns:a="http://schemas.openxmlformats.org/drawingml/2006/main" xmlns:r="http://schemas.openxmlformats.org/officeDocument/2006/relationships" xmlns:p="http://schemas.openxmlformats.org/presentationml/2006/main">
+  <p:cSld>
+    <p:spTree>
+      <p:nvGrpSpPr>
+        <p:cNvPr id="1" name=""/>
+        <p:cNvGrpSpPr/>
+        <p:nvPr/>
+      </p:nvGrpSpPr>
+      <p:grpSpPr>
+        <a:xfrm>
+          <a:off x="0" y="0"/>
+          <a:ext cx="0" cy="0"/>
+          <a:chOff x="0" y="0"/>
+          <a:chExt cx="0" cy="0"/>
+        </a:xfrm>
+      </p:grpSpPr>
+      <p:sp>
+        <p:nvSpPr>
+          <p:cNvPr id="2" name="TextBox 1">
+            <a:extLst>
+              <a:ext uri="{FF2B5EF4-FFF2-40B4-BE49-F238E27FC236}">
+                <a16:creationId xmlns:a16="http://schemas.microsoft.com/office/drawing/2014/main" id="{21A7DBE9-2DE9-F0B6-F5C5-7DB6C44D8D28}"/>
+              </a:ext>
+            </a:extLst>
+          </p:cNvPr>
+          <p:cNvSpPr txBox="1"/>
+          <p:nvPr/>
+        </p:nvSpPr>
+        <p:spPr>
+          <a:xfrm>
+            <a:off x="143435" y="130844"/>
+            <a:ext cx="9744635" cy="584775"/>
+          </a:xfrm>
+          <a:prstGeom prst="rect">
+            <a:avLst/>
+          </a:prstGeom>
+          <a:noFill/>
+        </p:spPr>
+        <p:txBody>
+          <a:bodyPr wrap="square" rtlCol="0">
+            <a:spAutoFit/>
+          </a:bodyPr>
+          <a:lstStyle/>
+          <a:p>
+            <a:pPr algn="just"/>
+            <a:r>
+              <a:rPr lang="ko-KR" altLang="en-US" sz="3200" dirty="0">
+                <a:solidFill>
+                  <a:schemeClr val="tx1">
+                    <a:lumMod val="65000"/>
+                    <a:lumOff val="35000"/>
+                  </a:schemeClr>
+                </a:solidFill>
+                <a:latin typeface="배달의민족 도현" panose="020B0600000101010101" pitchFamily="50" charset="-127"/>
+                <a:ea typeface="배달의민족 도현" panose="020B0600000101010101" pitchFamily="50" charset="-127"/>
+              </a:rPr>
+              <a:t>결론</a:t>
+            </a:r>
+            <a:endParaRPr lang="en-US" altLang="ko-KR" sz="3200" dirty="0">
+              <a:solidFill>
+                <a:schemeClr val="tx1">
+                  <a:lumMod val="65000"/>
+                  <a:lumOff val="35000"/>
+                </a:schemeClr>
+              </a:solidFill>
+              <a:latin typeface="배달의민족 도현" panose="020B0600000101010101" pitchFamily="50" charset="-127"/>
+              <a:ea typeface="배달의민족 도현" panose="020B0600000101010101" pitchFamily="50" charset="-127"/>
+            </a:endParaRPr>
+          </a:p>
+        </p:txBody>
+      </p:sp>
+      <p:cxnSp>
+        <p:nvCxnSpPr>
+          <p:cNvPr id="6" name="직선 연결선 5">
+            <a:extLst>
+              <a:ext uri="{FF2B5EF4-FFF2-40B4-BE49-F238E27FC236}">
+                <a16:creationId xmlns:a16="http://schemas.microsoft.com/office/drawing/2014/main" id="{3CAFC98D-1DA6-5CE0-43FD-6D3D9C8D3B4F}"/>
+              </a:ext>
+            </a:extLst>
+          </p:cNvPr>
+          <p:cNvCxnSpPr>
+            <a:cxnSpLocks/>
+          </p:cNvCxnSpPr>
+          <p:nvPr/>
+        </p:nvCxnSpPr>
+        <p:spPr>
+          <a:xfrm>
+            <a:off x="206188" y="724225"/>
+            <a:ext cx="860612" cy="0"/>
+          </a:xfrm>
+          <a:prstGeom prst="line">
+            <a:avLst/>
+          </a:prstGeom>
+          <a:ln w="57150">
+            <a:solidFill>
+              <a:schemeClr val="accent1">
+                <a:lumMod val="75000"/>
+              </a:schemeClr>
+            </a:solidFill>
+          </a:ln>
+        </p:spPr>
+        <p:style>
+          <a:lnRef idx="1">
+            <a:schemeClr val="accent1"/>
+          </a:lnRef>
+          <a:fillRef idx="0">
+            <a:schemeClr val="accent1"/>
+          </a:fillRef>
+          <a:effectRef idx="0">
+            <a:schemeClr val="accent1"/>
+          </a:effectRef>
+          <a:fontRef idx="minor">
+            <a:schemeClr val="tx1"/>
+          </a:fontRef>
+        </p:style>
+      </p:cxnSp>
+      <p:sp>
+        <p:nvSpPr>
+          <p:cNvPr id="10" name="TextBox 9">
+            <a:extLst>
+              <a:ext uri="{FF2B5EF4-FFF2-40B4-BE49-F238E27FC236}">
+                <a16:creationId xmlns:a16="http://schemas.microsoft.com/office/drawing/2014/main" id="{266829A7-D0F8-7CDF-D9BC-CA16B9A4C881}"/>
+              </a:ext>
+            </a:extLst>
+          </p:cNvPr>
+          <p:cNvSpPr txBox="1"/>
+          <p:nvPr/>
+        </p:nvSpPr>
+        <p:spPr>
+          <a:xfrm>
+            <a:off x="206187" y="715619"/>
+            <a:ext cx="11842378" cy="4285212"/>
+          </a:xfrm>
+          <a:prstGeom prst="rect">
+            <a:avLst/>
+          </a:prstGeom>
+          <a:noFill/>
+        </p:spPr>
+        <p:txBody>
+          <a:bodyPr wrap="square" rtlCol="0">
+            <a:spAutoFit/>
+          </a:bodyPr>
+          <a:lstStyle/>
+          <a:p>
+            <a:pPr marL="342900" indent="-342900">
+              <a:lnSpc>
+                <a:spcPct val="200000"/>
+              </a:lnSpc>
+              <a:buFont typeface="Arial" panose="020B0604020202020204" pitchFamily="34" charset="0"/>
+              <a:buChar char="•"/>
+            </a:pPr>
+            <a:r>
+              <a:rPr lang="ko-KR" altLang="en-US" sz="2800" b="1" dirty="0">
+                <a:solidFill>
+                  <a:schemeClr val="tx1">
+                    <a:lumMod val="50000"/>
+                    <a:lumOff val="50000"/>
+                  </a:schemeClr>
+                </a:solidFill>
+                <a:latin typeface="한컴 고딕" panose="02000500000000000000" pitchFamily="2" charset="-127"/>
+                <a:ea typeface="한컴 고딕" panose="02000500000000000000" pitchFamily="2" charset="-127"/>
+                <a:sym typeface="Wingdings" panose="05000000000000000000" pitchFamily="2" charset="2"/>
+              </a:rPr>
+              <a:t>이름을 기반으로 한 효과적인 컨텐츠 전송이 가능한 </a:t>
+            </a:r>
+            <a:r>
+              <a:rPr lang="en-US" altLang="ko-KR" sz="2800" b="1" dirty="0">
+                <a:solidFill>
+                  <a:schemeClr val="tx1">
+                    <a:lumMod val="50000"/>
+                    <a:lumOff val="50000"/>
+                  </a:schemeClr>
+                </a:solidFill>
+                <a:latin typeface="한컴 고딕" panose="02000500000000000000" pitchFamily="2" charset="-127"/>
+                <a:ea typeface="한컴 고딕" panose="02000500000000000000" pitchFamily="2" charset="-127"/>
+                <a:sym typeface="Wingdings" panose="05000000000000000000" pitchFamily="2" charset="2"/>
+              </a:rPr>
+              <a:t>ICN</a:t>
+            </a:r>
+            <a:r>
+              <a:rPr lang="ko-KR" altLang="en-US" sz="2800" b="1" dirty="0">
+                <a:solidFill>
+                  <a:schemeClr val="tx1">
+                    <a:lumMod val="50000"/>
+                    <a:lumOff val="50000"/>
+                  </a:schemeClr>
+                </a:solidFill>
+                <a:latin typeface="한컴 고딕" panose="02000500000000000000" pitchFamily="2" charset="-127"/>
+                <a:ea typeface="한컴 고딕" panose="02000500000000000000" pitchFamily="2" charset="-127"/>
+                <a:sym typeface="Wingdings" panose="05000000000000000000" pitchFamily="2" charset="2"/>
+              </a:rPr>
+              <a:t>과 연결성이 보장되지 않는 환경에서도 메시지를 전송할 수 있는 </a:t>
+            </a:r>
+            <a:r>
+              <a:rPr lang="en-US" altLang="ko-KR" sz="2800" b="1" dirty="0">
+                <a:solidFill>
+                  <a:schemeClr val="tx1">
+                    <a:lumMod val="50000"/>
+                    <a:lumOff val="50000"/>
+                  </a:schemeClr>
+                </a:solidFill>
+                <a:latin typeface="한컴 고딕" panose="02000500000000000000" pitchFamily="2" charset="-127"/>
+                <a:ea typeface="한컴 고딕" panose="02000500000000000000" pitchFamily="2" charset="-127"/>
+                <a:sym typeface="Wingdings" panose="05000000000000000000" pitchFamily="2" charset="2"/>
+              </a:rPr>
+              <a:t>DTN </a:t>
+            </a:r>
+            <a:r>
+              <a:rPr lang="ko-KR" altLang="en-US" sz="2800" b="1" dirty="0">
+                <a:solidFill>
+                  <a:schemeClr val="tx1">
+                    <a:lumMod val="50000"/>
+                    <a:lumOff val="50000"/>
+                  </a:schemeClr>
+                </a:solidFill>
+                <a:latin typeface="한컴 고딕" panose="02000500000000000000" pitchFamily="2" charset="-127"/>
+                <a:ea typeface="한컴 고딕" panose="02000500000000000000" pitchFamily="2" charset="-127"/>
+                <a:sym typeface="Wingdings" panose="05000000000000000000" pitchFamily="2" charset="2"/>
+              </a:rPr>
+              <a:t>기술의 결합을 통해 재난 환경에서의 현재 인터넷이 가지는 문제점을 해결할 수 있다</a:t>
+            </a:r>
+            <a:r>
+              <a:rPr lang="en-US" altLang="ko-KR" sz="2800" b="1" dirty="0">
+                <a:solidFill>
+                  <a:schemeClr val="tx1">
+                    <a:lumMod val="50000"/>
+                    <a:lumOff val="50000"/>
+                  </a:schemeClr>
+                </a:solidFill>
+                <a:latin typeface="한컴 고딕" panose="02000500000000000000" pitchFamily="2" charset="-127"/>
+                <a:ea typeface="한컴 고딕" panose="02000500000000000000" pitchFamily="2" charset="-127"/>
+                <a:sym typeface="Wingdings" panose="05000000000000000000" pitchFamily="2" charset="2"/>
+              </a:rPr>
+              <a:t>.</a:t>
+            </a:r>
+          </a:p>
+          <a:p>
+            <a:pPr marL="342900" indent="-342900">
+              <a:lnSpc>
+                <a:spcPct val="200000"/>
+              </a:lnSpc>
+              <a:buFont typeface="Arial" panose="020B0604020202020204" pitchFamily="34" charset="0"/>
+              <a:buChar char="•"/>
+            </a:pPr>
+            <a:r>
+              <a:rPr lang="ko-KR" altLang="en-US" sz="2800" b="1" dirty="0">
+                <a:solidFill>
+                  <a:schemeClr val="tx1">
+                    <a:lumMod val="50000"/>
+                    <a:lumOff val="50000"/>
+                  </a:schemeClr>
+                </a:solidFill>
+                <a:latin typeface="한컴 고딕" panose="02000500000000000000" pitchFamily="2" charset="-127"/>
+                <a:ea typeface="한컴 고딕" panose="02000500000000000000" pitchFamily="2" charset="-127"/>
+                <a:sym typeface="Wingdings" panose="05000000000000000000" pitchFamily="2" charset="2"/>
+              </a:rPr>
+              <a:t>국내에서도 </a:t>
+            </a:r>
+            <a:r>
+              <a:rPr lang="en-US" altLang="ko-KR" sz="2800" b="1" dirty="0">
+                <a:solidFill>
+                  <a:schemeClr val="tx1">
+                    <a:lumMod val="50000"/>
+                    <a:lumOff val="50000"/>
+                  </a:schemeClr>
+                </a:solidFill>
+                <a:latin typeface="한컴 고딕" panose="02000500000000000000" pitchFamily="2" charset="-127"/>
+                <a:ea typeface="한컴 고딕" panose="02000500000000000000" pitchFamily="2" charset="-127"/>
+                <a:sym typeface="Wingdings" panose="05000000000000000000" pitchFamily="2" charset="2"/>
+              </a:rPr>
+              <a:t>ICN+DTN</a:t>
+            </a:r>
+            <a:r>
+              <a:rPr lang="ko-KR" altLang="en-US" sz="2800" b="1" dirty="0">
+                <a:solidFill>
+                  <a:schemeClr val="tx1">
+                    <a:lumMod val="50000"/>
+                    <a:lumOff val="50000"/>
+                  </a:schemeClr>
+                </a:solidFill>
+                <a:latin typeface="한컴 고딕" panose="02000500000000000000" pitchFamily="2" charset="-127"/>
+                <a:ea typeface="한컴 고딕" panose="02000500000000000000" pitchFamily="2" charset="-127"/>
+                <a:sym typeface="Wingdings" panose="05000000000000000000" pitchFamily="2" charset="2"/>
+              </a:rPr>
+              <a:t>과 관련된 연구</a:t>
+            </a:r>
+            <a:r>
+              <a:rPr lang="en-US" altLang="ko-KR" sz="2800" b="1" dirty="0">
+                <a:solidFill>
+                  <a:schemeClr val="tx1">
+                    <a:lumMod val="50000"/>
+                    <a:lumOff val="50000"/>
+                  </a:schemeClr>
+                </a:solidFill>
+                <a:latin typeface="한컴 고딕" panose="02000500000000000000" pitchFamily="2" charset="-127"/>
+                <a:ea typeface="한컴 고딕" panose="02000500000000000000" pitchFamily="2" charset="-127"/>
+                <a:sym typeface="Wingdings" panose="05000000000000000000" pitchFamily="2" charset="2"/>
+              </a:rPr>
+              <a:t>, </a:t>
+            </a:r>
+            <a:r>
+              <a:rPr lang="ko-KR" altLang="en-US" sz="2800" b="1" dirty="0">
+                <a:solidFill>
+                  <a:schemeClr val="tx1">
+                    <a:lumMod val="50000"/>
+                    <a:lumOff val="50000"/>
+                  </a:schemeClr>
+                </a:solidFill>
+                <a:latin typeface="한컴 고딕" panose="02000500000000000000" pitchFamily="2" charset="-127"/>
+                <a:ea typeface="한컴 고딕" panose="02000500000000000000" pitchFamily="2" charset="-127"/>
+                <a:sym typeface="Wingdings" panose="05000000000000000000" pitchFamily="2" charset="2"/>
+              </a:rPr>
+              <a:t>개발 및 표준화 참여를 통해 지식 재산권 확보에 노력을 기울어야 할 필요가 있다</a:t>
+            </a:r>
+            <a:r>
+              <a:rPr lang="en-US" altLang="ko-KR" sz="2800" b="1" dirty="0">
+                <a:solidFill>
+                  <a:schemeClr val="tx1">
+                    <a:lumMod val="50000"/>
+                    <a:lumOff val="50000"/>
+                  </a:schemeClr>
+                </a:solidFill>
+                <a:latin typeface="한컴 고딕" panose="02000500000000000000" pitchFamily="2" charset="-127"/>
+                <a:ea typeface="한컴 고딕" panose="02000500000000000000" pitchFamily="2" charset="-127"/>
+                <a:sym typeface="Wingdings" panose="05000000000000000000" pitchFamily="2" charset="2"/>
+              </a:rPr>
+              <a:t>.</a:t>
+            </a:r>
+          </a:p>
+        </p:txBody>
+      </p:sp>
+      <p:sp>
+        <p:nvSpPr>
+          <p:cNvPr id="3" name="슬라이드 번호 개체 틀 2">
+            <a:extLst>
+              <a:ext uri="{FF2B5EF4-FFF2-40B4-BE49-F238E27FC236}">
+                <a16:creationId xmlns:a16="http://schemas.microsoft.com/office/drawing/2014/main" id="{4EC25071-CFFA-8C9C-CB7A-29C2F016666E}"/>
+              </a:ext>
+            </a:extLst>
+          </p:cNvPr>
+          <p:cNvSpPr>
+            <a:spLocks noGrp="1"/>
+          </p:cNvSpPr>
+          <p:nvPr>
+            <p:ph type="sldNum" sz="quarter" idx="12"/>
+          </p:nvPr>
+        </p:nvSpPr>
+        <p:spPr/>
+        <p:txBody>
+          <a:bodyPr/>
+          <a:lstStyle/>
+          <a:p>
+            <a:fld id="{4503EA79-8FE5-4AB7-9144-49D69278BFF0}" type="slidenum">
+              <a:rPr lang="ko-KR" altLang="en-US" smtClean="0"/>
+              <a:t>15</a:t>
+            </a:fld>
+            <a:endParaRPr lang="ko-KR" altLang="en-US" dirty="0"/>
+          </a:p>
+        </p:txBody>
+      </p:sp>
+    </p:spTree>
+    <p:extLst>
+      <p:ext uri="{BB962C8B-B14F-4D97-AF65-F5344CB8AC3E}">
+        <p14:creationId xmlns:p14="http://schemas.microsoft.com/office/powerpoint/2010/main" val="2446861430"/>
+      </p:ext>
+    </p:extLst>
+  </p:cSld>
+  <p:clrMapOvr>
+    <a:masterClrMapping/>
+  </p:clrMapOvr>
+</p:sld>
+</file>
+
 <file path=ppt/slides/slide2.xml><?xml version="1.0" encoding="utf-8"?>
 <p:sld xmlns:a="http://schemas.openxmlformats.org/drawingml/2006/main" xmlns:r="http://schemas.openxmlformats.org/officeDocument/2006/relationships" xmlns:p="http://schemas.openxmlformats.org/presentationml/2006/main">
   <p:cSld>
@@ -4257,7 +6412,7 @@
         <p:spPr>
           <a:xfrm>
             <a:off x="331694" y="794231"/>
-            <a:ext cx="11528612" cy="5062924"/>
+            <a:ext cx="11528612" cy="5128327"/>
           </a:xfrm>
           <a:prstGeom prst="rect">
             <a:avLst/>
@@ -4272,12 +6427,12 @@
           <a:p>
             <a:pPr marL="342900" indent="-342900">
               <a:lnSpc>
-                <a:spcPct val="300000"/>
+                <a:spcPct val="250000"/>
               </a:lnSpc>
               <a:buAutoNum type="arabicPeriod"/>
             </a:pPr>
             <a:r>
-              <a:rPr lang="en-US" altLang="ko-KR" sz="3800" dirty="0">
+              <a:rPr lang="en-US" altLang="ko-KR" sz="3400" dirty="0">
                 <a:solidFill>
                   <a:schemeClr val="tx1">
                     <a:lumMod val="65000"/>
@@ -4290,7 +6445,7 @@
               <a:t> </a:t>
             </a:r>
             <a:r>
-              <a:rPr lang="ko-KR" altLang="en-US" sz="3800" dirty="0">
+              <a:rPr lang="ko-KR" altLang="en-US" sz="3400" dirty="0">
                 <a:solidFill>
                   <a:schemeClr val="tx1">
                     <a:lumMod val="65000"/>
@@ -4302,7 +6457,7 @@
               </a:rPr>
               <a:t>서론</a:t>
             </a:r>
-            <a:endParaRPr lang="en-US" altLang="ko-KR" sz="3800" dirty="0">
+            <a:endParaRPr lang="en-US" altLang="ko-KR" sz="3400" dirty="0">
               <a:solidFill>
                 <a:schemeClr val="tx1">
                   <a:lumMod val="65000"/>
@@ -4316,12 +6471,12 @@
           <a:p>
             <a:pPr marL="342900" indent="-342900">
               <a:lnSpc>
-                <a:spcPct val="300000"/>
+                <a:spcPct val="250000"/>
               </a:lnSpc>
               <a:buAutoNum type="arabicPeriod"/>
             </a:pPr>
             <a:r>
-              <a:rPr lang="ko-KR" altLang="en-US" sz="3800" dirty="0">
+              <a:rPr lang="ko-KR" altLang="en-US" sz="3400" dirty="0">
                 <a:solidFill>
                   <a:schemeClr val="tx1">
                     <a:lumMod val="65000"/>
@@ -4331,9 +6486,35 @@
                 <a:latin typeface="배달의민족 도현" panose="020B0600000101010101" pitchFamily="50" charset="-127"/>
                 <a:ea typeface="배달의민족 도현" panose="020B0600000101010101" pitchFamily="50" charset="-127"/>
               </a:rPr>
-              <a:t> 본론</a:t>
-            </a:r>
-            <a:endParaRPr lang="en-US" altLang="ko-KR" sz="3800" dirty="0">
+              <a:t> </a:t>
+            </a:r>
+            <a:r>
+              <a:rPr lang="en-US" altLang="ko-KR" sz="3400" dirty="0">
+                <a:solidFill>
+                  <a:schemeClr val="tx1">
+                    <a:lumMod val="65000"/>
+                    <a:lumOff val="35000"/>
+                  </a:schemeClr>
+                </a:solidFill>
+                <a:latin typeface="배달의민족 도현" panose="020B0600000101010101" pitchFamily="50" charset="-127"/>
+                <a:ea typeface="배달의민족 도현" panose="020B0600000101010101" pitchFamily="50" charset="-127"/>
+              </a:rPr>
+              <a:t>ICN+DTN </a:t>
+            </a:r>
+            <a:r>
+              <a:rPr lang="ko-KR" altLang="en-US" sz="3400" dirty="0">
+                <a:solidFill>
+                  <a:schemeClr val="tx1">
+                    <a:lumMod val="65000"/>
+                    <a:lumOff val="35000"/>
+                  </a:schemeClr>
+                </a:solidFill>
+                <a:latin typeface="배달의민족 도현" panose="020B0600000101010101" pitchFamily="50" charset="-127"/>
+                <a:ea typeface="배달의민족 도현" panose="020B0600000101010101" pitchFamily="50" charset="-127"/>
+              </a:rPr>
+              <a:t>기술 동향</a:t>
+            </a:r>
+            <a:endParaRPr lang="en-US" altLang="ko-KR" sz="3400" dirty="0">
               <a:solidFill>
                 <a:schemeClr val="tx1">
                   <a:lumMod val="65000"/>
@@ -4347,24 +6528,69 @@
           <a:p>
             <a:pPr marL="342900" indent="-342900">
               <a:lnSpc>
-                <a:spcPct val="300000"/>
+                <a:spcPct val="250000"/>
+              </a:lnSpc>
+              <a:buFontTx/>
+              <a:buAutoNum type="arabicPeriod"/>
+            </a:pPr>
+            <a:r>
+              <a:rPr lang="ko-KR" altLang="en-US" sz="3400" dirty="0">
+                <a:solidFill>
+                  <a:schemeClr val="tx1">
+                    <a:lumMod val="65000"/>
+                    <a:lumOff val="35000"/>
+                  </a:schemeClr>
+                </a:solidFill>
+                <a:latin typeface="배달의민족 도현" panose="020B0600000101010101" pitchFamily="50" charset="-127"/>
+                <a:ea typeface="배달의민족 도현" panose="020B0600000101010101" pitchFamily="50" charset="-127"/>
+              </a:rPr>
+              <a:t> </a:t>
+            </a:r>
+            <a:r>
+              <a:rPr lang="en-US" altLang="ko-KR" sz="3400" dirty="0">
+                <a:solidFill>
+                  <a:schemeClr val="tx1">
+                    <a:lumMod val="65000"/>
+                    <a:lumOff val="35000"/>
+                  </a:schemeClr>
+                </a:solidFill>
+                <a:latin typeface="배달의민족 도현" panose="020B0600000101010101" pitchFamily="50" charset="-127"/>
+                <a:ea typeface="배달의민족 도현" panose="020B0600000101010101" pitchFamily="50" charset="-127"/>
+              </a:rPr>
+              <a:t>ICN+DTN </a:t>
+            </a:r>
+            <a:r>
+              <a:rPr lang="ko-KR" altLang="en-US" sz="3400" dirty="0">
+                <a:solidFill>
+                  <a:schemeClr val="tx1">
+                    <a:lumMod val="65000"/>
+                    <a:lumOff val="35000"/>
+                  </a:schemeClr>
+                </a:solidFill>
+                <a:latin typeface="배달의민족 도현" panose="020B0600000101010101" pitchFamily="50" charset="-127"/>
+                <a:ea typeface="배달의민족 도현" panose="020B0600000101010101" pitchFamily="50" charset="-127"/>
+              </a:rPr>
+              <a:t>프로젝트 동향</a:t>
+            </a:r>
+            <a:endParaRPr lang="en-US" altLang="ko-KR" sz="3400" dirty="0">
+              <a:solidFill>
+                <a:schemeClr val="tx1">
+                  <a:lumMod val="65000"/>
+                  <a:lumOff val="35000"/>
+                </a:schemeClr>
+              </a:solidFill>
+              <a:latin typeface="배달의민족 도현" panose="020B0600000101010101" pitchFamily="50" charset="-127"/>
+              <a:ea typeface="배달의민족 도현" panose="020B0600000101010101" pitchFamily="50" charset="-127"/>
+            </a:endParaRPr>
+          </a:p>
+          <a:p>
+            <a:pPr marL="342900" indent="-342900">
+              <a:lnSpc>
+                <a:spcPct val="250000"/>
               </a:lnSpc>
               <a:buAutoNum type="arabicPeriod"/>
             </a:pPr>
-            <a:r>
-              <a:rPr lang="ko-KR" altLang="en-US" sz="3800" dirty="0">
-                <a:solidFill>
-                  <a:schemeClr val="tx1">
-                    <a:lumMod val="65000"/>
-                    <a:lumOff val="35000"/>
-                  </a:schemeClr>
-                </a:solidFill>
-                <a:latin typeface="배달의민족 도현" panose="020B0600000101010101" pitchFamily="50" charset="-127"/>
-                <a:ea typeface="배달의민족 도현" panose="020B0600000101010101" pitchFamily="50" charset="-127"/>
-              </a:rPr>
-              <a:t> 결론</a:t>
-            </a:r>
-            <a:endParaRPr lang="en-US" altLang="ko-KR" sz="3800" dirty="0">
+            <a:endParaRPr lang="en-US" altLang="ko-KR" sz="3400" dirty="0">
               <a:solidFill>
                 <a:schemeClr val="tx1">
                   <a:lumMod val="65000"/>
@@ -5441,7 +7667,7 @@
         <p:spPr>
           <a:xfrm>
             <a:off x="206187" y="715619"/>
-            <a:ext cx="11842378" cy="5126275"/>
+            <a:ext cx="11842378" cy="6049605"/>
           </a:xfrm>
           <a:prstGeom prst="rect">
             <a:avLst/>
@@ -5531,7 +7757,7 @@
                 <a:latin typeface="한컴 고딕" panose="02000500000000000000" pitchFamily="2" charset="-127"/>
                 <a:ea typeface="한컴 고딕" panose="02000500000000000000" pitchFamily="2" charset="-127"/>
               </a:rPr>
-              <a:t>주소 대신 컨텐츠 이름을 사용</a:t>
+              <a:t>주소 대신 컨텐츠 이름을 사용하여 라우팅 수행</a:t>
             </a:r>
             <a:endParaRPr lang="en-US" altLang="ko-KR" sz="2000" b="1" dirty="0">
               <a:solidFill>
@@ -5563,328 +7789,7 @@
                 <a:latin typeface="한컴 고딕" panose="02000500000000000000" pitchFamily="2" charset="-127"/>
                 <a:ea typeface="한컴 고딕" panose="02000500000000000000" pitchFamily="2" charset="-127"/>
               </a:rPr>
-              <a:t>필요한 데이터를 </a:t>
-            </a:r>
-            <a:r>
-              <a:rPr lang="en-US" altLang="ko-KR" sz="2000" b="1" dirty="0">
-                <a:solidFill>
-                  <a:schemeClr val="tx1">
-                    <a:lumMod val="50000"/>
-                    <a:lumOff val="50000"/>
-                  </a:schemeClr>
-                </a:solidFill>
-                <a:latin typeface="한컴 고딕" panose="02000500000000000000" pitchFamily="2" charset="-127"/>
-                <a:ea typeface="한컴 고딕" panose="02000500000000000000" pitchFamily="2" charset="-127"/>
-              </a:rPr>
-              <a:t>Interest </a:t>
-            </a:r>
-            <a:r>
-              <a:rPr lang="ko-KR" altLang="en-US" sz="2000" b="1" dirty="0">
-                <a:solidFill>
-                  <a:schemeClr val="tx1">
-                    <a:lumMod val="50000"/>
-                    <a:lumOff val="50000"/>
-                  </a:schemeClr>
-                </a:solidFill>
-                <a:latin typeface="한컴 고딕" panose="02000500000000000000" pitchFamily="2" charset="-127"/>
-                <a:ea typeface="한컴 고딕" panose="02000500000000000000" pitchFamily="2" charset="-127"/>
-              </a:rPr>
-              <a:t>라는 패킷의 형태로 전송하면 </a:t>
-            </a:r>
-            <a:r>
-              <a:rPr lang="en-US" altLang="ko-KR" sz="2000" b="1" dirty="0">
-                <a:solidFill>
-                  <a:schemeClr val="tx1">
-                    <a:lumMod val="50000"/>
-                    <a:lumOff val="50000"/>
-                  </a:schemeClr>
-                </a:solidFill>
-                <a:latin typeface="한컴 고딕" panose="02000500000000000000" pitchFamily="2" charset="-127"/>
-                <a:ea typeface="한컴 고딕" panose="02000500000000000000" pitchFamily="2" charset="-127"/>
-              </a:rPr>
-              <a:t>Interest </a:t>
-            </a:r>
-            <a:r>
-              <a:rPr lang="ko-KR" altLang="en-US" sz="2000" b="1" dirty="0">
-                <a:solidFill>
-                  <a:schemeClr val="tx1">
-                    <a:lumMod val="50000"/>
-                    <a:lumOff val="50000"/>
-                  </a:schemeClr>
-                </a:solidFill>
-                <a:latin typeface="한컴 고딕" panose="02000500000000000000" pitchFamily="2" charset="-127"/>
-                <a:ea typeface="한컴 고딕" panose="02000500000000000000" pitchFamily="2" charset="-127"/>
-              </a:rPr>
-              <a:t>패킷을 받은 라우터들은 </a:t>
-            </a:r>
-            <a:r>
-              <a:rPr lang="en-US" altLang="ko-KR" sz="2000" b="1" dirty="0">
-                <a:solidFill>
-                  <a:schemeClr val="tx1">
-                    <a:lumMod val="50000"/>
-                    <a:lumOff val="50000"/>
-                  </a:schemeClr>
-                </a:solidFill>
-                <a:latin typeface="한컴 고딕" panose="02000500000000000000" pitchFamily="2" charset="-127"/>
-                <a:ea typeface="한컴 고딕" panose="02000500000000000000" pitchFamily="2" charset="-127"/>
-              </a:rPr>
-              <a:t>CS(Content Store)</a:t>
-            </a:r>
-            <a:r>
-              <a:rPr lang="ko-KR" altLang="en-US" sz="2000" b="1" dirty="0">
-                <a:solidFill>
-                  <a:schemeClr val="tx1">
-                    <a:lumMod val="50000"/>
-                    <a:lumOff val="50000"/>
-                  </a:schemeClr>
-                </a:solidFill>
-                <a:latin typeface="한컴 고딕" panose="02000500000000000000" pitchFamily="2" charset="-127"/>
-                <a:ea typeface="한컴 고딕" panose="02000500000000000000" pitchFamily="2" charset="-127"/>
-              </a:rPr>
-              <a:t>를 검색하여 요청 </a:t>
-            </a:r>
-            <a:r>
-              <a:rPr lang="en-US" altLang="ko-KR" sz="2000" b="1" dirty="0">
-                <a:solidFill>
-                  <a:schemeClr val="tx1">
-                    <a:lumMod val="50000"/>
-                    <a:lumOff val="50000"/>
-                  </a:schemeClr>
-                </a:solidFill>
-                <a:latin typeface="한컴 고딕" panose="02000500000000000000" pitchFamily="2" charset="-127"/>
-                <a:ea typeface="한컴 고딕" panose="02000500000000000000" pitchFamily="2" charset="-127"/>
-              </a:rPr>
-              <a:t>Interest</a:t>
-            </a:r>
-            <a:r>
-              <a:rPr lang="ko-KR" altLang="en-US" sz="2000" b="1" dirty="0">
-                <a:solidFill>
-                  <a:schemeClr val="tx1">
-                    <a:lumMod val="50000"/>
-                    <a:lumOff val="50000"/>
-                  </a:schemeClr>
-                </a:solidFill>
-                <a:latin typeface="한컴 고딕" panose="02000500000000000000" pitchFamily="2" charset="-127"/>
-                <a:ea typeface="한컴 고딕" panose="02000500000000000000" pitchFamily="2" charset="-127"/>
-              </a:rPr>
-              <a:t>와 맞는 </a:t>
-            </a:r>
-            <a:r>
-              <a:rPr lang="en-US" altLang="ko-KR" sz="2000" b="1" dirty="0">
-                <a:solidFill>
-                  <a:schemeClr val="tx1">
-                    <a:lumMod val="50000"/>
-                    <a:lumOff val="50000"/>
-                  </a:schemeClr>
-                </a:solidFill>
-                <a:latin typeface="한컴 고딕" panose="02000500000000000000" pitchFamily="2" charset="-127"/>
-                <a:ea typeface="한컴 고딕" panose="02000500000000000000" pitchFamily="2" charset="-127"/>
-              </a:rPr>
-              <a:t>Content</a:t>
-            </a:r>
-            <a:r>
-              <a:rPr lang="ko-KR" altLang="en-US" sz="2000" b="1" dirty="0">
-                <a:solidFill>
-                  <a:schemeClr val="tx1">
-                    <a:lumMod val="50000"/>
-                    <a:lumOff val="50000"/>
-                  </a:schemeClr>
-                </a:solidFill>
-                <a:latin typeface="한컴 고딕" panose="02000500000000000000" pitchFamily="2" charset="-127"/>
-                <a:ea typeface="한컴 고딕" panose="02000500000000000000" pitchFamily="2" charset="-127"/>
-              </a:rPr>
-              <a:t>가 존재한다면 요청 노드로 전송한다</a:t>
-            </a:r>
-            <a:r>
-              <a:rPr lang="en-US" altLang="ko-KR" sz="2000" b="1" dirty="0">
-                <a:solidFill>
-                  <a:schemeClr val="tx1">
-                    <a:lumMod val="50000"/>
-                    <a:lumOff val="50000"/>
-                  </a:schemeClr>
-                </a:solidFill>
-                <a:latin typeface="한컴 고딕" panose="02000500000000000000" pitchFamily="2" charset="-127"/>
-                <a:ea typeface="한컴 고딕" panose="02000500000000000000" pitchFamily="2" charset="-127"/>
-              </a:rPr>
-              <a:t>.</a:t>
-            </a:r>
-          </a:p>
-          <a:p>
-            <a:pPr marL="1257300" lvl="2" indent="-342900">
-              <a:lnSpc>
-                <a:spcPct val="150000"/>
-              </a:lnSpc>
-              <a:buFont typeface="Arial" panose="020B0604020202020204" pitchFamily="34" charset="0"/>
-              <a:buChar char="•"/>
-            </a:pPr>
-            <a:r>
-              <a:rPr lang="ko-KR" altLang="en-US" sz="2000" b="1" dirty="0">
-                <a:solidFill>
-                  <a:schemeClr val="tx1">
-                    <a:lumMod val="50000"/>
-                    <a:lumOff val="50000"/>
-                  </a:schemeClr>
-                </a:solidFill>
-                <a:latin typeface="한컴 고딕" panose="02000500000000000000" pitchFamily="2" charset="-127"/>
-                <a:ea typeface="한컴 고딕" panose="02000500000000000000" pitchFamily="2" charset="-127"/>
-              </a:rPr>
-              <a:t>만약 </a:t>
-            </a:r>
-            <a:r>
-              <a:rPr lang="en-US" altLang="ko-KR" sz="2000" b="1" dirty="0">
-                <a:solidFill>
-                  <a:schemeClr val="tx1">
-                    <a:lumMod val="50000"/>
-                    <a:lumOff val="50000"/>
-                  </a:schemeClr>
-                </a:solidFill>
-                <a:latin typeface="한컴 고딕" panose="02000500000000000000" pitchFamily="2" charset="-127"/>
-                <a:ea typeface="한컴 고딕" panose="02000500000000000000" pitchFamily="2" charset="-127"/>
-              </a:rPr>
-              <a:t>CS</a:t>
-            </a:r>
-            <a:r>
-              <a:rPr lang="ko-KR" altLang="en-US" sz="2000" b="1" dirty="0">
-                <a:solidFill>
-                  <a:schemeClr val="tx1">
-                    <a:lumMod val="50000"/>
-                    <a:lumOff val="50000"/>
-                  </a:schemeClr>
-                </a:solidFill>
-                <a:latin typeface="한컴 고딕" panose="02000500000000000000" pitchFamily="2" charset="-127"/>
-                <a:ea typeface="한컴 고딕" panose="02000500000000000000" pitchFamily="2" charset="-127"/>
-              </a:rPr>
-              <a:t>에 요청한 </a:t>
-            </a:r>
-            <a:r>
-              <a:rPr lang="en-US" altLang="ko-KR" sz="2000" b="1" dirty="0">
-                <a:solidFill>
-                  <a:schemeClr val="tx1">
-                    <a:lumMod val="50000"/>
-                    <a:lumOff val="50000"/>
-                  </a:schemeClr>
-                </a:solidFill>
-                <a:latin typeface="한컴 고딕" panose="02000500000000000000" pitchFamily="2" charset="-127"/>
-                <a:ea typeface="한컴 고딕" panose="02000500000000000000" pitchFamily="2" charset="-127"/>
-              </a:rPr>
-              <a:t>Interest </a:t>
-            </a:r>
-            <a:r>
-              <a:rPr lang="ko-KR" altLang="en-US" sz="2000" b="1" dirty="0">
-                <a:solidFill>
-                  <a:schemeClr val="tx1">
-                    <a:lumMod val="50000"/>
-                    <a:lumOff val="50000"/>
-                  </a:schemeClr>
-                </a:solidFill>
-                <a:latin typeface="한컴 고딕" panose="02000500000000000000" pitchFamily="2" charset="-127"/>
-                <a:ea typeface="한컴 고딕" panose="02000500000000000000" pitchFamily="2" charset="-127"/>
-              </a:rPr>
-              <a:t>패킷과 맞는 </a:t>
-            </a:r>
-            <a:r>
-              <a:rPr lang="en-US" altLang="ko-KR" sz="2000" b="1" dirty="0">
-                <a:solidFill>
-                  <a:schemeClr val="tx1">
-                    <a:lumMod val="50000"/>
-                    <a:lumOff val="50000"/>
-                  </a:schemeClr>
-                </a:solidFill>
-                <a:latin typeface="한컴 고딕" panose="02000500000000000000" pitchFamily="2" charset="-127"/>
-                <a:ea typeface="한컴 고딕" panose="02000500000000000000" pitchFamily="2" charset="-127"/>
-              </a:rPr>
-              <a:t>Content</a:t>
-            </a:r>
-            <a:r>
-              <a:rPr lang="ko-KR" altLang="en-US" sz="2000" b="1" dirty="0">
-                <a:solidFill>
-                  <a:schemeClr val="tx1">
-                    <a:lumMod val="50000"/>
-                    <a:lumOff val="50000"/>
-                  </a:schemeClr>
-                </a:solidFill>
-                <a:latin typeface="한컴 고딕" panose="02000500000000000000" pitchFamily="2" charset="-127"/>
-                <a:ea typeface="한컴 고딕" panose="02000500000000000000" pitchFamily="2" charset="-127"/>
-              </a:rPr>
-              <a:t>가 존재하지 않는다면 </a:t>
-            </a:r>
-            <a:r>
-              <a:rPr lang="en-US" altLang="ko-KR" sz="2000" b="1" dirty="0">
-                <a:solidFill>
-                  <a:schemeClr val="tx1">
-                    <a:lumMod val="50000"/>
-                    <a:lumOff val="50000"/>
-                  </a:schemeClr>
-                </a:solidFill>
-                <a:latin typeface="한컴 고딕" panose="02000500000000000000" pitchFamily="2" charset="-127"/>
-                <a:ea typeface="한컴 고딕" panose="02000500000000000000" pitchFamily="2" charset="-127"/>
-              </a:rPr>
-              <a:t>PIT(Pending Interest Table)</a:t>
-            </a:r>
-            <a:r>
-              <a:rPr lang="ko-KR" altLang="en-US" sz="2000" b="1" dirty="0">
-                <a:solidFill>
-                  <a:schemeClr val="tx1">
-                    <a:lumMod val="50000"/>
-                    <a:lumOff val="50000"/>
-                  </a:schemeClr>
-                </a:solidFill>
-                <a:latin typeface="한컴 고딕" panose="02000500000000000000" pitchFamily="2" charset="-127"/>
-                <a:ea typeface="한컴 고딕" panose="02000500000000000000" pitchFamily="2" charset="-127"/>
-              </a:rPr>
-              <a:t>을 검색하여 동일 </a:t>
-            </a:r>
-            <a:r>
-              <a:rPr lang="en-US" altLang="ko-KR" sz="2000" b="1" dirty="0">
-                <a:solidFill>
-                  <a:schemeClr val="tx1">
-                    <a:lumMod val="50000"/>
-                    <a:lumOff val="50000"/>
-                  </a:schemeClr>
-                </a:solidFill>
-                <a:latin typeface="한컴 고딕" panose="02000500000000000000" pitchFamily="2" charset="-127"/>
-                <a:ea typeface="한컴 고딕" panose="02000500000000000000" pitchFamily="2" charset="-127"/>
-              </a:rPr>
-              <a:t>Content</a:t>
-            </a:r>
-            <a:r>
-              <a:rPr lang="ko-KR" altLang="en-US" sz="2000" b="1" dirty="0">
-                <a:solidFill>
-                  <a:schemeClr val="tx1">
-                    <a:lumMod val="50000"/>
-                    <a:lumOff val="50000"/>
-                  </a:schemeClr>
-                </a:solidFill>
-                <a:latin typeface="한컴 고딕" panose="02000500000000000000" pitchFamily="2" charset="-127"/>
-                <a:ea typeface="한컴 고딕" panose="02000500000000000000" pitchFamily="2" charset="-127"/>
-              </a:rPr>
-              <a:t>에 대한 </a:t>
-            </a:r>
-            <a:r>
-              <a:rPr lang="en-US" altLang="ko-KR" sz="2000" b="1" dirty="0">
-                <a:solidFill>
-                  <a:schemeClr val="tx1">
-                    <a:lumMod val="50000"/>
-                    <a:lumOff val="50000"/>
-                  </a:schemeClr>
-                </a:solidFill>
-                <a:latin typeface="한컴 고딕" panose="02000500000000000000" pitchFamily="2" charset="-127"/>
-                <a:ea typeface="한컴 고딕" panose="02000500000000000000" pitchFamily="2" charset="-127"/>
-              </a:rPr>
-              <a:t>Interest </a:t>
-            </a:r>
-            <a:r>
-              <a:rPr lang="ko-KR" altLang="en-US" sz="2000" b="1" dirty="0">
-                <a:solidFill>
-                  <a:schemeClr val="tx1">
-                    <a:lumMod val="50000"/>
-                    <a:lumOff val="50000"/>
-                  </a:schemeClr>
-                </a:solidFill>
-                <a:latin typeface="한컴 고딕" panose="02000500000000000000" pitchFamily="2" charset="-127"/>
-                <a:ea typeface="한컴 고딕" panose="02000500000000000000" pitchFamily="2" charset="-127"/>
-              </a:rPr>
-              <a:t>처리</a:t>
+              <a:t>라우팅 동작 과정</a:t>
             </a:r>
             <a:endParaRPr lang="en-US" altLang="ko-KR" sz="2000" b="1" dirty="0">
               <a:solidFill>
@@ -5898,7 +7803,7 @@
             </a:endParaRPr>
           </a:p>
           <a:p>
-            <a:pPr marL="1714500" lvl="3" indent="-342900">
+            <a:pPr marL="1257300" lvl="2" indent="-342900">
               <a:lnSpc>
                 <a:spcPct val="150000"/>
               </a:lnSpc>
@@ -5916,7 +7821,7 @@
                 <a:latin typeface="한컴 고딕" panose="02000500000000000000" pitchFamily="2" charset="-127"/>
                 <a:ea typeface="한컴 고딕" panose="02000500000000000000" pitchFamily="2" charset="-127"/>
               </a:rPr>
-              <a:t>약간 </a:t>
+              <a:t>특정 컨텐츠를 원하는 사용자가 컨텐츠의 이름을 포함한 </a:t>
             </a:r>
             <a:r>
               <a:rPr lang="en-US" altLang="ko-KR" sz="2000" b="1" dirty="0">
@@ -5929,6 +7834,418 @@
                 <a:latin typeface="한컴 고딕" panose="02000500000000000000" pitchFamily="2" charset="-127"/>
                 <a:ea typeface="한컴 고딕" panose="02000500000000000000" pitchFamily="2" charset="-127"/>
               </a:rPr>
+              <a:t>Interest </a:t>
+            </a:r>
+            <a:r>
+              <a:rPr lang="ko-KR" altLang="en-US" sz="2000" b="1" dirty="0">
+                <a:solidFill>
+                  <a:schemeClr val="tx1">
+                    <a:lumMod val="50000"/>
+                    <a:lumOff val="50000"/>
+                  </a:schemeClr>
+                </a:solidFill>
+                <a:latin typeface="한컴 고딕" panose="02000500000000000000" pitchFamily="2" charset="-127"/>
+                <a:ea typeface="한컴 고딕" panose="02000500000000000000" pitchFamily="2" charset="-127"/>
+              </a:rPr>
+              <a:t>패킷을 주위 라우터로 전송</a:t>
+            </a:r>
+            <a:endParaRPr lang="en-US" altLang="ko-KR" sz="2000" b="1" dirty="0">
+              <a:solidFill>
+                <a:schemeClr val="tx1">
+                  <a:lumMod val="50000"/>
+                  <a:lumOff val="50000"/>
+                </a:schemeClr>
+              </a:solidFill>
+              <a:latin typeface="한컴 고딕" panose="02000500000000000000" pitchFamily="2" charset="-127"/>
+              <a:ea typeface="한컴 고딕" panose="02000500000000000000" pitchFamily="2" charset="-127"/>
+            </a:endParaRPr>
+          </a:p>
+          <a:p>
+            <a:pPr marL="1257300" lvl="2" indent="-342900">
+              <a:lnSpc>
+                <a:spcPct val="150000"/>
+              </a:lnSpc>
+              <a:buFont typeface="Arial" panose="020B0604020202020204" pitchFamily="34" charset="0"/>
+              <a:buChar char="•"/>
+            </a:pPr>
+            <a:r>
+              <a:rPr lang="en-US" altLang="ko-KR" sz="2000" b="1" dirty="0">
+                <a:solidFill>
+                  <a:schemeClr val="tx1">
+                    <a:lumMod val="50000"/>
+                    <a:lumOff val="50000"/>
+                  </a:schemeClr>
+                </a:solidFill>
+                <a:latin typeface="한컴 고딕" panose="02000500000000000000" pitchFamily="2" charset="-127"/>
+                <a:ea typeface="한컴 고딕" panose="02000500000000000000" pitchFamily="2" charset="-127"/>
+              </a:rPr>
+              <a:t>Interest </a:t>
+            </a:r>
+            <a:r>
+              <a:rPr lang="ko-KR" altLang="en-US" sz="2000" b="1" dirty="0">
+                <a:solidFill>
+                  <a:schemeClr val="tx1">
+                    <a:lumMod val="50000"/>
+                    <a:lumOff val="50000"/>
+                  </a:schemeClr>
+                </a:solidFill>
+                <a:latin typeface="한컴 고딕" panose="02000500000000000000" pitchFamily="2" charset="-127"/>
+                <a:ea typeface="한컴 고딕" panose="02000500000000000000" pitchFamily="2" charset="-127"/>
+              </a:rPr>
+              <a:t>패킷을 수신한 라우터는 자신의 </a:t>
+            </a:r>
+            <a:r>
+              <a:rPr lang="en-US" altLang="ko-KR" sz="2000" b="1" dirty="0">
+                <a:solidFill>
+                  <a:schemeClr val="tx1">
+                    <a:lumMod val="50000"/>
+                    <a:lumOff val="50000"/>
+                  </a:schemeClr>
+                </a:solidFill>
+                <a:latin typeface="한컴 고딕" panose="02000500000000000000" pitchFamily="2" charset="-127"/>
+                <a:ea typeface="한컴 고딕" panose="02000500000000000000" pitchFamily="2" charset="-127"/>
+              </a:rPr>
+              <a:t>CS(Content Store)</a:t>
+            </a:r>
+            <a:r>
+              <a:rPr lang="ko-KR" altLang="en-US" sz="2000" b="1" dirty="0">
+                <a:solidFill>
+                  <a:schemeClr val="tx1">
+                    <a:lumMod val="50000"/>
+                    <a:lumOff val="50000"/>
+                  </a:schemeClr>
+                </a:solidFill>
+                <a:latin typeface="한컴 고딕" panose="02000500000000000000" pitchFamily="2" charset="-127"/>
+                <a:ea typeface="한컴 고딕" panose="02000500000000000000" pitchFamily="2" charset="-127"/>
+              </a:rPr>
+              <a:t>를 검색하여 해당 컨텐츠가 존재하는지 확인 </a:t>
+            </a:r>
+            <a:r>
+              <a:rPr lang="en-US" altLang="ko-KR" sz="2000" b="1" dirty="0">
+                <a:solidFill>
+                  <a:schemeClr val="tx1">
+                    <a:lumMod val="50000"/>
+                    <a:lumOff val="50000"/>
+                  </a:schemeClr>
+                </a:solidFill>
+                <a:latin typeface="한컴 고딕" panose="02000500000000000000" pitchFamily="2" charset="-127"/>
+                <a:ea typeface="한컴 고딕" panose="02000500000000000000" pitchFamily="2" charset="-127"/>
+                <a:sym typeface="Wingdings" panose="05000000000000000000" pitchFamily="2" charset="2"/>
+              </a:rPr>
+              <a:t> </a:t>
+            </a:r>
+            <a:r>
+              <a:rPr lang="ko-KR" altLang="en-US" sz="2000" b="1" dirty="0">
+                <a:solidFill>
+                  <a:schemeClr val="tx1">
+                    <a:lumMod val="50000"/>
+                    <a:lumOff val="50000"/>
+                  </a:schemeClr>
+                </a:solidFill>
+                <a:latin typeface="한컴 고딕" panose="02000500000000000000" pitchFamily="2" charset="-127"/>
+                <a:ea typeface="한컴 고딕" panose="02000500000000000000" pitchFamily="2" charset="-127"/>
+                <a:sym typeface="Wingdings" panose="05000000000000000000" pitchFamily="2" charset="2"/>
+              </a:rPr>
+              <a:t>컨텐츠가 있다면 해당 컨텐츠를 요청 노드로 전송</a:t>
+            </a:r>
+            <a:endParaRPr lang="en-US" altLang="ko-KR" sz="2000" b="1" dirty="0">
+              <a:solidFill>
+                <a:schemeClr val="tx1">
+                  <a:lumMod val="50000"/>
+                  <a:lumOff val="50000"/>
+                </a:schemeClr>
+              </a:solidFill>
+              <a:latin typeface="한컴 고딕" panose="02000500000000000000" pitchFamily="2" charset="-127"/>
+              <a:ea typeface="한컴 고딕" panose="02000500000000000000" pitchFamily="2" charset="-127"/>
+              <a:sym typeface="Wingdings" panose="05000000000000000000" pitchFamily="2" charset="2"/>
+            </a:endParaRPr>
+          </a:p>
+          <a:p>
+            <a:pPr marL="1257300" lvl="2" indent="-342900">
+              <a:lnSpc>
+                <a:spcPct val="150000"/>
+              </a:lnSpc>
+              <a:buFont typeface="Arial" panose="020B0604020202020204" pitchFamily="34" charset="0"/>
+              <a:buChar char="•"/>
+            </a:pPr>
+            <a:r>
+              <a:rPr lang="ko-KR" altLang="en-US" sz="2000" b="1" dirty="0">
+                <a:solidFill>
+                  <a:schemeClr val="tx1">
+                    <a:lumMod val="50000"/>
+                    <a:lumOff val="50000"/>
+                  </a:schemeClr>
+                </a:solidFill>
+                <a:latin typeface="한컴 고딕" panose="02000500000000000000" pitchFamily="2" charset="-127"/>
+                <a:ea typeface="한컴 고딕" panose="02000500000000000000" pitchFamily="2" charset="-127"/>
+                <a:sym typeface="Wingdings" panose="05000000000000000000" pitchFamily="2" charset="2"/>
+              </a:rPr>
+              <a:t>요청 컨텐츠가 존재하지 않는 경우</a:t>
+            </a:r>
+            <a:r>
+              <a:rPr lang="en-US" altLang="ko-KR" sz="2000" b="1" dirty="0">
+                <a:solidFill>
+                  <a:schemeClr val="tx1">
+                    <a:lumMod val="50000"/>
+                    <a:lumOff val="50000"/>
+                  </a:schemeClr>
+                </a:solidFill>
+                <a:latin typeface="한컴 고딕" panose="02000500000000000000" pitchFamily="2" charset="-127"/>
+                <a:ea typeface="한컴 고딕" panose="02000500000000000000" pitchFamily="2" charset="-127"/>
+                <a:sym typeface="Wingdings" panose="05000000000000000000" pitchFamily="2" charset="2"/>
+              </a:rPr>
+              <a:t>, PIT(Pending Interest Table)</a:t>
+            </a:r>
+            <a:r>
+              <a:rPr lang="ko-KR" altLang="en-US" sz="2000" b="1" dirty="0">
+                <a:solidFill>
+                  <a:schemeClr val="tx1">
+                    <a:lumMod val="50000"/>
+                    <a:lumOff val="50000"/>
+                  </a:schemeClr>
+                </a:solidFill>
+                <a:latin typeface="한컴 고딕" panose="02000500000000000000" pitchFamily="2" charset="-127"/>
+                <a:ea typeface="한컴 고딕" panose="02000500000000000000" pitchFamily="2" charset="-127"/>
+                <a:sym typeface="Wingdings" panose="05000000000000000000" pitchFamily="2" charset="2"/>
+              </a:rPr>
+              <a:t>을 검색하여 동일 컨텐츠에 대한 동일 컨텐츠에 대한 </a:t>
+            </a:r>
+            <a:r>
+              <a:rPr lang="en-US" altLang="ko-KR" sz="2000" b="1" dirty="0">
+                <a:solidFill>
+                  <a:schemeClr val="tx1">
+                    <a:lumMod val="50000"/>
+                    <a:lumOff val="50000"/>
+                  </a:schemeClr>
+                </a:solidFill>
+                <a:latin typeface="한컴 고딕" panose="02000500000000000000" pitchFamily="2" charset="-127"/>
+                <a:ea typeface="한컴 고딕" panose="02000500000000000000" pitchFamily="2" charset="-127"/>
+                <a:sym typeface="Wingdings" panose="05000000000000000000" pitchFamily="2" charset="2"/>
+              </a:rPr>
+              <a:t>Interest </a:t>
+            </a:r>
+            <a:r>
+              <a:rPr lang="ko-KR" altLang="en-US" sz="2000" b="1" dirty="0">
+                <a:solidFill>
+                  <a:schemeClr val="tx1">
+                    <a:lumMod val="50000"/>
+                    <a:lumOff val="50000"/>
+                  </a:schemeClr>
+                </a:solidFill>
+                <a:latin typeface="한컴 고딕" panose="02000500000000000000" pitchFamily="2" charset="-127"/>
+                <a:ea typeface="한컴 고딕" panose="02000500000000000000" pitchFamily="2" charset="-127"/>
+                <a:sym typeface="Wingdings" panose="05000000000000000000" pitchFamily="2" charset="2"/>
+              </a:rPr>
+              <a:t>처리 정보가 있는 경우 수신 </a:t>
+            </a:r>
+            <a:r>
+              <a:rPr lang="en-US" altLang="ko-KR" sz="2000" b="1" dirty="0">
+                <a:solidFill>
+                  <a:schemeClr val="tx1">
+                    <a:lumMod val="50000"/>
+                    <a:lumOff val="50000"/>
+                  </a:schemeClr>
+                </a:solidFill>
+                <a:latin typeface="한컴 고딕" panose="02000500000000000000" pitchFamily="2" charset="-127"/>
+                <a:ea typeface="한컴 고딕" panose="02000500000000000000" pitchFamily="2" charset="-127"/>
+                <a:sym typeface="Wingdings" panose="05000000000000000000" pitchFamily="2" charset="2"/>
+              </a:rPr>
+              <a:t>Interest</a:t>
+            </a:r>
+            <a:r>
+              <a:rPr lang="ko-KR" altLang="en-US" sz="2000" b="1" dirty="0">
+                <a:solidFill>
+                  <a:schemeClr val="tx1">
+                    <a:lumMod val="50000"/>
+                    <a:lumOff val="50000"/>
+                  </a:schemeClr>
+                </a:solidFill>
+                <a:latin typeface="한컴 고딕" panose="02000500000000000000" pitchFamily="2" charset="-127"/>
+                <a:ea typeface="한컴 고딕" panose="02000500000000000000" pitchFamily="2" charset="-127"/>
+                <a:sym typeface="Wingdings" panose="05000000000000000000" pitchFamily="2" charset="2"/>
+              </a:rPr>
+              <a:t>의 입력 인터페이스를 저장 후</a:t>
+            </a:r>
+            <a:r>
+              <a:rPr lang="en-US" altLang="ko-KR" sz="2000" b="1" dirty="0">
+                <a:solidFill>
+                  <a:schemeClr val="tx1">
+                    <a:lumMod val="50000"/>
+                    <a:lumOff val="50000"/>
+                  </a:schemeClr>
+                </a:solidFill>
+                <a:latin typeface="한컴 고딕" panose="02000500000000000000" pitchFamily="2" charset="-127"/>
+                <a:ea typeface="한컴 고딕" panose="02000500000000000000" pitchFamily="2" charset="-127"/>
+                <a:sym typeface="Wingdings" panose="05000000000000000000" pitchFamily="2" charset="2"/>
+              </a:rPr>
+              <a:t>, </a:t>
+            </a:r>
+            <a:r>
+              <a:rPr lang="ko-KR" altLang="en-US" sz="2000" b="1" dirty="0">
+                <a:solidFill>
+                  <a:schemeClr val="tx1">
+                    <a:lumMod val="50000"/>
+                    <a:lumOff val="50000"/>
+                  </a:schemeClr>
+                </a:solidFill>
+                <a:latin typeface="한컴 고딕" panose="02000500000000000000" pitchFamily="2" charset="-127"/>
+                <a:ea typeface="한컴 고딕" panose="02000500000000000000" pitchFamily="2" charset="-127"/>
+                <a:sym typeface="Wingdings" panose="05000000000000000000" pitchFamily="2" charset="2"/>
+              </a:rPr>
+              <a:t>주위 라우터로 </a:t>
+            </a:r>
+            <a:r>
+              <a:rPr lang="en-US" altLang="ko-KR" sz="2000" b="1" dirty="0">
+                <a:solidFill>
+                  <a:schemeClr val="tx1">
+                    <a:lumMod val="50000"/>
+                    <a:lumOff val="50000"/>
+                  </a:schemeClr>
+                </a:solidFill>
+                <a:latin typeface="한컴 고딕" panose="02000500000000000000" pitchFamily="2" charset="-127"/>
+                <a:ea typeface="한컴 고딕" panose="02000500000000000000" pitchFamily="2" charset="-127"/>
+                <a:sym typeface="Wingdings" panose="05000000000000000000" pitchFamily="2" charset="2"/>
+              </a:rPr>
+              <a:t>Interest</a:t>
+            </a:r>
+            <a:r>
+              <a:rPr lang="ko-KR" altLang="en-US" sz="2000" b="1" dirty="0">
+                <a:solidFill>
+                  <a:schemeClr val="tx1">
+                    <a:lumMod val="50000"/>
+                    <a:lumOff val="50000"/>
+                  </a:schemeClr>
+                </a:solidFill>
+                <a:latin typeface="한컴 고딕" panose="02000500000000000000" pitchFamily="2" charset="-127"/>
+                <a:ea typeface="한컴 고딕" panose="02000500000000000000" pitchFamily="2" charset="-127"/>
+                <a:sym typeface="Wingdings" panose="05000000000000000000" pitchFamily="2" charset="2"/>
+              </a:rPr>
+              <a:t>를 전송하지는 않음 </a:t>
+            </a:r>
+            <a:r>
+              <a:rPr lang="en-US" altLang="ko-KR" sz="2000" b="1" dirty="0">
+                <a:solidFill>
+                  <a:schemeClr val="tx1">
+                    <a:lumMod val="50000"/>
+                    <a:lumOff val="50000"/>
+                  </a:schemeClr>
+                </a:solidFill>
+                <a:latin typeface="한컴 고딕" panose="02000500000000000000" pitchFamily="2" charset="-127"/>
+                <a:ea typeface="한컴 고딕" panose="02000500000000000000" pitchFamily="2" charset="-127"/>
+                <a:sym typeface="Wingdings" panose="05000000000000000000" pitchFamily="2" charset="2"/>
+              </a:rPr>
+              <a:t> Interest </a:t>
+            </a:r>
+            <a:r>
+              <a:rPr lang="ko-KR" altLang="en-US" sz="2000" b="1" dirty="0">
+                <a:solidFill>
+                  <a:schemeClr val="tx1">
+                    <a:lumMod val="50000"/>
+                    <a:lumOff val="50000"/>
+                  </a:schemeClr>
+                </a:solidFill>
+                <a:latin typeface="한컴 고딕" panose="02000500000000000000" pitchFamily="2" charset="-127"/>
+                <a:ea typeface="한컴 고딕" panose="02000500000000000000" pitchFamily="2" charset="-127"/>
+                <a:sym typeface="Wingdings" panose="05000000000000000000" pitchFamily="2" charset="2"/>
+              </a:rPr>
+              <a:t>처리 정보가 없는 경우 </a:t>
+            </a:r>
+            <a:r>
+              <a:rPr lang="en-US" altLang="ko-KR" sz="2000" b="1" dirty="0">
+                <a:solidFill>
+                  <a:schemeClr val="tx1">
+                    <a:lumMod val="50000"/>
+                    <a:lumOff val="50000"/>
+                  </a:schemeClr>
+                </a:solidFill>
+                <a:latin typeface="한컴 고딕" panose="02000500000000000000" pitchFamily="2" charset="-127"/>
+                <a:ea typeface="한컴 고딕" panose="02000500000000000000" pitchFamily="2" charset="-127"/>
+                <a:sym typeface="Wingdings" panose="05000000000000000000" pitchFamily="2" charset="2"/>
+              </a:rPr>
+              <a:t>FIB(Forwarding Information Base) </a:t>
+            </a:r>
+            <a:r>
+              <a:rPr lang="ko-KR" altLang="en-US" sz="2000" b="1" dirty="0">
+                <a:solidFill>
+                  <a:schemeClr val="tx1">
+                    <a:lumMod val="50000"/>
+                    <a:lumOff val="50000"/>
+                  </a:schemeClr>
+                </a:solidFill>
+                <a:latin typeface="한컴 고딕" panose="02000500000000000000" pitchFamily="2" charset="-127"/>
+                <a:ea typeface="한컴 고딕" panose="02000500000000000000" pitchFamily="2" charset="-127"/>
+                <a:sym typeface="Wingdings" panose="05000000000000000000" pitchFamily="2" charset="2"/>
+              </a:rPr>
+              <a:t>검색을 통해 </a:t>
+            </a:r>
+            <a:r>
+              <a:rPr lang="en-US" altLang="ko-KR" sz="2000" b="1" dirty="0">
+                <a:solidFill>
+                  <a:schemeClr val="tx1">
+                    <a:lumMod val="50000"/>
+                    <a:lumOff val="50000"/>
+                  </a:schemeClr>
+                </a:solidFill>
+                <a:latin typeface="한컴 고딕" panose="02000500000000000000" pitchFamily="2" charset="-127"/>
+                <a:ea typeface="한컴 고딕" panose="02000500000000000000" pitchFamily="2" charset="-127"/>
+                <a:sym typeface="Wingdings" panose="05000000000000000000" pitchFamily="2" charset="2"/>
+              </a:rPr>
+              <a:t>longest prefix match </a:t>
+            </a:r>
+            <a:r>
+              <a:rPr lang="ko-KR" altLang="en-US" sz="2000" b="1" dirty="0">
+                <a:solidFill>
+                  <a:schemeClr val="tx1">
+                    <a:lumMod val="50000"/>
+                    <a:lumOff val="50000"/>
+                  </a:schemeClr>
+                </a:solidFill>
+                <a:latin typeface="한컴 고딕" panose="02000500000000000000" pitchFamily="2" charset="-127"/>
+                <a:ea typeface="한컴 고딕" panose="02000500000000000000" pitchFamily="2" charset="-127"/>
+                <a:sym typeface="Wingdings" panose="05000000000000000000" pitchFamily="2" charset="2"/>
+              </a:rPr>
+              <a:t>방식을 통해 출력 인터페이스를 결정하고 결정된 인터페이스로 </a:t>
+            </a:r>
+            <a:r>
+              <a:rPr lang="en-US" altLang="ko-KR" sz="2000" b="1" dirty="0">
+                <a:solidFill>
+                  <a:schemeClr val="tx1">
+                    <a:lumMod val="50000"/>
+                    <a:lumOff val="50000"/>
+                  </a:schemeClr>
+                </a:solidFill>
+                <a:latin typeface="한컴 고딕" panose="02000500000000000000" pitchFamily="2" charset="-127"/>
+                <a:ea typeface="한컴 고딕" panose="02000500000000000000" pitchFamily="2" charset="-127"/>
+                <a:sym typeface="Wingdings" panose="05000000000000000000" pitchFamily="2" charset="2"/>
+              </a:rPr>
+              <a:t>Interest</a:t>
+            </a:r>
+            <a:r>
+              <a:rPr lang="ko-KR" altLang="en-US" sz="2000" b="1" dirty="0">
+                <a:solidFill>
+                  <a:schemeClr val="tx1">
+                    <a:lumMod val="50000"/>
+                    <a:lumOff val="50000"/>
+                  </a:schemeClr>
+                </a:solidFill>
+                <a:latin typeface="한컴 고딕" panose="02000500000000000000" pitchFamily="2" charset="-127"/>
+                <a:ea typeface="한컴 고딕" panose="02000500000000000000" pitchFamily="2" charset="-127"/>
+                <a:sym typeface="Wingdings" panose="05000000000000000000" pitchFamily="2" charset="2"/>
+              </a:rPr>
+              <a:t>를 전달하고 전달 인터페이스 정보를 </a:t>
+            </a:r>
+            <a:r>
+              <a:rPr lang="en-US" altLang="ko-KR" sz="2000" b="1" dirty="0">
+                <a:solidFill>
+                  <a:schemeClr val="tx1">
+                    <a:lumMod val="50000"/>
+                    <a:lumOff val="50000"/>
+                  </a:schemeClr>
+                </a:solidFill>
+                <a:latin typeface="한컴 고딕" panose="02000500000000000000" pitchFamily="2" charset="-127"/>
+                <a:ea typeface="한컴 고딕" panose="02000500000000000000" pitchFamily="2" charset="-127"/>
+                <a:sym typeface="Wingdings" panose="05000000000000000000" pitchFamily="2" charset="2"/>
+              </a:rPr>
               <a:t>PIT</a:t>
             </a:r>
             <a:r>
@@ -5941,8 +8258,43 @@
                 </a:solidFill>
                 <a:latin typeface="한컴 고딕" panose="02000500000000000000" pitchFamily="2" charset="-127"/>
                 <a:ea typeface="한컴 고딕" panose="02000500000000000000" pitchFamily="2" charset="-127"/>
-              </a:rPr>
-              <a:t>에도 </a:t>
+                <a:sym typeface="Wingdings" panose="05000000000000000000" pitchFamily="2" charset="2"/>
+              </a:rPr>
+              <a:t>에 저장</a:t>
+            </a:r>
+            <a:endParaRPr lang="en-US" altLang="ko-KR" sz="2000" b="1" dirty="0">
+              <a:solidFill>
+                <a:schemeClr val="tx1">
+                  <a:lumMod val="50000"/>
+                  <a:lumOff val="50000"/>
+                </a:schemeClr>
+              </a:solidFill>
+              <a:latin typeface="한컴 고딕" panose="02000500000000000000" pitchFamily="2" charset="-127"/>
+              <a:ea typeface="한컴 고딕" panose="02000500000000000000" pitchFamily="2" charset="-127"/>
+              <a:sym typeface="Wingdings" panose="05000000000000000000" pitchFamily="2" charset="2"/>
+            </a:endParaRPr>
+          </a:p>
+          <a:p>
+            <a:pPr marL="1257300" lvl="2" indent="-342900">
+              <a:lnSpc>
+                <a:spcPct val="150000"/>
+              </a:lnSpc>
+              <a:buFont typeface="Arial" panose="020B0604020202020204" pitchFamily="34" charset="0"/>
+              <a:buChar char="•"/>
+            </a:pPr>
+            <a:r>
+              <a:rPr lang="ko-KR" altLang="en-US" sz="2000" b="1" dirty="0">
+                <a:solidFill>
+                  <a:schemeClr val="tx1">
+                    <a:lumMod val="50000"/>
+                    <a:lumOff val="50000"/>
+                  </a:schemeClr>
+                </a:solidFill>
+                <a:latin typeface="한컴 고딕" panose="02000500000000000000" pitchFamily="2" charset="-127"/>
+                <a:ea typeface="한컴 고딕" panose="02000500000000000000" pitchFamily="2" charset="-127"/>
+                <a:sym typeface="Wingdings" panose="05000000000000000000" pitchFamily="2" charset="2"/>
+              </a:rPr>
+              <a:t>컨텐츠가 존재하는 라우터로 </a:t>
             </a:r>
             <a:r>
               <a:rPr lang="en-US" altLang="ko-KR" sz="2000" b="1" dirty="0">
@@ -5954,6 +8306,7 @@
                 </a:solidFill>
                 <a:latin typeface="한컴 고딕" panose="02000500000000000000" pitchFamily="2" charset="-127"/>
                 <a:ea typeface="한컴 고딕" panose="02000500000000000000" pitchFamily="2" charset="-127"/>
+                <a:sym typeface="Wingdings" panose="05000000000000000000" pitchFamily="2" charset="2"/>
               </a:rPr>
               <a:t>Interest</a:t>
             </a:r>
@@ -5967,8 +8320,9 @@
                 </a:solidFill>
                 <a:latin typeface="한컴 고딕" panose="02000500000000000000" pitchFamily="2" charset="-127"/>
                 <a:ea typeface="한컴 고딕" panose="02000500000000000000" pitchFamily="2" charset="-127"/>
-              </a:rPr>
-              <a:t>와 맞는 </a:t>
+                <a:sym typeface="Wingdings" panose="05000000000000000000" pitchFamily="2" charset="2"/>
+              </a:rPr>
+              <a:t>가 도착하면 </a:t>
             </a:r>
             <a:r>
               <a:rPr lang="en-US" altLang="ko-KR" sz="2000" b="1" dirty="0">
@@ -5980,8 +8334,9 @@
                 </a:solidFill>
                 <a:latin typeface="한컴 고딕" panose="02000500000000000000" pitchFamily="2" charset="-127"/>
                 <a:ea typeface="한컴 고딕" panose="02000500000000000000" pitchFamily="2" charset="-127"/>
-              </a:rPr>
-              <a:t>Content</a:t>
+                <a:sym typeface="Wingdings" panose="05000000000000000000" pitchFamily="2" charset="2"/>
+              </a:rPr>
+              <a:t>PIT</a:t>
             </a:r>
             <a:r>
               <a:rPr lang="ko-KR" altLang="en-US" sz="2000" b="1" dirty="0">
@@ -5993,74 +8348,232 @@
                 </a:solidFill>
                 <a:latin typeface="한컴 고딕" panose="02000500000000000000" pitchFamily="2" charset="-127"/>
                 <a:ea typeface="한컴 고딕" panose="02000500000000000000" pitchFamily="2" charset="-127"/>
-              </a:rPr>
-              <a:t>가 없다면 </a:t>
-            </a:r>
-            <a:r>
-              <a:rPr lang="en-US" altLang="ko-KR" sz="2000" b="1" dirty="0">
-                <a:solidFill>
-                  <a:schemeClr val="tx1">
-                    <a:lumMod val="50000"/>
-                    <a:lumOff val="50000"/>
-                  </a:schemeClr>
-                </a:solidFill>
-                <a:latin typeface="한컴 고딕" panose="02000500000000000000" pitchFamily="2" charset="-127"/>
-                <a:ea typeface="한컴 고딕" panose="02000500000000000000" pitchFamily="2" charset="-127"/>
-              </a:rPr>
-              <a:t>FIB(Forwarding Information Base) </a:t>
-            </a:r>
+                <a:sym typeface="Wingdings" panose="05000000000000000000" pitchFamily="2" charset="2"/>
+              </a:rPr>
+              <a:t>를 통해 역경로를 알아내어 컨텐츠를 전달</a:t>
+            </a:r>
+            <a:endParaRPr lang="en-US" altLang="ko-KR" sz="2000" b="1" dirty="0">
+              <a:solidFill>
+                <a:schemeClr val="tx1">
+                  <a:lumMod val="50000"/>
+                  <a:lumOff val="50000"/>
+                </a:schemeClr>
+              </a:solidFill>
+              <a:latin typeface="한컴 고딕" panose="02000500000000000000" pitchFamily="2" charset="-127"/>
+              <a:ea typeface="한컴 고딕" panose="02000500000000000000" pitchFamily="2" charset="-127"/>
+            </a:endParaRPr>
+          </a:p>
+        </p:txBody>
+      </p:sp>
+      <p:sp>
+        <p:nvSpPr>
+          <p:cNvPr id="3" name="슬라이드 번호 개체 틀 2">
+            <a:extLst>
+              <a:ext uri="{FF2B5EF4-FFF2-40B4-BE49-F238E27FC236}">
+                <a16:creationId xmlns:a16="http://schemas.microsoft.com/office/drawing/2014/main" id="{4EC25071-CFFA-8C9C-CB7A-29C2F016666E}"/>
+              </a:ext>
+            </a:extLst>
+          </p:cNvPr>
+          <p:cNvSpPr>
+            <a:spLocks noGrp="1"/>
+          </p:cNvSpPr>
+          <p:nvPr>
+            <p:ph type="sldNum" sz="quarter" idx="12"/>
+          </p:nvPr>
+        </p:nvSpPr>
+        <p:spPr/>
+        <p:txBody>
+          <a:bodyPr/>
+          <a:lstStyle/>
+          <a:p>
+            <a:fld id="{4503EA79-8FE5-4AB7-9144-49D69278BFF0}" type="slidenum">
+              <a:rPr lang="ko-KR" altLang="en-US" smtClean="0"/>
+              <a:t>5</a:t>
+            </a:fld>
+            <a:endParaRPr lang="ko-KR" altLang="en-US"/>
+          </a:p>
+        </p:txBody>
+      </p:sp>
+    </p:spTree>
+    <p:extLst>
+      <p:ext uri="{BB962C8B-B14F-4D97-AF65-F5344CB8AC3E}">
+        <p14:creationId xmlns:p14="http://schemas.microsoft.com/office/powerpoint/2010/main" val="2884787223"/>
+      </p:ext>
+    </p:extLst>
+  </p:cSld>
+  <p:clrMapOvr>
+    <a:masterClrMapping/>
+  </p:clrMapOvr>
+</p:sld>
+</file>
+
+<file path=ppt/slides/slide6.xml><?xml version="1.0" encoding="utf-8"?>
+<p:sld xmlns:a="http://schemas.openxmlformats.org/drawingml/2006/main" xmlns:r="http://schemas.openxmlformats.org/officeDocument/2006/relationships" xmlns:p="http://schemas.openxmlformats.org/presentationml/2006/main">
+  <p:cSld>
+    <p:spTree>
+      <p:nvGrpSpPr>
+        <p:cNvPr id="1" name=""/>
+        <p:cNvGrpSpPr/>
+        <p:nvPr/>
+      </p:nvGrpSpPr>
+      <p:grpSpPr>
+        <a:xfrm>
+          <a:off x="0" y="0"/>
+          <a:ext cx="0" cy="0"/>
+          <a:chOff x="0" y="0"/>
+          <a:chExt cx="0" cy="0"/>
+        </a:xfrm>
+      </p:grpSpPr>
+      <p:sp>
+        <p:nvSpPr>
+          <p:cNvPr id="2" name="TextBox 1">
+            <a:extLst>
+              <a:ext uri="{FF2B5EF4-FFF2-40B4-BE49-F238E27FC236}">
+                <a16:creationId xmlns:a16="http://schemas.microsoft.com/office/drawing/2014/main" id="{21A7DBE9-2DE9-F0B6-F5C5-7DB6C44D8D28}"/>
+              </a:ext>
+            </a:extLst>
+          </p:cNvPr>
+          <p:cNvSpPr txBox="1"/>
+          <p:nvPr/>
+        </p:nvSpPr>
+        <p:spPr>
+          <a:xfrm>
+            <a:off x="143435" y="130844"/>
+            <a:ext cx="9744635" cy="584775"/>
+          </a:xfrm>
+          <a:prstGeom prst="rect">
+            <a:avLst/>
+          </a:prstGeom>
+          <a:noFill/>
+        </p:spPr>
+        <p:txBody>
+          <a:bodyPr wrap="square" rtlCol="0">
+            <a:spAutoFit/>
+          </a:bodyPr>
+          <a:lstStyle/>
+          <a:p>
+            <a:pPr algn="just"/>
+            <a:r>
+              <a:rPr lang="ko-KR" altLang="en-US" sz="3200" dirty="0">
+                <a:solidFill>
+                  <a:schemeClr val="tx1">
+                    <a:lumMod val="65000"/>
+                    <a:lumOff val="35000"/>
+                  </a:schemeClr>
+                </a:solidFill>
+                <a:latin typeface="배달의민족 도현" panose="020B0600000101010101" pitchFamily="50" charset="-127"/>
+                <a:ea typeface="배달의민족 도현" panose="020B0600000101010101" pitchFamily="50" charset="-127"/>
+              </a:rPr>
+              <a:t>서론</a:t>
+            </a:r>
+            <a:endParaRPr lang="en-US" altLang="ko-KR" sz="3200" dirty="0">
+              <a:solidFill>
+                <a:schemeClr val="tx1">
+                  <a:lumMod val="65000"/>
+                  <a:lumOff val="35000"/>
+                </a:schemeClr>
+              </a:solidFill>
+              <a:latin typeface="배달의민족 도현" panose="020B0600000101010101" pitchFamily="50" charset="-127"/>
+              <a:ea typeface="배달의민족 도현" panose="020B0600000101010101" pitchFamily="50" charset="-127"/>
+            </a:endParaRPr>
+          </a:p>
+        </p:txBody>
+      </p:sp>
+      <p:cxnSp>
+        <p:nvCxnSpPr>
+          <p:cNvPr id="6" name="직선 연결선 5">
+            <a:extLst>
+              <a:ext uri="{FF2B5EF4-FFF2-40B4-BE49-F238E27FC236}">
+                <a16:creationId xmlns:a16="http://schemas.microsoft.com/office/drawing/2014/main" id="{3CAFC98D-1DA6-5CE0-43FD-6D3D9C8D3B4F}"/>
+              </a:ext>
+            </a:extLst>
+          </p:cNvPr>
+          <p:cNvCxnSpPr>
+            <a:cxnSpLocks/>
+          </p:cNvCxnSpPr>
+          <p:nvPr/>
+        </p:nvCxnSpPr>
+        <p:spPr>
+          <a:xfrm>
+            <a:off x="206188" y="724225"/>
+            <a:ext cx="828982" cy="0"/>
+          </a:xfrm>
+          <a:prstGeom prst="line">
+            <a:avLst/>
+          </a:prstGeom>
+          <a:ln w="57150">
+            <a:solidFill>
+              <a:schemeClr val="accent1">
+                <a:lumMod val="75000"/>
+              </a:schemeClr>
+            </a:solidFill>
+          </a:ln>
+        </p:spPr>
+        <p:style>
+          <a:lnRef idx="1">
+            <a:schemeClr val="accent1"/>
+          </a:lnRef>
+          <a:fillRef idx="0">
+            <a:schemeClr val="accent1"/>
+          </a:fillRef>
+          <a:effectRef idx="0">
+            <a:schemeClr val="accent1"/>
+          </a:effectRef>
+          <a:fontRef idx="minor">
+            <a:schemeClr val="tx1"/>
+          </a:fontRef>
+        </p:style>
+      </p:cxnSp>
+      <p:sp>
+        <p:nvSpPr>
+          <p:cNvPr id="10" name="TextBox 9">
+            <a:extLst>
+              <a:ext uri="{FF2B5EF4-FFF2-40B4-BE49-F238E27FC236}">
+                <a16:creationId xmlns:a16="http://schemas.microsoft.com/office/drawing/2014/main" id="{266829A7-D0F8-7CDF-D9BC-CA16B9A4C881}"/>
+              </a:ext>
+            </a:extLst>
+          </p:cNvPr>
+          <p:cNvSpPr txBox="1"/>
+          <p:nvPr/>
+        </p:nvSpPr>
+        <p:spPr>
+          <a:xfrm>
+            <a:off x="206187" y="715619"/>
+            <a:ext cx="11842378" cy="3279616"/>
+          </a:xfrm>
+          <a:prstGeom prst="rect">
+            <a:avLst/>
+          </a:prstGeom>
+          <a:noFill/>
+        </p:spPr>
+        <p:txBody>
+          <a:bodyPr wrap="square" rtlCol="0">
+            <a:spAutoFit/>
+          </a:bodyPr>
+          <a:lstStyle/>
+          <a:p>
+            <a:pPr>
+              <a:lnSpc>
+                <a:spcPct val="150000"/>
+              </a:lnSpc>
+            </a:pPr>
             <a:r>
               <a:rPr lang="ko-KR" altLang="en-US" sz="2000" b="1" dirty="0">
                 <a:solidFill>
-                  <a:schemeClr val="tx1">
-                    <a:lumMod val="50000"/>
-                    <a:lumOff val="50000"/>
-                  </a:schemeClr>
-                </a:solidFill>
-                <a:latin typeface="한컴 고딕" panose="02000500000000000000" pitchFamily="2" charset="-127"/>
-                <a:ea typeface="한컴 고딕" panose="02000500000000000000" pitchFamily="2" charset="-127"/>
-              </a:rPr>
-              <a:t>방식을 통해 </a:t>
-            </a:r>
-            <a:r>
-              <a:rPr lang="en-US" altLang="ko-KR" sz="2000" b="1" dirty="0">
-                <a:solidFill>
-                  <a:schemeClr val="tx1">
-                    <a:lumMod val="50000"/>
-                    <a:lumOff val="50000"/>
-                  </a:schemeClr>
-                </a:solidFill>
-                <a:latin typeface="한컴 고딕" panose="02000500000000000000" pitchFamily="2" charset="-127"/>
-                <a:ea typeface="한컴 고딕" panose="02000500000000000000" pitchFamily="2" charset="-127"/>
-              </a:rPr>
-              <a:t>Content</a:t>
-            </a:r>
-            <a:r>
-              <a:rPr lang="ko-KR" altLang="en-US" sz="2000" b="1" dirty="0">
-                <a:solidFill>
-                  <a:schemeClr val="tx1">
-                    <a:lumMod val="50000"/>
-                    <a:lumOff val="50000"/>
-                  </a:schemeClr>
-                </a:solidFill>
-                <a:latin typeface="한컴 고딕" panose="02000500000000000000" pitchFamily="2" charset="-127"/>
-                <a:ea typeface="한컴 고딕" panose="02000500000000000000" pitchFamily="2" charset="-127"/>
-              </a:rPr>
-              <a:t>를 제공한다</a:t>
-            </a:r>
-            <a:r>
-              <a:rPr lang="en-US" altLang="ko-KR" sz="2000" b="1" dirty="0">
-                <a:solidFill>
-                  <a:schemeClr val="tx1">
-                    <a:lumMod val="50000"/>
-                    <a:lumOff val="50000"/>
-                  </a:schemeClr>
-                </a:solidFill>
-                <a:latin typeface="한컴 고딕" panose="02000500000000000000" pitchFamily="2" charset="-127"/>
-                <a:ea typeface="한컴 고딕" panose="02000500000000000000" pitchFamily="2" charset="-127"/>
-              </a:rPr>
-              <a:t>.</a:t>
-            </a:r>
+                  <a:schemeClr val="accent1"/>
+                </a:solidFill>
+                <a:latin typeface="한컴 고딕" panose="02000500000000000000" pitchFamily="2" charset="-127"/>
+                <a:ea typeface="한컴 고딕" panose="02000500000000000000" pitchFamily="2" charset="-127"/>
+              </a:rPr>
+              <a:t>문제점 해결을 위해 제안된 기술</a:t>
+            </a:r>
+            <a:endParaRPr lang="en-US" altLang="ko-KR" sz="2000" b="1" dirty="0">
+              <a:solidFill>
+                <a:schemeClr val="accent1"/>
+              </a:solidFill>
+              <a:latin typeface="한컴 고딕" panose="02000500000000000000" pitchFamily="2" charset="-127"/>
+              <a:ea typeface="한컴 고딕" panose="02000500000000000000" pitchFamily="2" charset="-127"/>
+            </a:endParaRPr>
           </a:p>
           <a:p>
             <a:pPr marL="342900" indent="-342900">
@@ -6081,8 +8594,691 @@
                 <a:latin typeface="한컴 고딕" panose="02000500000000000000" pitchFamily="2" charset="-127"/>
                 <a:ea typeface="한컴 고딕" panose="02000500000000000000" pitchFamily="2" charset="-127"/>
               </a:rPr>
-              <a:t>CCN(Content-Centric Network)</a:t>
-            </a:r>
+              <a:t>DTN(Delay Tolerant Network)</a:t>
+            </a:r>
+          </a:p>
+          <a:p>
+            <a:pPr marL="800100" lvl="1" indent="-342900">
+              <a:lnSpc>
+                <a:spcPct val="150000"/>
+              </a:lnSpc>
+              <a:buFont typeface="Arial" panose="020B0604020202020204" pitchFamily="34" charset="0"/>
+              <a:buChar char="•"/>
+            </a:pPr>
+            <a:r>
+              <a:rPr lang="ko-KR" altLang="en-US" sz="2000" b="1" dirty="0">
+                <a:solidFill>
+                  <a:schemeClr val="tx1">
+                    <a:lumMod val="50000"/>
+                    <a:lumOff val="50000"/>
+                  </a:schemeClr>
+                </a:solidFill>
+                <a:latin typeface="한컴 고딕" panose="02000500000000000000" pitchFamily="2" charset="-127"/>
+                <a:ea typeface="한컴 고딕" panose="02000500000000000000" pitchFamily="2" charset="-127"/>
+              </a:rPr>
+              <a:t>등장배경 </a:t>
+            </a:r>
+            <a:r>
+              <a:rPr lang="en-US" altLang="ko-KR" sz="2000" b="1" dirty="0">
+                <a:solidFill>
+                  <a:schemeClr val="tx1">
+                    <a:lumMod val="50000"/>
+                    <a:lumOff val="50000"/>
+                  </a:schemeClr>
+                </a:solidFill>
+                <a:latin typeface="한컴 고딕" panose="02000500000000000000" pitchFamily="2" charset="-127"/>
+                <a:ea typeface="한컴 고딕" panose="02000500000000000000" pitchFamily="2" charset="-127"/>
+              </a:rPr>
+              <a:t>: </a:t>
+            </a:r>
+            <a:r>
+              <a:rPr lang="ko-KR" altLang="en-US" sz="2000" b="1" dirty="0">
+                <a:solidFill>
+                  <a:schemeClr val="tx1">
+                    <a:lumMod val="50000"/>
+                    <a:lumOff val="50000"/>
+                  </a:schemeClr>
+                </a:solidFill>
+                <a:latin typeface="한컴 고딕" panose="02000500000000000000" pitchFamily="2" charset="-127"/>
+                <a:ea typeface="한컴 고딕" panose="02000500000000000000" pitchFamily="2" charset="-127"/>
+              </a:rPr>
+              <a:t>거리가 멀어 직접 통신이 불가능한 행성 간 통신을 위해 고안된 통신 방식</a:t>
+            </a:r>
+            <a:endParaRPr lang="en-US" altLang="ko-KR" sz="2000" b="1" dirty="0">
+              <a:solidFill>
+                <a:schemeClr val="tx1">
+                  <a:lumMod val="50000"/>
+                  <a:lumOff val="50000"/>
+                </a:schemeClr>
+              </a:solidFill>
+              <a:latin typeface="한컴 고딕" panose="02000500000000000000" pitchFamily="2" charset="-127"/>
+              <a:ea typeface="한컴 고딕" panose="02000500000000000000" pitchFamily="2" charset="-127"/>
+            </a:endParaRPr>
+          </a:p>
+          <a:p>
+            <a:pPr marL="800100" lvl="1" indent="-342900">
+              <a:lnSpc>
+                <a:spcPct val="150000"/>
+              </a:lnSpc>
+              <a:buFont typeface="Arial" panose="020B0604020202020204" pitchFamily="34" charset="0"/>
+              <a:buChar char="•"/>
+            </a:pPr>
+            <a:r>
+              <a:rPr lang="ko-KR" altLang="en-US" sz="2000" b="1" dirty="0">
+                <a:solidFill>
+                  <a:schemeClr val="tx1">
+                    <a:lumMod val="50000"/>
+                    <a:lumOff val="50000"/>
+                  </a:schemeClr>
+                </a:solidFill>
+                <a:latin typeface="한컴 고딕" panose="02000500000000000000" pitchFamily="2" charset="-127"/>
+                <a:ea typeface="한컴 고딕" panose="02000500000000000000" pitchFamily="2" charset="-127"/>
+              </a:rPr>
+              <a:t>개념 </a:t>
+            </a:r>
+            <a:r>
+              <a:rPr lang="en-US" altLang="ko-KR" sz="2000" b="1" dirty="0">
+                <a:solidFill>
+                  <a:schemeClr val="tx1">
+                    <a:lumMod val="50000"/>
+                    <a:lumOff val="50000"/>
+                  </a:schemeClr>
+                </a:solidFill>
+                <a:latin typeface="한컴 고딕" panose="02000500000000000000" pitchFamily="2" charset="-127"/>
+                <a:ea typeface="한컴 고딕" panose="02000500000000000000" pitchFamily="2" charset="-127"/>
+              </a:rPr>
+              <a:t>: </a:t>
+            </a:r>
+            <a:r>
+              <a:rPr lang="ko-KR" altLang="en-US" sz="2000" b="1" dirty="0">
+                <a:solidFill>
+                  <a:schemeClr val="tx1">
+                    <a:lumMod val="50000"/>
+                    <a:lumOff val="50000"/>
+                  </a:schemeClr>
+                </a:solidFill>
+                <a:latin typeface="한컴 고딕" panose="02000500000000000000" pitchFamily="2" charset="-127"/>
+                <a:ea typeface="한컴 고딕" panose="02000500000000000000" pitchFamily="2" charset="-127"/>
+              </a:rPr>
+              <a:t>통신 거리에 근접할 때 기회적으로 통신을 수행하는 것을 반복하여 목적지까지 데이터를 전송</a:t>
+            </a:r>
+            <a:endParaRPr lang="en-US" altLang="ko-KR" sz="2000" b="1" dirty="0">
+              <a:solidFill>
+                <a:schemeClr val="tx1">
+                  <a:lumMod val="50000"/>
+                  <a:lumOff val="50000"/>
+                </a:schemeClr>
+              </a:solidFill>
+              <a:latin typeface="한컴 고딕" panose="02000500000000000000" pitchFamily="2" charset="-127"/>
+              <a:ea typeface="한컴 고딕" panose="02000500000000000000" pitchFamily="2" charset="-127"/>
+            </a:endParaRPr>
+          </a:p>
+          <a:p>
+            <a:pPr marL="800100" lvl="1" indent="-342900">
+              <a:lnSpc>
+                <a:spcPct val="150000"/>
+              </a:lnSpc>
+              <a:buFont typeface="Arial" panose="020B0604020202020204" pitchFamily="34" charset="0"/>
+              <a:buChar char="•"/>
+            </a:pPr>
+            <a:r>
+              <a:rPr lang="ko-KR" altLang="en-US" sz="2000" b="1" dirty="0">
+                <a:solidFill>
+                  <a:schemeClr val="tx1">
+                    <a:lumMod val="50000"/>
+                    <a:lumOff val="50000"/>
+                  </a:schemeClr>
+                </a:solidFill>
+                <a:latin typeface="한컴 고딕" panose="02000500000000000000" pitchFamily="2" charset="-127"/>
+                <a:ea typeface="한컴 고딕" panose="02000500000000000000" pitchFamily="2" charset="-127"/>
+              </a:rPr>
+              <a:t>해당 개념을 통해 통신 인프라가 파괴된 재난 환경에서 효과적인 통신을 제공하는 방안으로 제안되었음</a:t>
+            </a:r>
+            <a:endParaRPr lang="en-US" altLang="ko-KR" sz="2000" b="1" dirty="0">
+              <a:solidFill>
+                <a:schemeClr val="tx1">
+                  <a:lumMod val="50000"/>
+                  <a:lumOff val="50000"/>
+                </a:schemeClr>
+              </a:solidFill>
+              <a:latin typeface="한컴 고딕" panose="02000500000000000000" pitchFamily="2" charset="-127"/>
+              <a:ea typeface="한컴 고딕" panose="02000500000000000000" pitchFamily="2" charset="-127"/>
+            </a:endParaRPr>
+          </a:p>
+          <a:p>
+            <a:pPr marL="800100" lvl="1" indent="-342900">
+              <a:lnSpc>
+                <a:spcPct val="150000"/>
+              </a:lnSpc>
+              <a:buFont typeface="Arial" panose="020B0604020202020204" pitchFamily="34" charset="0"/>
+              <a:buChar char="•"/>
+            </a:pPr>
+            <a:r>
+              <a:rPr lang="en-US" altLang="ko-KR" sz="2000" b="1" dirty="0">
+                <a:solidFill>
+                  <a:schemeClr val="tx1">
+                    <a:lumMod val="50000"/>
+                    <a:lumOff val="50000"/>
+                  </a:schemeClr>
+                </a:solidFill>
+                <a:latin typeface="한컴 고딕" panose="02000500000000000000" pitchFamily="2" charset="-127"/>
+                <a:ea typeface="한컴 고딕" panose="02000500000000000000" pitchFamily="2" charset="-127"/>
+              </a:rPr>
+              <a:t>ICN</a:t>
+            </a:r>
+            <a:r>
+              <a:rPr lang="ko-KR" altLang="en-US" sz="2000" b="1" dirty="0">
+                <a:solidFill>
+                  <a:schemeClr val="tx1">
+                    <a:lumMod val="50000"/>
+                    <a:lumOff val="50000"/>
+                  </a:schemeClr>
+                </a:solidFill>
+                <a:latin typeface="한컴 고딕" panose="02000500000000000000" pitchFamily="2" charset="-127"/>
+                <a:ea typeface="한컴 고딕" panose="02000500000000000000" pitchFamily="2" charset="-127"/>
+              </a:rPr>
+              <a:t>의 특성 상 종단 간 연결성을 보장하지 않아도 통신이 가능한 특징은 </a:t>
+            </a:r>
+            <a:r>
+              <a:rPr lang="en-US" altLang="ko-KR" sz="2000" b="1" dirty="0">
+                <a:solidFill>
+                  <a:schemeClr val="tx1">
+                    <a:lumMod val="50000"/>
+                    <a:lumOff val="50000"/>
+                  </a:schemeClr>
+                </a:solidFill>
+                <a:latin typeface="한컴 고딕" panose="02000500000000000000" pitchFamily="2" charset="-127"/>
+                <a:ea typeface="한컴 고딕" panose="02000500000000000000" pitchFamily="2" charset="-127"/>
+              </a:rPr>
+              <a:t>DTN</a:t>
+            </a:r>
+            <a:r>
+              <a:rPr lang="ko-KR" altLang="en-US" sz="2000" b="1" dirty="0">
+                <a:solidFill>
+                  <a:schemeClr val="tx1">
+                    <a:lumMod val="50000"/>
+                    <a:lumOff val="50000"/>
+                  </a:schemeClr>
+                </a:solidFill>
+                <a:latin typeface="한컴 고딕" panose="02000500000000000000" pitchFamily="2" charset="-127"/>
+                <a:ea typeface="한컴 고딕" panose="02000500000000000000" pitchFamily="2" charset="-127"/>
+              </a:rPr>
+              <a:t>과 함께 통신 인프라가 정상적으로 동작하지 않는 환경에서 효과적으로 노드 간 통신을 지원해줄 수 있다</a:t>
+            </a:r>
+            <a:r>
+              <a:rPr lang="en-US" altLang="ko-KR" sz="2000" b="1" dirty="0">
+                <a:solidFill>
+                  <a:schemeClr val="tx1">
+                    <a:lumMod val="50000"/>
+                    <a:lumOff val="50000"/>
+                  </a:schemeClr>
+                </a:solidFill>
+                <a:latin typeface="한컴 고딕" panose="02000500000000000000" pitchFamily="2" charset="-127"/>
+                <a:ea typeface="한컴 고딕" panose="02000500000000000000" pitchFamily="2" charset="-127"/>
+              </a:rPr>
+              <a:t>.</a:t>
+            </a:r>
+          </a:p>
+        </p:txBody>
+      </p:sp>
+      <p:sp>
+        <p:nvSpPr>
+          <p:cNvPr id="3" name="슬라이드 번호 개체 틀 2">
+            <a:extLst>
+              <a:ext uri="{FF2B5EF4-FFF2-40B4-BE49-F238E27FC236}">
+                <a16:creationId xmlns:a16="http://schemas.microsoft.com/office/drawing/2014/main" id="{4EC25071-CFFA-8C9C-CB7A-29C2F016666E}"/>
+              </a:ext>
+            </a:extLst>
+          </p:cNvPr>
+          <p:cNvSpPr>
+            <a:spLocks noGrp="1"/>
+          </p:cNvSpPr>
+          <p:nvPr>
+            <p:ph type="sldNum" sz="quarter" idx="12"/>
+          </p:nvPr>
+        </p:nvSpPr>
+        <p:spPr/>
+        <p:txBody>
+          <a:bodyPr/>
+          <a:lstStyle/>
+          <a:p>
+            <a:fld id="{4503EA79-8FE5-4AB7-9144-49D69278BFF0}" type="slidenum">
+              <a:rPr lang="ko-KR" altLang="en-US" smtClean="0"/>
+              <a:t>6</a:t>
+            </a:fld>
+            <a:endParaRPr lang="ko-KR" altLang="en-US" dirty="0"/>
+          </a:p>
+        </p:txBody>
+      </p:sp>
+    </p:spTree>
+    <p:extLst>
+      <p:ext uri="{BB962C8B-B14F-4D97-AF65-F5344CB8AC3E}">
+        <p14:creationId xmlns:p14="http://schemas.microsoft.com/office/powerpoint/2010/main" val="610662173"/>
+      </p:ext>
+    </p:extLst>
+  </p:cSld>
+  <p:clrMapOvr>
+    <a:masterClrMapping/>
+  </p:clrMapOvr>
+</p:sld>
+</file>
+
+<file path=ppt/slides/slide7.xml><?xml version="1.0" encoding="utf-8"?>
+<p:sld xmlns:a="http://schemas.openxmlformats.org/drawingml/2006/main" xmlns:r="http://schemas.openxmlformats.org/officeDocument/2006/relationships" xmlns:p="http://schemas.openxmlformats.org/presentationml/2006/main">
+  <p:cSld>
+    <p:spTree>
+      <p:nvGrpSpPr>
+        <p:cNvPr id="1" name=""/>
+        <p:cNvGrpSpPr/>
+        <p:nvPr/>
+      </p:nvGrpSpPr>
+      <p:grpSpPr>
+        <a:xfrm>
+          <a:off x="0" y="0"/>
+          <a:ext cx="0" cy="0"/>
+          <a:chOff x="0" y="0"/>
+          <a:chExt cx="0" cy="0"/>
+        </a:xfrm>
+      </p:grpSpPr>
+      <p:sp>
+        <p:nvSpPr>
+          <p:cNvPr id="2" name="TextBox 1">
+            <a:extLst>
+              <a:ext uri="{FF2B5EF4-FFF2-40B4-BE49-F238E27FC236}">
+                <a16:creationId xmlns:a16="http://schemas.microsoft.com/office/drawing/2014/main" id="{21A7DBE9-2DE9-F0B6-F5C5-7DB6C44D8D28}"/>
+              </a:ext>
+            </a:extLst>
+          </p:cNvPr>
+          <p:cNvSpPr txBox="1"/>
+          <p:nvPr/>
+        </p:nvSpPr>
+        <p:spPr>
+          <a:xfrm>
+            <a:off x="570947" y="2567226"/>
+            <a:ext cx="9744635" cy="923330"/>
+          </a:xfrm>
+          <a:prstGeom prst="rect">
+            <a:avLst/>
+          </a:prstGeom>
+          <a:noFill/>
+        </p:spPr>
+        <p:txBody>
+          <a:bodyPr wrap="square" rtlCol="0">
+            <a:spAutoFit/>
+          </a:bodyPr>
+          <a:lstStyle/>
+          <a:p>
+            <a:pPr algn="just"/>
+            <a:r>
+              <a:rPr lang="en-US" altLang="ko-KR" sz="5400" dirty="0">
+                <a:solidFill>
+                  <a:schemeClr val="tx1">
+                    <a:lumMod val="65000"/>
+                    <a:lumOff val="35000"/>
+                  </a:schemeClr>
+                </a:solidFill>
+                <a:latin typeface="배달의민족 도현" panose="020B0600000101010101" pitchFamily="50" charset="-127"/>
+                <a:ea typeface="배달의민족 도현" panose="020B0600000101010101" pitchFamily="50" charset="-127"/>
+              </a:rPr>
+              <a:t>ICN+DTN </a:t>
+            </a:r>
+            <a:r>
+              <a:rPr lang="ko-KR" altLang="en-US" sz="5400" dirty="0">
+                <a:solidFill>
+                  <a:schemeClr val="tx1">
+                    <a:lumMod val="65000"/>
+                    <a:lumOff val="35000"/>
+                  </a:schemeClr>
+                </a:solidFill>
+                <a:latin typeface="배달의민족 도현" panose="020B0600000101010101" pitchFamily="50" charset="-127"/>
+                <a:ea typeface="배달의민족 도현" panose="020B0600000101010101" pitchFamily="50" charset="-127"/>
+              </a:rPr>
+              <a:t>기술 동향</a:t>
+            </a:r>
+            <a:endParaRPr lang="en-US" altLang="ko-KR" sz="5000" dirty="0">
+              <a:solidFill>
+                <a:schemeClr val="tx1">
+                  <a:lumMod val="65000"/>
+                  <a:lumOff val="35000"/>
+                </a:schemeClr>
+              </a:solidFill>
+              <a:latin typeface="배달의민족 도현" panose="020B0600000101010101" pitchFamily="50" charset="-127"/>
+              <a:ea typeface="배달의민족 도현" panose="020B0600000101010101" pitchFamily="50" charset="-127"/>
+            </a:endParaRPr>
+          </a:p>
+        </p:txBody>
+      </p:sp>
+      <p:sp>
+        <p:nvSpPr>
+          <p:cNvPr id="3" name="슬라이드 번호 개체 틀 2">
+            <a:extLst>
+              <a:ext uri="{FF2B5EF4-FFF2-40B4-BE49-F238E27FC236}">
+                <a16:creationId xmlns:a16="http://schemas.microsoft.com/office/drawing/2014/main" id="{CE2C3055-3767-2EC3-17AD-3FDE29F361B0}"/>
+              </a:ext>
+            </a:extLst>
+          </p:cNvPr>
+          <p:cNvSpPr>
+            <a:spLocks noGrp="1"/>
+          </p:cNvSpPr>
+          <p:nvPr>
+            <p:ph type="sldNum" sz="quarter" idx="12"/>
+          </p:nvPr>
+        </p:nvSpPr>
+        <p:spPr/>
+        <p:txBody>
+          <a:bodyPr/>
+          <a:lstStyle/>
+          <a:p>
+            <a:fld id="{4503EA79-8FE5-4AB7-9144-49D69278BFF0}" type="slidenum">
+              <a:rPr lang="ko-KR" altLang="en-US" smtClean="0"/>
+              <a:t>7</a:t>
+            </a:fld>
+            <a:endParaRPr lang="ko-KR" altLang="en-US"/>
+          </a:p>
+        </p:txBody>
+      </p:sp>
+      <p:cxnSp>
+        <p:nvCxnSpPr>
+          <p:cNvPr id="4" name="직선 연결선 3">
+            <a:extLst>
+              <a:ext uri="{FF2B5EF4-FFF2-40B4-BE49-F238E27FC236}">
+                <a16:creationId xmlns:a16="http://schemas.microsoft.com/office/drawing/2014/main" id="{00650591-D617-465F-DFD1-82178FC4CBF0}"/>
+              </a:ext>
+            </a:extLst>
+          </p:cNvPr>
+          <p:cNvCxnSpPr>
+            <a:cxnSpLocks/>
+          </p:cNvCxnSpPr>
+          <p:nvPr/>
+        </p:nvCxnSpPr>
+        <p:spPr>
+          <a:xfrm>
+            <a:off x="570947" y="3429000"/>
+            <a:ext cx="6168056" cy="0"/>
+          </a:xfrm>
+          <a:prstGeom prst="line">
+            <a:avLst/>
+          </a:prstGeom>
+          <a:ln w="57150">
+            <a:solidFill>
+              <a:schemeClr val="accent1">
+                <a:lumMod val="75000"/>
+              </a:schemeClr>
+            </a:solidFill>
+          </a:ln>
+        </p:spPr>
+        <p:style>
+          <a:lnRef idx="1">
+            <a:schemeClr val="accent1"/>
+          </a:lnRef>
+          <a:fillRef idx="0">
+            <a:schemeClr val="accent1"/>
+          </a:fillRef>
+          <a:effectRef idx="0">
+            <a:schemeClr val="accent1"/>
+          </a:effectRef>
+          <a:fontRef idx="minor">
+            <a:schemeClr val="tx1"/>
+          </a:fontRef>
+        </p:style>
+      </p:cxnSp>
+      <p:sp>
+        <p:nvSpPr>
+          <p:cNvPr id="7" name="직사각형 6">
+            <a:extLst>
+              <a:ext uri="{FF2B5EF4-FFF2-40B4-BE49-F238E27FC236}">
+                <a16:creationId xmlns:a16="http://schemas.microsoft.com/office/drawing/2014/main" id="{A2519E08-BC8B-64F6-779D-97498F7134AE}"/>
+              </a:ext>
+            </a:extLst>
+          </p:cNvPr>
+          <p:cNvSpPr/>
+          <p:nvPr/>
+        </p:nvSpPr>
+        <p:spPr>
+          <a:xfrm>
+            <a:off x="0" y="0"/>
+            <a:ext cx="12192000" cy="6858000"/>
+          </a:xfrm>
+          <a:prstGeom prst="rect">
+            <a:avLst/>
+          </a:prstGeom>
+          <a:noFill/>
+          <a:ln w="190500">
+            <a:solidFill>
+              <a:schemeClr val="accent1">
+                <a:lumMod val="75000"/>
+              </a:schemeClr>
+            </a:solidFill>
+          </a:ln>
+        </p:spPr>
+        <p:style>
+          <a:lnRef idx="2">
+            <a:schemeClr val="accent1">
+              <a:shade val="50000"/>
+            </a:schemeClr>
+          </a:lnRef>
+          <a:fillRef idx="1">
+            <a:schemeClr val="accent1"/>
+          </a:fillRef>
+          <a:effectRef idx="0">
+            <a:schemeClr val="accent1"/>
+          </a:effectRef>
+          <a:fontRef idx="minor">
+            <a:schemeClr val="lt1"/>
+          </a:fontRef>
+        </p:style>
+        <p:txBody>
+          <a:bodyPr rtlCol="0" anchor="ctr"/>
+          <a:lstStyle/>
+          <a:p>
+            <a:pPr algn="ctr"/>
+            <a:endParaRPr lang="ko-KR" altLang="en-US" dirty="0"/>
+          </a:p>
+        </p:txBody>
+      </p:sp>
+    </p:spTree>
+    <p:extLst>
+      <p:ext uri="{BB962C8B-B14F-4D97-AF65-F5344CB8AC3E}">
+        <p14:creationId xmlns:p14="http://schemas.microsoft.com/office/powerpoint/2010/main" val="2874979746"/>
+      </p:ext>
+    </p:extLst>
+  </p:cSld>
+  <p:clrMapOvr>
+    <a:masterClrMapping/>
+  </p:clrMapOvr>
+</p:sld>
+</file>
+
+<file path=ppt/slides/slide8.xml><?xml version="1.0" encoding="utf-8"?>
+<p:sld xmlns:a="http://schemas.openxmlformats.org/drawingml/2006/main" xmlns:r="http://schemas.openxmlformats.org/officeDocument/2006/relationships" xmlns:p="http://schemas.openxmlformats.org/presentationml/2006/main">
+  <p:cSld>
+    <p:spTree>
+      <p:nvGrpSpPr>
+        <p:cNvPr id="1" name=""/>
+        <p:cNvGrpSpPr/>
+        <p:nvPr/>
+      </p:nvGrpSpPr>
+      <p:grpSpPr>
+        <a:xfrm>
+          <a:off x="0" y="0"/>
+          <a:ext cx="0" cy="0"/>
+          <a:chOff x="0" y="0"/>
+          <a:chExt cx="0" cy="0"/>
+        </a:xfrm>
+      </p:grpSpPr>
+      <p:sp>
+        <p:nvSpPr>
+          <p:cNvPr id="2" name="TextBox 1">
+            <a:extLst>
+              <a:ext uri="{FF2B5EF4-FFF2-40B4-BE49-F238E27FC236}">
+                <a16:creationId xmlns:a16="http://schemas.microsoft.com/office/drawing/2014/main" id="{21A7DBE9-2DE9-F0B6-F5C5-7DB6C44D8D28}"/>
+              </a:ext>
+            </a:extLst>
+          </p:cNvPr>
+          <p:cNvSpPr txBox="1"/>
+          <p:nvPr/>
+        </p:nvSpPr>
+        <p:spPr>
+          <a:xfrm>
+            <a:off x="143435" y="130844"/>
+            <a:ext cx="9744635" cy="584775"/>
+          </a:xfrm>
+          <a:prstGeom prst="rect">
+            <a:avLst/>
+          </a:prstGeom>
+          <a:noFill/>
+        </p:spPr>
+        <p:txBody>
+          <a:bodyPr wrap="square" rtlCol="0">
+            <a:spAutoFit/>
+          </a:bodyPr>
+          <a:lstStyle/>
+          <a:p>
+            <a:pPr algn="just"/>
+            <a:r>
+              <a:rPr lang="en-US" altLang="ko-KR" sz="3200" dirty="0">
+                <a:solidFill>
+                  <a:schemeClr val="tx1">
+                    <a:lumMod val="65000"/>
+                    <a:lumOff val="35000"/>
+                  </a:schemeClr>
+                </a:solidFill>
+                <a:latin typeface="배달의민족 도현" panose="020B0600000101010101" pitchFamily="50" charset="-127"/>
+                <a:ea typeface="배달의민족 도현" panose="020B0600000101010101" pitchFamily="50" charset="-127"/>
+              </a:rPr>
+              <a:t>ICN+DTN </a:t>
+            </a:r>
+            <a:r>
+              <a:rPr lang="ko-KR" altLang="en-US" sz="3200" dirty="0">
+                <a:solidFill>
+                  <a:schemeClr val="tx1">
+                    <a:lumMod val="65000"/>
+                    <a:lumOff val="35000"/>
+                  </a:schemeClr>
+                </a:solidFill>
+                <a:latin typeface="배달의민족 도현" panose="020B0600000101010101" pitchFamily="50" charset="-127"/>
+                <a:ea typeface="배달의민족 도현" panose="020B0600000101010101" pitchFamily="50" charset="-127"/>
+              </a:rPr>
+              <a:t>기술 동향</a:t>
+            </a:r>
+            <a:endParaRPr lang="en-US" altLang="ko-KR" sz="3200" dirty="0">
+              <a:solidFill>
+                <a:schemeClr val="tx1">
+                  <a:lumMod val="65000"/>
+                  <a:lumOff val="35000"/>
+                </a:schemeClr>
+              </a:solidFill>
+              <a:latin typeface="배달의민족 도현" panose="020B0600000101010101" pitchFamily="50" charset="-127"/>
+              <a:ea typeface="배달의민족 도현" panose="020B0600000101010101" pitchFamily="50" charset="-127"/>
+            </a:endParaRPr>
+          </a:p>
+        </p:txBody>
+      </p:sp>
+      <p:cxnSp>
+        <p:nvCxnSpPr>
+          <p:cNvPr id="6" name="직선 연결선 5">
+            <a:extLst>
+              <a:ext uri="{FF2B5EF4-FFF2-40B4-BE49-F238E27FC236}">
+                <a16:creationId xmlns:a16="http://schemas.microsoft.com/office/drawing/2014/main" id="{3CAFC98D-1DA6-5CE0-43FD-6D3D9C8D3B4F}"/>
+              </a:ext>
+            </a:extLst>
+          </p:cNvPr>
+          <p:cNvCxnSpPr>
+            <a:cxnSpLocks/>
+          </p:cNvCxnSpPr>
+          <p:nvPr/>
+        </p:nvCxnSpPr>
+        <p:spPr>
+          <a:xfrm>
+            <a:off x="206188" y="724225"/>
+            <a:ext cx="3626776" cy="0"/>
+          </a:xfrm>
+          <a:prstGeom prst="line">
+            <a:avLst/>
+          </a:prstGeom>
+          <a:ln w="57150">
+            <a:solidFill>
+              <a:schemeClr val="accent1">
+                <a:lumMod val="75000"/>
+              </a:schemeClr>
+            </a:solidFill>
+          </a:ln>
+        </p:spPr>
+        <p:style>
+          <a:lnRef idx="1">
+            <a:schemeClr val="accent1"/>
+          </a:lnRef>
+          <a:fillRef idx="0">
+            <a:schemeClr val="accent1"/>
+          </a:fillRef>
+          <a:effectRef idx="0">
+            <a:schemeClr val="accent1"/>
+          </a:effectRef>
+          <a:fontRef idx="minor">
+            <a:schemeClr val="tx1"/>
+          </a:fontRef>
+        </p:style>
+      </p:cxnSp>
+      <p:sp>
+        <p:nvSpPr>
+          <p:cNvPr id="10" name="TextBox 9">
+            <a:extLst>
+              <a:ext uri="{FF2B5EF4-FFF2-40B4-BE49-F238E27FC236}">
+                <a16:creationId xmlns:a16="http://schemas.microsoft.com/office/drawing/2014/main" id="{266829A7-D0F8-7CDF-D9BC-CA16B9A4C881}"/>
+              </a:ext>
+            </a:extLst>
+          </p:cNvPr>
+          <p:cNvSpPr txBox="1"/>
+          <p:nvPr/>
+        </p:nvSpPr>
+        <p:spPr>
+          <a:xfrm>
+            <a:off x="206187" y="715619"/>
+            <a:ext cx="11842378" cy="2817951"/>
+          </a:xfrm>
+          <a:prstGeom prst="rect">
+            <a:avLst/>
+          </a:prstGeom>
+          <a:noFill/>
+        </p:spPr>
+        <p:txBody>
+          <a:bodyPr wrap="square" rtlCol="0">
+            <a:spAutoFit/>
+          </a:bodyPr>
+          <a:lstStyle/>
+          <a:p>
+            <a:pPr>
+              <a:lnSpc>
+                <a:spcPct val="150000"/>
+              </a:lnSpc>
+            </a:pPr>
+            <a:r>
+              <a:rPr lang="en-US" altLang="ko-KR" sz="2000" b="1" dirty="0">
+                <a:solidFill>
+                  <a:schemeClr val="accent1"/>
+                </a:solidFill>
+                <a:latin typeface="한컴 고딕" panose="02000500000000000000" pitchFamily="2" charset="-127"/>
+                <a:ea typeface="한컴 고딕" panose="02000500000000000000" pitchFamily="2" charset="-127"/>
+              </a:rPr>
+              <a:t>ICN+DTN </a:t>
+            </a:r>
+            <a:r>
+              <a:rPr lang="ko-KR" altLang="en-US" sz="2000" b="1" dirty="0">
+                <a:solidFill>
+                  <a:schemeClr val="accent1"/>
+                </a:solidFill>
+                <a:latin typeface="한컴 고딕" panose="02000500000000000000" pitchFamily="2" charset="-127"/>
+                <a:ea typeface="한컴 고딕" panose="02000500000000000000" pitchFamily="2" charset="-127"/>
+              </a:rPr>
+              <a:t>기술과 관련된 연구</a:t>
+            </a:r>
+            <a:endParaRPr lang="en-US" altLang="ko-KR" sz="2000" b="1" dirty="0">
+              <a:solidFill>
+                <a:schemeClr val="accent1"/>
+              </a:solidFill>
+              <a:latin typeface="한컴 고딕" panose="02000500000000000000" pitchFamily="2" charset="-127"/>
+              <a:ea typeface="한컴 고딕" panose="02000500000000000000" pitchFamily="2" charset="-127"/>
+            </a:endParaRPr>
           </a:p>
           <a:p>
             <a:pPr marL="342900" indent="-342900">
@@ -6093,6 +9289,115 @@
               <a:buChar char="•"/>
             </a:pPr>
             <a:r>
+              <a:rPr lang="ko-KR" altLang="en-US" sz="2000" b="1" dirty="0">
+                <a:solidFill>
+                  <a:schemeClr val="tx1">
+                    <a:lumMod val="50000"/>
+                    <a:lumOff val="50000"/>
+                  </a:schemeClr>
+                </a:solidFill>
+                <a:latin typeface="한컴 고딕" panose="02000500000000000000" pitchFamily="2" charset="-127"/>
+                <a:ea typeface="한컴 고딕" panose="02000500000000000000" pitchFamily="2" charset="-127"/>
+              </a:rPr>
+              <a:t>재난 환경을 주요 대상으로 다룬다</a:t>
+            </a:r>
+            <a:endParaRPr lang="en-US" altLang="ko-KR" sz="2000" b="1" dirty="0">
+              <a:solidFill>
+                <a:schemeClr val="tx1">
+                  <a:lumMod val="50000"/>
+                  <a:lumOff val="50000"/>
+                </a:schemeClr>
+              </a:solidFill>
+              <a:latin typeface="한컴 고딕" panose="02000500000000000000" pitchFamily="2" charset="-127"/>
+              <a:ea typeface="한컴 고딕" panose="02000500000000000000" pitchFamily="2" charset="-127"/>
+            </a:endParaRPr>
+          </a:p>
+          <a:p>
+            <a:pPr marL="800100" lvl="1" indent="-342900">
+              <a:lnSpc>
+                <a:spcPct val="150000"/>
+              </a:lnSpc>
+              <a:buFont typeface="Arial" panose="020B0604020202020204" pitchFamily="34" charset="0"/>
+              <a:buChar char="•"/>
+            </a:pPr>
+            <a:r>
+              <a:rPr lang="ko-KR" altLang="en-US" sz="2000" b="1" dirty="0">
+                <a:solidFill>
+                  <a:schemeClr val="tx1">
+                    <a:lumMod val="50000"/>
+                    <a:lumOff val="50000"/>
+                  </a:schemeClr>
+                </a:solidFill>
+                <a:latin typeface="한컴 고딕" panose="02000500000000000000" pitchFamily="2" charset="-127"/>
+                <a:ea typeface="한컴 고딕" panose="02000500000000000000" pitchFamily="2" charset="-127"/>
+              </a:rPr>
+              <a:t>서로 간의 연결이 끊어진 다수의 분할 네트워크 환경을 가정</a:t>
+            </a:r>
+            <a:endParaRPr lang="en-US" altLang="ko-KR" sz="2000" b="1" dirty="0">
+              <a:solidFill>
+                <a:schemeClr val="tx1">
+                  <a:lumMod val="50000"/>
+                  <a:lumOff val="50000"/>
+                </a:schemeClr>
+              </a:solidFill>
+              <a:latin typeface="한컴 고딕" panose="02000500000000000000" pitchFamily="2" charset="-127"/>
+              <a:ea typeface="한컴 고딕" panose="02000500000000000000" pitchFamily="2" charset="-127"/>
+            </a:endParaRPr>
+          </a:p>
+          <a:p>
+            <a:pPr marL="800100" lvl="1" indent="-342900">
+              <a:lnSpc>
+                <a:spcPct val="150000"/>
+              </a:lnSpc>
+              <a:buFont typeface="Arial" panose="020B0604020202020204" pitchFamily="34" charset="0"/>
+              <a:buChar char="•"/>
+            </a:pPr>
+            <a:r>
+              <a:rPr lang="ko-KR" altLang="en-US" sz="2000" b="1" dirty="0">
+                <a:solidFill>
+                  <a:schemeClr val="tx1">
+                    <a:lumMod val="50000"/>
+                    <a:lumOff val="50000"/>
+                  </a:schemeClr>
+                </a:solidFill>
+                <a:latin typeface="한컴 고딕" panose="02000500000000000000" pitchFamily="2" charset="-127"/>
+                <a:ea typeface="한컴 고딕" panose="02000500000000000000" pitchFamily="2" charset="-127"/>
+              </a:rPr>
+              <a:t>각 분할 네트워크는 외부와의 통신을 수행하는 게이트웨이가 존재</a:t>
+            </a:r>
+            <a:endParaRPr lang="en-US" altLang="ko-KR" sz="2000" b="1" dirty="0">
+              <a:solidFill>
+                <a:schemeClr val="tx1">
+                  <a:lumMod val="50000"/>
+                  <a:lumOff val="50000"/>
+                </a:schemeClr>
+              </a:solidFill>
+              <a:latin typeface="한컴 고딕" panose="02000500000000000000" pitchFamily="2" charset="-127"/>
+              <a:ea typeface="한컴 고딕" panose="02000500000000000000" pitchFamily="2" charset="-127"/>
+            </a:endParaRPr>
+          </a:p>
+          <a:p>
+            <a:pPr marL="800100" lvl="1" indent="-342900">
+              <a:lnSpc>
+                <a:spcPct val="150000"/>
+              </a:lnSpc>
+              <a:buFont typeface="Arial" panose="020B0604020202020204" pitchFamily="34" charset="0"/>
+              <a:buChar char="•"/>
+            </a:pPr>
+            <a:r>
+              <a:rPr lang="ko-KR" altLang="en-US" sz="2000" b="1" dirty="0">
+                <a:solidFill>
+                  <a:schemeClr val="tx1">
+                    <a:lumMod val="50000"/>
+                    <a:lumOff val="50000"/>
+                  </a:schemeClr>
+                </a:solidFill>
+                <a:latin typeface="한컴 고딕" panose="02000500000000000000" pitchFamily="2" charset="-127"/>
+                <a:ea typeface="한컴 고딕" panose="02000500000000000000" pitchFamily="2" charset="-127"/>
+              </a:rPr>
+              <a:t>분할 네트워크 간 통신 </a:t>
+            </a:r>
+            <a:r>
               <a:rPr lang="en-US" altLang="ko-KR" sz="2000" b="1" dirty="0">
                 <a:solidFill>
                   <a:schemeClr val="tx1">
@@ -6102,9 +9407,125 @@
                 </a:solidFill>
                 <a:latin typeface="한컴 고딕" panose="02000500000000000000" pitchFamily="2" charset="-127"/>
                 <a:ea typeface="한컴 고딕" panose="02000500000000000000" pitchFamily="2" charset="-127"/>
-              </a:rPr>
-              <a:t>NDN(Named Data Network)</a:t>
-            </a:r>
+                <a:sym typeface="Wingdings" panose="05000000000000000000" pitchFamily="2" charset="2"/>
+              </a:rPr>
+              <a:t> DTN</a:t>
+            </a:r>
+            <a:r>
+              <a:rPr lang="ko-KR" altLang="en-US" sz="2000" b="1" dirty="0">
+                <a:solidFill>
+                  <a:schemeClr val="tx1">
+                    <a:lumMod val="50000"/>
+                    <a:lumOff val="50000"/>
+                  </a:schemeClr>
+                </a:solidFill>
+                <a:latin typeface="한컴 고딕" panose="02000500000000000000" pitchFamily="2" charset="-127"/>
+                <a:ea typeface="한컴 고딕" panose="02000500000000000000" pitchFamily="2" charset="-127"/>
+                <a:sym typeface="Wingdings" panose="05000000000000000000" pitchFamily="2" charset="2"/>
+              </a:rPr>
+              <a:t> 사용</a:t>
+            </a:r>
+            <a:endParaRPr lang="en-US" altLang="ko-KR" sz="2000" b="1" dirty="0">
+              <a:solidFill>
+                <a:schemeClr val="tx1">
+                  <a:lumMod val="50000"/>
+                  <a:lumOff val="50000"/>
+                </a:schemeClr>
+              </a:solidFill>
+              <a:latin typeface="한컴 고딕" panose="02000500000000000000" pitchFamily="2" charset="-127"/>
+              <a:ea typeface="한컴 고딕" panose="02000500000000000000" pitchFamily="2" charset="-127"/>
+              <a:sym typeface="Wingdings" panose="05000000000000000000" pitchFamily="2" charset="2"/>
+            </a:endParaRPr>
+          </a:p>
+          <a:p>
+            <a:pPr marL="1257300" lvl="2" indent="-342900">
+              <a:lnSpc>
+                <a:spcPct val="150000"/>
+              </a:lnSpc>
+              <a:buFont typeface="Arial" panose="020B0604020202020204" pitchFamily="34" charset="0"/>
+              <a:buChar char="•"/>
+            </a:pPr>
+            <a:r>
+              <a:rPr lang="ko-KR" altLang="en-US" sz="2000" b="1" dirty="0">
+                <a:solidFill>
+                  <a:schemeClr val="tx1">
+                    <a:lumMod val="50000"/>
+                    <a:lumOff val="50000"/>
+                  </a:schemeClr>
+                </a:solidFill>
+                <a:latin typeface="한컴 고딕" panose="02000500000000000000" pitchFamily="2" charset="-127"/>
+                <a:ea typeface="한컴 고딕" panose="02000500000000000000" pitchFamily="2" charset="-127"/>
+                <a:sym typeface="Wingdings" panose="05000000000000000000" pitchFamily="2" charset="2"/>
+              </a:rPr>
+              <a:t>분할 네트워크 사이를 주기적으로 이동하는 데이터 </a:t>
+            </a:r>
+            <a:r>
+              <a:rPr lang="ko-KR" altLang="en-US" sz="2000" b="1" dirty="0" err="1">
+                <a:solidFill>
+                  <a:schemeClr val="tx1">
+                    <a:lumMod val="50000"/>
+                    <a:lumOff val="50000"/>
+                  </a:schemeClr>
+                </a:solidFill>
+                <a:latin typeface="한컴 고딕" panose="02000500000000000000" pitchFamily="2" charset="-127"/>
+                <a:ea typeface="한컴 고딕" panose="02000500000000000000" pitchFamily="2" charset="-127"/>
+                <a:sym typeface="Wingdings" panose="05000000000000000000" pitchFamily="2" charset="2"/>
+              </a:rPr>
+              <a:t>뮬을</a:t>
+            </a:r>
+            <a:r>
+              <a:rPr lang="ko-KR" altLang="en-US" sz="2000" b="1" dirty="0">
+                <a:solidFill>
+                  <a:schemeClr val="tx1">
+                    <a:lumMod val="50000"/>
+                    <a:lumOff val="50000"/>
+                  </a:schemeClr>
+                </a:solidFill>
+                <a:latin typeface="한컴 고딕" panose="02000500000000000000" pitchFamily="2" charset="-127"/>
+                <a:ea typeface="한컴 고딕" panose="02000500000000000000" pitchFamily="2" charset="-127"/>
+                <a:sym typeface="Wingdings" panose="05000000000000000000" pitchFamily="2" charset="2"/>
+              </a:rPr>
+              <a:t> 통해 </a:t>
+            </a:r>
+            <a:r>
+              <a:rPr lang="en-US" altLang="ko-KR" sz="2000" b="1" dirty="0">
+                <a:solidFill>
+                  <a:schemeClr val="tx1">
+                    <a:lumMod val="50000"/>
+                    <a:lumOff val="50000"/>
+                  </a:schemeClr>
+                </a:solidFill>
+                <a:latin typeface="한컴 고딕" panose="02000500000000000000" pitchFamily="2" charset="-127"/>
+                <a:ea typeface="한컴 고딕" panose="02000500000000000000" pitchFamily="2" charset="-127"/>
+                <a:sym typeface="Wingdings" panose="05000000000000000000" pitchFamily="2" charset="2"/>
+              </a:rPr>
+              <a:t>DTN </a:t>
+            </a:r>
+            <a:r>
+              <a:rPr lang="ko-KR" altLang="en-US" sz="2000" b="1" dirty="0">
+                <a:solidFill>
+                  <a:schemeClr val="tx1">
+                    <a:lumMod val="50000"/>
+                    <a:lumOff val="50000"/>
+                  </a:schemeClr>
+                </a:solidFill>
+                <a:latin typeface="한컴 고딕" panose="02000500000000000000" pitchFamily="2" charset="-127"/>
+                <a:ea typeface="한컴 고딕" panose="02000500000000000000" pitchFamily="2" charset="-127"/>
+                <a:sym typeface="Wingdings" panose="05000000000000000000" pitchFamily="2" charset="2"/>
+              </a:rPr>
+              <a:t>노드를 이용</a:t>
+            </a:r>
+            <a:endParaRPr lang="en-US" altLang="ko-KR" sz="2000" b="1" dirty="0">
+              <a:solidFill>
+                <a:schemeClr val="tx1">
+                  <a:lumMod val="50000"/>
+                  <a:lumOff val="50000"/>
+                </a:schemeClr>
+              </a:solidFill>
+              <a:latin typeface="한컴 고딕" panose="02000500000000000000" pitchFamily="2" charset="-127"/>
+              <a:ea typeface="한컴 고딕" panose="02000500000000000000" pitchFamily="2" charset="-127"/>
+              <a:sym typeface="Wingdings" panose="05000000000000000000" pitchFamily="2" charset="2"/>
+            </a:endParaRPr>
           </a:p>
         </p:txBody>
       </p:sp>
@@ -6131,16 +9552,1029 @@
           <a:p>
             <a:fld id="{4503EA79-8FE5-4AB7-9144-49D69278BFF0}" type="slidenum">
               <a:rPr lang="ko-KR" altLang="en-US" smtClean="0"/>
-              <a:t>5</a:t>
+              <a:t>8</a:t>
             </a:fld>
-            <a:endParaRPr lang="ko-KR" altLang="en-US"/>
-          </a:p>
-        </p:txBody>
-      </p:sp>
+            <a:endParaRPr lang="ko-KR" altLang="en-US" dirty="0"/>
+          </a:p>
+        </p:txBody>
+      </p:sp>
+      <p:pic>
+        <p:nvPicPr>
+          <p:cNvPr id="7" name="그림 6">
+            <a:extLst>
+              <a:ext uri="{FF2B5EF4-FFF2-40B4-BE49-F238E27FC236}">
+                <a16:creationId xmlns:a16="http://schemas.microsoft.com/office/drawing/2014/main" id="{F260C74E-1252-6E44-1619-D406B520997E}"/>
+              </a:ext>
+            </a:extLst>
+          </p:cNvPr>
+          <p:cNvPicPr>
+            <a:picLocks noChangeAspect="1"/>
+          </p:cNvPicPr>
+          <p:nvPr/>
+        </p:nvPicPr>
+        <p:blipFill>
+          <a:blip r:embed="rId2"/>
+          <a:stretch>
+            <a:fillRect/>
+          </a:stretch>
+        </p:blipFill>
+        <p:spPr>
+          <a:xfrm>
+            <a:off x="3952875" y="3533570"/>
+            <a:ext cx="4286250" cy="2990850"/>
+          </a:xfrm>
+          <a:prstGeom prst="rect">
+            <a:avLst/>
+          </a:prstGeom>
+        </p:spPr>
+      </p:pic>
     </p:spTree>
     <p:extLst>
       <p:ext uri="{BB962C8B-B14F-4D97-AF65-F5344CB8AC3E}">
-        <p14:creationId xmlns:p14="http://schemas.microsoft.com/office/powerpoint/2010/main" val="2884787223"/>
+        <p14:creationId xmlns:p14="http://schemas.microsoft.com/office/powerpoint/2010/main" val="1492402460"/>
+      </p:ext>
+    </p:extLst>
+  </p:cSld>
+  <p:clrMapOvr>
+    <a:masterClrMapping/>
+  </p:clrMapOvr>
+</p:sld>
+</file>
+
+<file path=ppt/slides/slide9.xml><?xml version="1.0" encoding="utf-8"?>
+<p:sld xmlns:a="http://schemas.openxmlformats.org/drawingml/2006/main" xmlns:r="http://schemas.openxmlformats.org/officeDocument/2006/relationships" xmlns:p="http://schemas.openxmlformats.org/presentationml/2006/main">
+  <p:cSld>
+    <p:spTree>
+      <p:nvGrpSpPr>
+        <p:cNvPr id="1" name=""/>
+        <p:cNvGrpSpPr/>
+        <p:nvPr/>
+      </p:nvGrpSpPr>
+      <p:grpSpPr>
+        <a:xfrm>
+          <a:off x="0" y="0"/>
+          <a:ext cx="0" cy="0"/>
+          <a:chOff x="0" y="0"/>
+          <a:chExt cx="0" cy="0"/>
+        </a:xfrm>
+      </p:grpSpPr>
+      <p:sp>
+        <p:nvSpPr>
+          <p:cNvPr id="2" name="TextBox 1">
+            <a:extLst>
+              <a:ext uri="{FF2B5EF4-FFF2-40B4-BE49-F238E27FC236}">
+                <a16:creationId xmlns:a16="http://schemas.microsoft.com/office/drawing/2014/main" id="{21A7DBE9-2DE9-F0B6-F5C5-7DB6C44D8D28}"/>
+              </a:ext>
+            </a:extLst>
+          </p:cNvPr>
+          <p:cNvSpPr txBox="1"/>
+          <p:nvPr/>
+        </p:nvSpPr>
+        <p:spPr>
+          <a:xfrm>
+            <a:off x="143435" y="130844"/>
+            <a:ext cx="9744635" cy="584775"/>
+          </a:xfrm>
+          <a:prstGeom prst="rect">
+            <a:avLst/>
+          </a:prstGeom>
+          <a:noFill/>
+        </p:spPr>
+        <p:txBody>
+          <a:bodyPr wrap="square" rtlCol="0">
+            <a:spAutoFit/>
+          </a:bodyPr>
+          <a:lstStyle/>
+          <a:p>
+            <a:pPr algn="just"/>
+            <a:r>
+              <a:rPr lang="en-US" altLang="ko-KR" sz="3200" dirty="0">
+                <a:solidFill>
+                  <a:schemeClr val="tx1">
+                    <a:lumMod val="65000"/>
+                    <a:lumOff val="35000"/>
+                  </a:schemeClr>
+                </a:solidFill>
+                <a:latin typeface="배달의민족 도현" panose="020B0600000101010101" pitchFamily="50" charset="-127"/>
+                <a:ea typeface="배달의민족 도현" panose="020B0600000101010101" pitchFamily="50" charset="-127"/>
+              </a:rPr>
+              <a:t>ICN+DTN </a:t>
+            </a:r>
+            <a:r>
+              <a:rPr lang="ko-KR" altLang="en-US" sz="3200" dirty="0">
+                <a:solidFill>
+                  <a:schemeClr val="tx1">
+                    <a:lumMod val="65000"/>
+                    <a:lumOff val="35000"/>
+                  </a:schemeClr>
+                </a:solidFill>
+                <a:latin typeface="배달의민족 도현" panose="020B0600000101010101" pitchFamily="50" charset="-127"/>
+                <a:ea typeface="배달의민족 도현" panose="020B0600000101010101" pitchFamily="50" charset="-127"/>
+              </a:rPr>
+              <a:t>기술 동향</a:t>
+            </a:r>
+            <a:endParaRPr lang="en-US" altLang="ko-KR" sz="3200" dirty="0">
+              <a:solidFill>
+                <a:schemeClr val="tx1">
+                  <a:lumMod val="65000"/>
+                  <a:lumOff val="35000"/>
+                </a:schemeClr>
+              </a:solidFill>
+              <a:latin typeface="배달의민족 도현" panose="020B0600000101010101" pitchFamily="50" charset="-127"/>
+              <a:ea typeface="배달의민족 도현" panose="020B0600000101010101" pitchFamily="50" charset="-127"/>
+            </a:endParaRPr>
+          </a:p>
+        </p:txBody>
+      </p:sp>
+      <p:cxnSp>
+        <p:nvCxnSpPr>
+          <p:cNvPr id="6" name="직선 연결선 5">
+            <a:extLst>
+              <a:ext uri="{FF2B5EF4-FFF2-40B4-BE49-F238E27FC236}">
+                <a16:creationId xmlns:a16="http://schemas.microsoft.com/office/drawing/2014/main" id="{3CAFC98D-1DA6-5CE0-43FD-6D3D9C8D3B4F}"/>
+              </a:ext>
+            </a:extLst>
+          </p:cNvPr>
+          <p:cNvCxnSpPr>
+            <a:cxnSpLocks/>
+          </p:cNvCxnSpPr>
+          <p:nvPr/>
+        </p:nvCxnSpPr>
+        <p:spPr>
+          <a:xfrm>
+            <a:off x="206188" y="724225"/>
+            <a:ext cx="3626776" cy="0"/>
+          </a:xfrm>
+          <a:prstGeom prst="line">
+            <a:avLst/>
+          </a:prstGeom>
+          <a:ln w="57150">
+            <a:solidFill>
+              <a:schemeClr val="accent1">
+                <a:lumMod val="75000"/>
+              </a:schemeClr>
+            </a:solidFill>
+          </a:ln>
+        </p:spPr>
+        <p:style>
+          <a:lnRef idx="1">
+            <a:schemeClr val="accent1"/>
+          </a:lnRef>
+          <a:fillRef idx="0">
+            <a:schemeClr val="accent1"/>
+          </a:fillRef>
+          <a:effectRef idx="0">
+            <a:schemeClr val="accent1"/>
+          </a:effectRef>
+          <a:fontRef idx="minor">
+            <a:schemeClr val="tx1"/>
+          </a:fontRef>
+        </p:style>
+      </p:cxnSp>
+      <p:sp>
+        <p:nvSpPr>
+          <p:cNvPr id="10" name="TextBox 9">
+            <a:extLst>
+              <a:ext uri="{FF2B5EF4-FFF2-40B4-BE49-F238E27FC236}">
+                <a16:creationId xmlns:a16="http://schemas.microsoft.com/office/drawing/2014/main" id="{266829A7-D0F8-7CDF-D9BC-CA16B9A4C881}"/>
+              </a:ext>
+            </a:extLst>
+          </p:cNvPr>
+          <p:cNvSpPr txBox="1"/>
+          <p:nvPr/>
+        </p:nvSpPr>
+        <p:spPr>
+          <a:xfrm>
+            <a:off x="206187" y="715619"/>
+            <a:ext cx="11842378" cy="5126275"/>
+          </a:xfrm>
+          <a:prstGeom prst="rect">
+            <a:avLst/>
+          </a:prstGeom>
+          <a:noFill/>
+        </p:spPr>
+        <p:txBody>
+          <a:bodyPr wrap="square" rtlCol="0">
+            <a:spAutoFit/>
+          </a:bodyPr>
+          <a:lstStyle/>
+          <a:p>
+            <a:pPr>
+              <a:lnSpc>
+                <a:spcPct val="150000"/>
+              </a:lnSpc>
+            </a:pPr>
+            <a:r>
+              <a:rPr lang="en-US" altLang="ko-KR" sz="2000" b="1" dirty="0">
+                <a:solidFill>
+                  <a:schemeClr val="accent1"/>
+                </a:solidFill>
+                <a:latin typeface="한컴 고딕" panose="02000500000000000000" pitchFamily="2" charset="-127"/>
+                <a:ea typeface="한컴 고딕" panose="02000500000000000000" pitchFamily="2" charset="-127"/>
+              </a:rPr>
+              <a:t>ICN+DTN </a:t>
+            </a:r>
+            <a:r>
+              <a:rPr lang="ko-KR" altLang="en-US" sz="2000" b="1" dirty="0">
+                <a:solidFill>
+                  <a:schemeClr val="accent1"/>
+                </a:solidFill>
+                <a:latin typeface="한컴 고딕" panose="02000500000000000000" pitchFamily="2" charset="-127"/>
+                <a:ea typeface="한컴 고딕" panose="02000500000000000000" pitchFamily="2" charset="-127"/>
+              </a:rPr>
+              <a:t>기술과 관련된 연구</a:t>
+            </a:r>
+            <a:endParaRPr lang="en-US" altLang="ko-KR" sz="2000" b="1" dirty="0">
+              <a:solidFill>
+                <a:schemeClr val="accent1"/>
+              </a:solidFill>
+              <a:latin typeface="한컴 고딕" panose="02000500000000000000" pitchFamily="2" charset="-127"/>
+              <a:ea typeface="한컴 고딕" panose="02000500000000000000" pitchFamily="2" charset="-127"/>
+            </a:endParaRPr>
+          </a:p>
+          <a:p>
+            <a:pPr marL="342900" indent="-342900">
+              <a:lnSpc>
+                <a:spcPct val="150000"/>
+              </a:lnSpc>
+              <a:buFont typeface="Arial" panose="020B0604020202020204" pitchFamily="34" charset="0"/>
+              <a:buChar char="•"/>
+            </a:pPr>
+            <a:r>
+              <a:rPr lang="ko-KR" altLang="en-US" sz="2000" b="1" dirty="0">
+                <a:solidFill>
+                  <a:schemeClr val="tx1">
+                    <a:lumMod val="50000"/>
+                    <a:lumOff val="50000"/>
+                  </a:schemeClr>
+                </a:solidFill>
+                <a:latin typeface="한컴 고딕" panose="02000500000000000000" pitchFamily="2" charset="-127"/>
+                <a:ea typeface="한컴 고딕" panose="02000500000000000000" pitchFamily="2" charset="-127"/>
+                <a:sym typeface="Wingdings" panose="05000000000000000000" pitchFamily="2" charset="2"/>
+              </a:rPr>
+              <a:t>분할 네트워크에 위치한 게이트웨이의 전송 기법 제안 관련 연구</a:t>
+            </a:r>
+            <a:endParaRPr lang="en-US" altLang="ko-KR" sz="2000" b="1" dirty="0">
+              <a:solidFill>
+                <a:schemeClr val="tx1">
+                  <a:lumMod val="50000"/>
+                  <a:lumOff val="50000"/>
+                </a:schemeClr>
+              </a:solidFill>
+              <a:latin typeface="한컴 고딕" panose="02000500000000000000" pitchFamily="2" charset="-127"/>
+              <a:ea typeface="한컴 고딕" panose="02000500000000000000" pitchFamily="2" charset="-127"/>
+              <a:sym typeface="Wingdings" panose="05000000000000000000" pitchFamily="2" charset="2"/>
+            </a:endParaRPr>
+          </a:p>
+          <a:p>
+            <a:pPr marL="800100" lvl="1" indent="-342900">
+              <a:lnSpc>
+                <a:spcPct val="150000"/>
+              </a:lnSpc>
+              <a:buFont typeface="Arial" panose="020B0604020202020204" pitchFamily="34" charset="0"/>
+              <a:buChar char="•"/>
+            </a:pPr>
+            <a:r>
+              <a:rPr lang="ko-KR" altLang="en-US" sz="2000" b="1" dirty="0">
+                <a:solidFill>
+                  <a:schemeClr val="tx1">
+                    <a:lumMod val="50000"/>
+                    <a:lumOff val="50000"/>
+                  </a:schemeClr>
+                </a:solidFill>
+                <a:latin typeface="한컴 고딕" panose="02000500000000000000" pitchFamily="2" charset="-127"/>
+                <a:ea typeface="한컴 고딕" panose="02000500000000000000" pitchFamily="2" charset="-127"/>
+                <a:sym typeface="Wingdings" panose="05000000000000000000" pitchFamily="2" charset="2"/>
+              </a:rPr>
+              <a:t>분할 네트워크에서 메시지 생성 후 데이터 </a:t>
+            </a:r>
+            <a:r>
+              <a:rPr lang="ko-KR" altLang="en-US" sz="2000" b="1" dirty="0" err="1">
+                <a:solidFill>
+                  <a:schemeClr val="tx1">
+                    <a:lumMod val="50000"/>
+                    <a:lumOff val="50000"/>
+                  </a:schemeClr>
+                </a:solidFill>
+                <a:latin typeface="한컴 고딕" panose="02000500000000000000" pitchFamily="2" charset="-127"/>
+                <a:ea typeface="한컴 고딕" panose="02000500000000000000" pitchFamily="2" charset="-127"/>
+                <a:sym typeface="Wingdings" panose="05000000000000000000" pitchFamily="2" charset="2"/>
+              </a:rPr>
+              <a:t>뮬로</a:t>
+            </a:r>
+            <a:r>
+              <a:rPr lang="ko-KR" altLang="en-US" sz="2000" b="1" dirty="0">
+                <a:solidFill>
+                  <a:schemeClr val="tx1">
+                    <a:lumMod val="50000"/>
+                    <a:lumOff val="50000"/>
+                  </a:schemeClr>
+                </a:solidFill>
+                <a:latin typeface="한컴 고딕" panose="02000500000000000000" pitchFamily="2" charset="-127"/>
+                <a:ea typeface="한컴 고딕" panose="02000500000000000000" pitchFamily="2" charset="-127"/>
+                <a:sym typeface="Wingdings" panose="05000000000000000000" pitchFamily="2" charset="2"/>
+              </a:rPr>
+              <a:t> 메시지를 전달할 때 전송 우선 순위를 통해 메시지를 전송하는 기법을 제안함</a:t>
+            </a:r>
+            <a:endParaRPr lang="en-US" altLang="ko-KR" sz="2000" b="1" dirty="0">
+              <a:solidFill>
+                <a:schemeClr val="tx1">
+                  <a:lumMod val="50000"/>
+                  <a:lumOff val="50000"/>
+                </a:schemeClr>
+              </a:solidFill>
+              <a:latin typeface="한컴 고딕" panose="02000500000000000000" pitchFamily="2" charset="-127"/>
+              <a:ea typeface="한컴 고딕" panose="02000500000000000000" pitchFamily="2" charset="-127"/>
+              <a:sym typeface="Wingdings" panose="05000000000000000000" pitchFamily="2" charset="2"/>
+            </a:endParaRPr>
+          </a:p>
+          <a:p>
+            <a:pPr marL="800100" lvl="1" indent="-342900">
+              <a:lnSpc>
+                <a:spcPct val="150000"/>
+              </a:lnSpc>
+              <a:buFont typeface="Arial" panose="020B0604020202020204" pitchFamily="34" charset="0"/>
+              <a:buChar char="•"/>
+            </a:pPr>
+            <a:r>
+              <a:rPr lang="ko-KR" altLang="en-US" sz="2000" b="1" dirty="0">
+                <a:solidFill>
+                  <a:schemeClr val="tx1">
+                    <a:lumMod val="50000"/>
+                    <a:lumOff val="50000"/>
+                  </a:schemeClr>
+                </a:solidFill>
+                <a:latin typeface="한컴 고딕" panose="02000500000000000000" pitchFamily="2" charset="-127"/>
+                <a:ea typeface="한컴 고딕" panose="02000500000000000000" pitchFamily="2" charset="-127"/>
+                <a:sym typeface="Wingdings" panose="05000000000000000000" pitchFamily="2" charset="2"/>
+              </a:rPr>
+              <a:t>메시지 우선 순위는 메시지 요청 노드 수에 비례</a:t>
+            </a:r>
+            <a:r>
+              <a:rPr lang="en-US" altLang="ko-KR" sz="2000" b="1" dirty="0">
+                <a:solidFill>
+                  <a:schemeClr val="tx1">
+                    <a:lumMod val="50000"/>
+                    <a:lumOff val="50000"/>
+                  </a:schemeClr>
+                </a:solidFill>
+                <a:latin typeface="한컴 고딕" panose="02000500000000000000" pitchFamily="2" charset="-127"/>
+                <a:ea typeface="한컴 고딕" panose="02000500000000000000" pitchFamily="2" charset="-127"/>
+                <a:sym typeface="Wingdings" panose="05000000000000000000" pitchFamily="2" charset="2"/>
+              </a:rPr>
+              <a:t>, </a:t>
+            </a:r>
+            <a:r>
+              <a:rPr lang="ko-KR" altLang="en-US" sz="2000" b="1" dirty="0">
+                <a:solidFill>
+                  <a:schemeClr val="tx1">
+                    <a:lumMod val="50000"/>
+                    <a:lumOff val="50000"/>
+                  </a:schemeClr>
+                </a:solidFill>
+                <a:latin typeface="한컴 고딕" panose="02000500000000000000" pitchFamily="2" charset="-127"/>
+                <a:ea typeface="한컴 고딕" panose="02000500000000000000" pitchFamily="2" charset="-127"/>
+                <a:sym typeface="Wingdings" panose="05000000000000000000" pitchFamily="2" charset="2"/>
+              </a:rPr>
+              <a:t>메시지의 크기에 반비례함</a:t>
+            </a:r>
+            <a:endParaRPr lang="en-US" altLang="ko-KR" sz="2000" b="1" dirty="0">
+              <a:solidFill>
+                <a:schemeClr val="tx1">
+                  <a:lumMod val="50000"/>
+                  <a:lumOff val="50000"/>
+                </a:schemeClr>
+              </a:solidFill>
+              <a:latin typeface="한컴 고딕" panose="02000500000000000000" pitchFamily="2" charset="-127"/>
+              <a:ea typeface="한컴 고딕" panose="02000500000000000000" pitchFamily="2" charset="-127"/>
+              <a:sym typeface="Wingdings" panose="05000000000000000000" pitchFamily="2" charset="2"/>
+            </a:endParaRPr>
+          </a:p>
+          <a:p>
+            <a:pPr marL="800100" lvl="1" indent="-342900">
+              <a:lnSpc>
+                <a:spcPct val="150000"/>
+              </a:lnSpc>
+              <a:buFont typeface="Arial" panose="020B0604020202020204" pitchFamily="34" charset="0"/>
+              <a:buChar char="•"/>
+            </a:pPr>
+            <a:r>
+              <a:rPr lang="ko-KR" altLang="en-US" sz="2000" b="1" dirty="0">
+                <a:solidFill>
+                  <a:schemeClr val="tx1">
+                    <a:lumMod val="50000"/>
+                    <a:lumOff val="50000"/>
+                  </a:schemeClr>
+                </a:solidFill>
+                <a:latin typeface="한컴 고딕" panose="02000500000000000000" pitchFamily="2" charset="-127"/>
+                <a:ea typeface="한컴 고딕" panose="02000500000000000000" pitchFamily="2" charset="-127"/>
+                <a:sym typeface="Wingdings" panose="05000000000000000000" pitchFamily="2" charset="2"/>
+              </a:rPr>
+              <a:t>데이터 </a:t>
+            </a:r>
+            <a:r>
+              <a:rPr lang="ko-KR" altLang="en-US" sz="2000" b="1" dirty="0" err="1">
+                <a:solidFill>
+                  <a:schemeClr val="tx1">
+                    <a:lumMod val="50000"/>
+                    <a:lumOff val="50000"/>
+                  </a:schemeClr>
+                </a:solidFill>
+                <a:latin typeface="한컴 고딕" panose="02000500000000000000" pitchFamily="2" charset="-127"/>
+                <a:ea typeface="한컴 고딕" panose="02000500000000000000" pitchFamily="2" charset="-127"/>
+                <a:sym typeface="Wingdings" panose="05000000000000000000" pitchFamily="2" charset="2"/>
+              </a:rPr>
+              <a:t>뮬과</a:t>
+            </a:r>
+            <a:r>
+              <a:rPr lang="ko-KR" altLang="en-US" sz="2000" b="1" dirty="0">
+                <a:solidFill>
+                  <a:schemeClr val="tx1">
+                    <a:lumMod val="50000"/>
+                    <a:lumOff val="50000"/>
+                  </a:schemeClr>
+                </a:solidFill>
+                <a:latin typeface="한컴 고딕" panose="02000500000000000000" pitchFamily="2" charset="-127"/>
+                <a:ea typeface="한컴 고딕" panose="02000500000000000000" pitchFamily="2" charset="-127"/>
+                <a:sym typeface="Wingdings" panose="05000000000000000000" pitchFamily="2" charset="2"/>
+              </a:rPr>
+              <a:t> 메시지의 목적지 노드와의 접촉 정보를 기반으로 전달 확률 값을 정의함</a:t>
+            </a:r>
+            <a:endParaRPr lang="en-US" altLang="ko-KR" sz="2000" b="1" dirty="0">
+              <a:solidFill>
+                <a:schemeClr val="tx1">
+                  <a:lumMod val="50000"/>
+                  <a:lumOff val="50000"/>
+                </a:schemeClr>
+              </a:solidFill>
+              <a:latin typeface="한컴 고딕" panose="02000500000000000000" pitchFamily="2" charset="-127"/>
+              <a:ea typeface="한컴 고딕" panose="02000500000000000000" pitchFamily="2" charset="-127"/>
+              <a:sym typeface="Wingdings" panose="05000000000000000000" pitchFamily="2" charset="2"/>
+            </a:endParaRPr>
+          </a:p>
+          <a:p>
+            <a:pPr marL="800100" lvl="1" indent="-342900">
+              <a:lnSpc>
+                <a:spcPct val="150000"/>
+              </a:lnSpc>
+              <a:buFont typeface="Arial" panose="020B0604020202020204" pitchFamily="34" charset="0"/>
+              <a:buChar char="•"/>
+            </a:pPr>
+            <a:r>
+              <a:rPr lang="ko-KR" altLang="en-US" sz="2000" b="1" dirty="0">
+                <a:solidFill>
+                  <a:schemeClr val="tx1">
+                    <a:lumMod val="50000"/>
+                    <a:lumOff val="50000"/>
+                  </a:schemeClr>
+                </a:solidFill>
+                <a:latin typeface="한컴 고딕" panose="02000500000000000000" pitchFamily="2" charset="-127"/>
+                <a:ea typeface="한컴 고딕" panose="02000500000000000000" pitchFamily="2" charset="-127"/>
+                <a:sym typeface="Wingdings" panose="05000000000000000000" pitchFamily="2" charset="2"/>
+              </a:rPr>
+              <a:t>메시지 우선 순위와 전달 확률 값을 곱하여 전송 우선 순위를 계산하여 효과적인 메시지 전달을 수행함</a:t>
+            </a:r>
+            <a:endParaRPr lang="en-US" altLang="ko-KR" sz="2000" b="1" dirty="0">
+              <a:solidFill>
+                <a:schemeClr val="tx1">
+                  <a:lumMod val="50000"/>
+                  <a:lumOff val="50000"/>
+                </a:schemeClr>
+              </a:solidFill>
+              <a:latin typeface="한컴 고딕" panose="02000500000000000000" pitchFamily="2" charset="-127"/>
+              <a:ea typeface="한컴 고딕" panose="02000500000000000000" pitchFamily="2" charset="-127"/>
+              <a:sym typeface="Wingdings" panose="05000000000000000000" pitchFamily="2" charset="2"/>
+            </a:endParaRPr>
+          </a:p>
+          <a:p>
+            <a:pPr marL="342900" indent="-342900">
+              <a:lnSpc>
+                <a:spcPct val="150000"/>
+              </a:lnSpc>
+              <a:buFont typeface="Arial" panose="020B0604020202020204" pitchFamily="34" charset="0"/>
+              <a:buChar char="•"/>
+            </a:pPr>
+            <a:r>
+              <a:rPr lang="ko-KR" altLang="en-US" sz="2000" b="1" dirty="0">
+                <a:solidFill>
+                  <a:schemeClr val="tx1">
+                    <a:lumMod val="50000"/>
+                    <a:lumOff val="50000"/>
+                  </a:schemeClr>
+                </a:solidFill>
+                <a:latin typeface="한컴 고딕" panose="02000500000000000000" pitchFamily="2" charset="-127"/>
+                <a:ea typeface="한컴 고딕" panose="02000500000000000000" pitchFamily="2" charset="-127"/>
+                <a:sym typeface="Wingdings" panose="05000000000000000000" pitchFamily="2" charset="2"/>
+              </a:rPr>
+              <a:t>유선 네트워크인 </a:t>
+            </a:r>
+            <a:r>
+              <a:rPr lang="en-US" altLang="ko-KR" sz="2000" b="1" dirty="0">
+                <a:solidFill>
+                  <a:schemeClr val="tx1">
+                    <a:lumMod val="50000"/>
+                    <a:lumOff val="50000"/>
+                  </a:schemeClr>
+                </a:solidFill>
+                <a:latin typeface="한컴 고딕" panose="02000500000000000000" pitchFamily="2" charset="-127"/>
+                <a:ea typeface="한컴 고딕" panose="02000500000000000000" pitchFamily="2" charset="-127"/>
+                <a:sym typeface="Wingdings" panose="05000000000000000000" pitchFamily="2" charset="2"/>
+              </a:rPr>
+              <a:t>CCN(Content Centric Network)</a:t>
+            </a:r>
+            <a:r>
+              <a:rPr lang="ko-KR" altLang="en-US" sz="2000" b="1" dirty="0">
+                <a:solidFill>
+                  <a:schemeClr val="tx1">
+                    <a:lumMod val="50000"/>
+                    <a:lumOff val="50000"/>
+                  </a:schemeClr>
+                </a:solidFill>
+                <a:latin typeface="한컴 고딕" panose="02000500000000000000" pitchFamily="2" charset="-127"/>
+                <a:ea typeface="한컴 고딕" panose="02000500000000000000" pitchFamily="2" charset="-127"/>
+                <a:sym typeface="Wingdings" panose="05000000000000000000" pitchFamily="2" charset="2"/>
+              </a:rPr>
+              <a:t>와 </a:t>
+            </a:r>
+            <a:r>
+              <a:rPr lang="en-US" altLang="ko-KR" sz="2000" b="1" dirty="0">
+                <a:solidFill>
+                  <a:schemeClr val="tx1">
+                    <a:lumMod val="50000"/>
+                    <a:lumOff val="50000"/>
+                  </a:schemeClr>
+                </a:solidFill>
+                <a:latin typeface="한컴 고딕" panose="02000500000000000000" pitchFamily="2" charset="-127"/>
+                <a:ea typeface="한컴 고딕" panose="02000500000000000000" pitchFamily="2" charset="-127"/>
+                <a:sym typeface="Wingdings" panose="05000000000000000000" pitchFamily="2" charset="2"/>
+              </a:rPr>
+              <a:t>DTN</a:t>
+            </a:r>
+            <a:r>
+              <a:rPr lang="ko-KR" altLang="en-US" sz="2000" b="1" dirty="0">
+                <a:solidFill>
+                  <a:schemeClr val="tx1">
+                    <a:lumMod val="50000"/>
+                    <a:lumOff val="50000"/>
+                  </a:schemeClr>
+                </a:solidFill>
+                <a:latin typeface="한컴 고딕" panose="02000500000000000000" pitchFamily="2" charset="-127"/>
+                <a:ea typeface="한컴 고딕" panose="02000500000000000000" pitchFamily="2" charset="-127"/>
+                <a:sym typeface="Wingdings" panose="05000000000000000000" pitchFamily="2" charset="2"/>
+              </a:rPr>
+              <a:t>을 활용한 </a:t>
+            </a:r>
+            <a:r>
+              <a:rPr lang="en-US" altLang="ko-KR" sz="2000" b="1" dirty="0">
+                <a:solidFill>
+                  <a:schemeClr val="tx1">
+                    <a:lumMod val="50000"/>
+                    <a:lumOff val="50000"/>
+                  </a:schemeClr>
+                </a:solidFill>
+                <a:latin typeface="한컴 고딕" panose="02000500000000000000" pitchFamily="2" charset="-127"/>
+                <a:ea typeface="한컴 고딕" panose="02000500000000000000" pitchFamily="2" charset="-127"/>
+                <a:sym typeface="Wingdings" panose="05000000000000000000" pitchFamily="2" charset="2"/>
+              </a:rPr>
+              <a:t>Interest</a:t>
+            </a:r>
+            <a:r>
+              <a:rPr lang="ko-KR" altLang="en-US" sz="2000" b="1" dirty="0">
+                <a:solidFill>
+                  <a:schemeClr val="tx1">
+                    <a:lumMod val="50000"/>
+                    <a:lumOff val="50000"/>
+                  </a:schemeClr>
+                </a:solidFill>
+                <a:latin typeface="한컴 고딕" panose="02000500000000000000" pitchFamily="2" charset="-127"/>
+                <a:ea typeface="한컴 고딕" panose="02000500000000000000" pitchFamily="2" charset="-127"/>
+                <a:sym typeface="Wingdings" panose="05000000000000000000" pitchFamily="2" charset="2"/>
+              </a:rPr>
+              <a:t>와 </a:t>
+            </a:r>
+            <a:r>
+              <a:rPr lang="en-US" altLang="ko-KR" sz="2000" b="1" dirty="0">
+                <a:solidFill>
+                  <a:schemeClr val="tx1">
+                    <a:lumMod val="50000"/>
+                    <a:lumOff val="50000"/>
+                  </a:schemeClr>
+                </a:solidFill>
+                <a:latin typeface="한컴 고딕" panose="02000500000000000000" pitchFamily="2" charset="-127"/>
+                <a:ea typeface="한컴 고딕" panose="02000500000000000000" pitchFamily="2" charset="-127"/>
+                <a:sym typeface="Wingdings" panose="05000000000000000000" pitchFamily="2" charset="2"/>
+              </a:rPr>
+              <a:t>Content</a:t>
+            </a:r>
+            <a:r>
+              <a:rPr lang="ko-KR" altLang="en-US" sz="2000" b="1" dirty="0">
+                <a:solidFill>
+                  <a:schemeClr val="tx1">
+                    <a:lumMod val="50000"/>
+                    <a:lumOff val="50000"/>
+                  </a:schemeClr>
+                </a:solidFill>
+                <a:latin typeface="한컴 고딕" panose="02000500000000000000" pitchFamily="2" charset="-127"/>
+                <a:ea typeface="한컴 고딕" panose="02000500000000000000" pitchFamily="2" charset="-127"/>
+                <a:sym typeface="Wingdings" panose="05000000000000000000" pitchFamily="2" charset="2"/>
+              </a:rPr>
+              <a:t>의 전송 방법 제안</a:t>
+            </a:r>
+            <a:endParaRPr lang="en-US" altLang="ko-KR" sz="2000" b="1" dirty="0">
+              <a:solidFill>
+                <a:schemeClr val="tx1">
+                  <a:lumMod val="50000"/>
+                  <a:lumOff val="50000"/>
+                </a:schemeClr>
+              </a:solidFill>
+              <a:latin typeface="한컴 고딕" panose="02000500000000000000" pitchFamily="2" charset="-127"/>
+              <a:ea typeface="한컴 고딕" panose="02000500000000000000" pitchFamily="2" charset="-127"/>
+              <a:sym typeface="Wingdings" panose="05000000000000000000" pitchFamily="2" charset="2"/>
+            </a:endParaRPr>
+          </a:p>
+          <a:p>
+            <a:pPr marL="800100" lvl="1" indent="-342900">
+              <a:lnSpc>
+                <a:spcPct val="150000"/>
+              </a:lnSpc>
+              <a:buFont typeface="Arial" panose="020B0604020202020204" pitchFamily="34" charset="0"/>
+              <a:buChar char="•"/>
+            </a:pPr>
+            <a:r>
+              <a:rPr lang="en-US" altLang="ko-KR" sz="2000" b="1" dirty="0">
+                <a:solidFill>
+                  <a:schemeClr val="tx1">
+                    <a:lumMod val="50000"/>
+                    <a:lumOff val="50000"/>
+                  </a:schemeClr>
+                </a:solidFill>
+                <a:latin typeface="한컴 고딕" panose="02000500000000000000" pitchFamily="2" charset="-127"/>
+                <a:ea typeface="한컴 고딕" panose="02000500000000000000" pitchFamily="2" charset="-127"/>
+                <a:sym typeface="Wingdings" panose="05000000000000000000" pitchFamily="2" charset="2"/>
+              </a:rPr>
+              <a:t>CCN</a:t>
+            </a:r>
+            <a:r>
+              <a:rPr lang="ko-KR" altLang="en-US" sz="2000" b="1" dirty="0">
+                <a:solidFill>
+                  <a:schemeClr val="tx1">
+                    <a:lumMod val="50000"/>
+                    <a:lumOff val="50000"/>
+                  </a:schemeClr>
+                </a:solidFill>
+                <a:latin typeface="한컴 고딕" panose="02000500000000000000" pitchFamily="2" charset="-127"/>
+                <a:ea typeface="한컴 고딕" panose="02000500000000000000" pitchFamily="2" charset="-127"/>
+                <a:sym typeface="Wingdings" panose="05000000000000000000" pitchFamily="2" charset="2"/>
+              </a:rPr>
+              <a:t> 네트워크는 </a:t>
+            </a:r>
+            <a:r>
+              <a:rPr lang="en-US" altLang="ko-KR" sz="2000" b="1" dirty="0">
+                <a:solidFill>
+                  <a:schemeClr val="tx1">
+                    <a:lumMod val="50000"/>
+                    <a:lumOff val="50000"/>
+                  </a:schemeClr>
+                </a:solidFill>
+                <a:latin typeface="한컴 고딕" panose="02000500000000000000" pitchFamily="2" charset="-127"/>
+                <a:ea typeface="한컴 고딕" panose="02000500000000000000" pitchFamily="2" charset="-127"/>
+                <a:sym typeface="Wingdings" panose="05000000000000000000" pitchFamily="2" charset="2"/>
+              </a:rPr>
+              <a:t>DTN</a:t>
+            </a:r>
+            <a:r>
+              <a:rPr lang="ko-KR" altLang="en-US" sz="2000" b="1" dirty="0">
+                <a:solidFill>
+                  <a:schemeClr val="tx1">
+                    <a:lumMod val="50000"/>
+                    <a:lumOff val="50000"/>
+                  </a:schemeClr>
+                </a:solidFill>
+                <a:latin typeface="한컴 고딕" panose="02000500000000000000" pitchFamily="2" charset="-127"/>
+                <a:ea typeface="한컴 고딕" panose="02000500000000000000" pitchFamily="2" charset="-127"/>
+                <a:sym typeface="Wingdings" panose="05000000000000000000" pitchFamily="2" charset="2"/>
+              </a:rPr>
+              <a:t>과의 연결을 위해 </a:t>
+            </a:r>
+            <a:r>
+              <a:rPr lang="en-US" altLang="ko-KR" sz="2000" b="1" dirty="0">
+                <a:solidFill>
+                  <a:schemeClr val="tx1">
+                    <a:lumMod val="50000"/>
+                    <a:lumOff val="50000"/>
+                  </a:schemeClr>
+                </a:solidFill>
+                <a:latin typeface="한컴 고딕" panose="02000500000000000000" pitchFamily="2" charset="-127"/>
+                <a:ea typeface="한컴 고딕" panose="02000500000000000000" pitchFamily="2" charset="-127"/>
+                <a:sym typeface="Wingdings" panose="05000000000000000000" pitchFamily="2" charset="2"/>
+              </a:rPr>
+              <a:t>CCN </a:t>
+            </a:r>
+            <a:r>
+              <a:rPr lang="ko-KR" altLang="en-US" sz="2000" b="1" dirty="0">
+                <a:solidFill>
+                  <a:schemeClr val="tx1">
+                    <a:lumMod val="50000"/>
+                    <a:lumOff val="50000"/>
+                  </a:schemeClr>
+                </a:solidFill>
+                <a:latin typeface="한컴 고딕" panose="02000500000000000000" pitchFamily="2" charset="-127"/>
+                <a:ea typeface="한컴 고딕" panose="02000500000000000000" pitchFamily="2" charset="-127"/>
+                <a:sym typeface="Wingdings" panose="05000000000000000000" pitchFamily="2" charset="2"/>
+              </a:rPr>
+              <a:t>및 </a:t>
+            </a:r>
+            <a:r>
+              <a:rPr lang="en-US" altLang="ko-KR" sz="2000" b="1" dirty="0">
+                <a:solidFill>
+                  <a:schemeClr val="tx1">
+                    <a:lumMod val="50000"/>
+                    <a:lumOff val="50000"/>
+                  </a:schemeClr>
+                </a:solidFill>
+                <a:latin typeface="한컴 고딕" panose="02000500000000000000" pitchFamily="2" charset="-127"/>
+                <a:ea typeface="한컴 고딕" panose="02000500000000000000" pitchFamily="2" charset="-127"/>
+                <a:sym typeface="Wingdings" panose="05000000000000000000" pitchFamily="2" charset="2"/>
+              </a:rPr>
+              <a:t>DTN</a:t>
+            </a:r>
+            <a:r>
+              <a:rPr lang="ko-KR" altLang="en-US" sz="2000" b="1" dirty="0">
+                <a:solidFill>
+                  <a:schemeClr val="tx1">
+                    <a:lumMod val="50000"/>
+                    <a:lumOff val="50000"/>
+                  </a:schemeClr>
+                </a:solidFill>
+                <a:latin typeface="한컴 고딕" panose="02000500000000000000" pitchFamily="2" charset="-127"/>
+                <a:ea typeface="한컴 고딕" panose="02000500000000000000" pitchFamily="2" charset="-127"/>
+                <a:sym typeface="Wingdings" panose="05000000000000000000" pitchFamily="2" charset="2"/>
+              </a:rPr>
+              <a:t>의 기능 모두 수행 가능한 </a:t>
+            </a:r>
+            <a:r>
+              <a:rPr lang="en-US" altLang="ko-KR" sz="2000" b="1" dirty="0">
+                <a:solidFill>
+                  <a:schemeClr val="tx1">
+                    <a:lumMod val="50000"/>
+                    <a:lumOff val="50000"/>
+                  </a:schemeClr>
+                </a:solidFill>
+                <a:latin typeface="한컴 고딕" panose="02000500000000000000" pitchFamily="2" charset="-127"/>
+                <a:ea typeface="한컴 고딕" panose="02000500000000000000" pitchFamily="2" charset="-127"/>
+                <a:sym typeface="Wingdings" panose="05000000000000000000" pitchFamily="2" charset="2"/>
+              </a:rPr>
+              <a:t>CCNDTN </a:t>
+            </a:r>
+            <a:r>
+              <a:rPr lang="ko-KR" altLang="en-US" sz="2000" b="1" dirty="0">
+                <a:solidFill>
+                  <a:schemeClr val="tx1">
+                    <a:lumMod val="50000"/>
+                    <a:lumOff val="50000"/>
+                  </a:schemeClr>
+                </a:solidFill>
+                <a:latin typeface="한컴 고딕" panose="02000500000000000000" pitchFamily="2" charset="-127"/>
+                <a:ea typeface="한컴 고딕" panose="02000500000000000000" pitchFamily="2" charset="-127"/>
+                <a:sym typeface="Wingdings" panose="05000000000000000000" pitchFamily="2" charset="2"/>
+              </a:rPr>
+              <a:t>라우터 배치</a:t>
+            </a:r>
+            <a:endParaRPr lang="en-US" altLang="ko-KR" sz="2000" b="1" dirty="0">
+              <a:solidFill>
+                <a:schemeClr val="tx1">
+                  <a:lumMod val="50000"/>
+                  <a:lumOff val="50000"/>
+                </a:schemeClr>
+              </a:solidFill>
+              <a:latin typeface="한컴 고딕" panose="02000500000000000000" pitchFamily="2" charset="-127"/>
+              <a:ea typeface="한컴 고딕" panose="02000500000000000000" pitchFamily="2" charset="-127"/>
+              <a:sym typeface="Wingdings" panose="05000000000000000000" pitchFamily="2" charset="2"/>
+            </a:endParaRPr>
+          </a:p>
+          <a:p>
+            <a:pPr marL="800100" lvl="1" indent="-342900">
+              <a:lnSpc>
+                <a:spcPct val="150000"/>
+              </a:lnSpc>
+              <a:buFont typeface="Arial" panose="020B0604020202020204" pitchFamily="34" charset="0"/>
+              <a:buChar char="•"/>
+            </a:pPr>
+            <a:r>
+              <a:rPr lang="en-US" altLang="ko-KR" sz="2000" b="1" dirty="0">
+                <a:solidFill>
+                  <a:schemeClr val="tx1">
+                    <a:lumMod val="50000"/>
+                    <a:lumOff val="50000"/>
+                  </a:schemeClr>
+                </a:solidFill>
+                <a:latin typeface="한컴 고딕" panose="02000500000000000000" pitchFamily="2" charset="-127"/>
+                <a:ea typeface="한컴 고딕" panose="02000500000000000000" pitchFamily="2" charset="-127"/>
+                <a:sym typeface="Wingdings" panose="05000000000000000000" pitchFamily="2" charset="2"/>
+              </a:rPr>
+              <a:t>DTN</a:t>
+            </a:r>
+            <a:r>
+              <a:rPr lang="ko-KR" altLang="en-US" sz="2000" b="1" dirty="0">
+                <a:solidFill>
+                  <a:schemeClr val="tx1">
+                    <a:lumMod val="50000"/>
+                    <a:lumOff val="50000"/>
+                  </a:schemeClr>
+                </a:solidFill>
+                <a:latin typeface="한컴 고딕" panose="02000500000000000000" pitchFamily="2" charset="-127"/>
+                <a:ea typeface="한컴 고딕" panose="02000500000000000000" pitchFamily="2" charset="-127"/>
+                <a:sym typeface="Wingdings" panose="05000000000000000000" pitchFamily="2" charset="2"/>
+              </a:rPr>
+              <a:t>의 </a:t>
+            </a:r>
+            <a:r>
+              <a:rPr lang="en-US" altLang="ko-KR" sz="2000" b="1" dirty="0">
+                <a:solidFill>
+                  <a:schemeClr val="tx1">
+                    <a:lumMod val="50000"/>
+                    <a:lumOff val="50000"/>
+                  </a:schemeClr>
+                </a:solidFill>
+                <a:latin typeface="한컴 고딕" panose="02000500000000000000" pitchFamily="2" charset="-127"/>
+                <a:ea typeface="한컴 고딕" panose="02000500000000000000" pitchFamily="2" charset="-127"/>
+                <a:sym typeface="Wingdings" panose="05000000000000000000" pitchFamily="2" charset="2"/>
+              </a:rPr>
+              <a:t>BPQ(Binding Protocol Query)</a:t>
+            </a:r>
+            <a:r>
+              <a:rPr lang="ko-KR" altLang="en-US" sz="2000" b="1" dirty="0">
+                <a:solidFill>
+                  <a:schemeClr val="tx1">
+                    <a:lumMod val="50000"/>
+                    <a:lumOff val="50000"/>
+                  </a:schemeClr>
+                </a:solidFill>
+                <a:latin typeface="한컴 고딕" panose="02000500000000000000" pitchFamily="2" charset="-127"/>
+                <a:ea typeface="한컴 고딕" panose="02000500000000000000" pitchFamily="2" charset="-127"/>
+                <a:sym typeface="Wingdings" panose="05000000000000000000" pitchFamily="2" charset="2"/>
+              </a:rPr>
+              <a:t>를 사용하여 콘텐츠 이름을 통해 통신을 수행하는 </a:t>
+            </a:r>
+            <a:r>
+              <a:rPr lang="en-US" altLang="ko-KR" sz="2000" b="1" dirty="0">
+                <a:solidFill>
+                  <a:schemeClr val="tx1">
+                    <a:lumMod val="50000"/>
+                    <a:lumOff val="50000"/>
+                  </a:schemeClr>
+                </a:solidFill>
+                <a:latin typeface="한컴 고딕" panose="02000500000000000000" pitchFamily="2" charset="-127"/>
+                <a:ea typeface="한컴 고딕" panose="02000500000000000000" pitchFamily="2" charset="-127"/>
+                <a:sym typeface="Wingdings" panose="05000000000000000000" pitchFamily="2" charset="2"/>
+              </a:rPr>
+              <a:t>CCN</a:t>
+            </a:r>
+            <a:r>
+              <a:rPr lang="ko-KR" altLang="en-US" sz="2000" b="1" dirty="0">
+                <a:solidFill>
+                  <a:schemeClr val="tx1">
+                    <a:lumMod val="50000"/>
+                    <a:lumOff val="50000"/>
+                  </a:schemeClr>
+                </a:solidFill>
+                <a:latin typeface="한컴 고딕" panose="02000500000000000000" pitchFamily="2" charset="-127"/>
+                <a:ea typeface="한컴 고딕" panose="02000500000000000000" pitchFamily="2" charset="-127"/>
+                <a:sym typeface="Wingdings" panose="05000000000000000000" pitchFamily="2" charset="2"/>
+              </a:rPr>
+              <a:t>과 목적지의 </a:t>
+            </a:r>
+            <a:r>
+              <a:rPr lang="en-US" altLang="ko-KR" sz="2000" b="1" dirty="0">
+                <a:solidFill>
+                  <a:schemeClr val="tx1">
+                    <a:lumMod val="50000"/>
+                    <a:lumOff val="50000"/>
+                  </a:schemeClr>
+                </a:solidFill>
+                <a:latin typeface="한컴 고딕" panose="02000500000000000000" pitchFamily="2" charset="-127"/>
+                <a:ea typeface="한컴 고딕" panose="02000500000000000000" pitchFamily="2" charset="-127"/>
+                <a:sym typeface="Wingdings" panose="05000000000000000000" pitchFamily="2" charset="2"/>
+              </a:rPr>
+              <a:t>ID</a:t>
+            </a:r>
+            <a:r>
+              <a:rPr lang="ko-KR" altLang="en-US" sz="2000" b="1" dirty="0">
+                <a:solidFill>
+                  <a:schemeClr val="tx1">
+                    <a:lumMod val="50000"/>
+                    <a:lumOff val="50000"/>
+                  </a:schemeClr>
+                </a:solidFill>
+                <a:latin typeface="한컴 고딕" panose="02000500000000000000" pitchFamily="2" charset="-127"/>
+                <a:ea typeface="한컴 고딕" panose="02000500000000000000" pitchFamily="2" charset="-127"/>
+                <a:sym typeface="Wingdings" panose="05000000000000000000" pitchFamily="2" charset="2"/>
+              </a:rPr>
+              <a:t>를 통해 통신을 수행하는 </a:t>
+            </a:r>
+            <a:r>
+              <a:rPr lang="en-US" altLang="ko-KR" sz="2000" b="1" dirty="0">
+                <a:solidFill>
+                  <a:schemeClr val="tx1">
+                    <a:lumMod val="50000"/>
+                    <a:lumOff val="50000"/>
+                  </a:schemeClr>
+                </a:solidFill>
+                <a:latin typeface="한컴 고딕" panose="02000500000000000000" pitchFamily="2" charset="-127"/>
+                <a:ea typeface="한컴 고딕" panose="02000500000000000000" pitchFamily="2" charset="-127"/>
+                <a:sym typeface="Wingdings" panose="05000000000000000000" pitchFamily="2" charset="2"/>
+              </a:rPr>
+              <a:t>DTN</a:t>
+            </a:r>
+            <a:r>
+              <a:rPr lang="ko-KR" altLang="en-US" sz="2000" b="1" dirty="0">
+                <a:solidFill>
+                  <a:schemeClr val="tx1">
+                    <a:lumMod val="50000"/>
+                    <a:lumOff val="50000"/>
+                  </a:schemeClr>
+                </a:solidFill>
+                <a:latin typeface="한컴 고딕" panose="02000500000000000000" pitchFamily="2" charset="-127"/>
+                <a:ea typeface="한컴 고딕" panose="02000500000000000000" pitchFamily="2" charset="-127"/>
+                <a:sym typeface="Wingdings" panose="05000000000000000000" pitchFamily="2" charset="2"/>
+              </a:rPr>
+              <a:t>을 통해 두개의 전송 방식이 결합된 통신을 할 수 있다</a:t>
+            </a:r>
+            <a:r>
+              <a:rPr lang="en-US" altLang="ko-KR" sz="2000" b="1" dirty="0">
+                <a:solidFill>
+                  <a:schemeClr val="tx1">
+                    <a:lumMod val="50000"/>
+                    <a:lumOff val="50000"/>
+                  </a:schemeClr>
+                </a:solidFill>
+                <a:latin typeface="한컴 고딕" panose="02000500000000000000" pitchFamily="2" charset="-127"/>
+                <a:ea typeface="한컴 고딕" panose="02000500000000000000" pitchFamily="2" charset="-127"/>
+                <a:sym typeface="Wingdings" panose="05000000000000000000" pitchFamily="2" charset="2"/>
+              </a:rPr>
+              <a:t>.</a:t>
+            </a:r>
+            <a:r>
+              <a:rPr lang="ko-KR" altLang="en-US" sz="2000" b="1" dirty="0">
+                <a:solidFill>
+                  <a:schemeClr val="tx1">
+                    <a:lumMod val="50000"/>
+                    <a:lumOff val="50000"/>
+                  </a:schemeClr>
+                </a:solidFill>
+                <a:latin typeface="한컴 고딕" panose="02000500000000000000" pitchFamily="2" charset="-127"/>
+                <a:ea typeface="한컴 고딕" panose="02000500000000000000" pitchFamily="2" charset="-127"/>
+                <a:sym typeface="Wingdings" panose="05000000000000000000" pitchFamily="2" charset="2"/>
+              </a:rPr>
+              <a:t> </a:t>
+            </a:r>
+            <a:endParaRPr lang="en-US" altLang="ko-KR" sz="2000" b="1" dirty="0">
+              <a:solidFill>
+                <a:schemeClr val="tx1">
+                  <a:lumMod val="50000"/>
+                  <a:lumOff val="50000"/>
+                </a:schemeClr>
+              </a:solidFill>
+              <a:latin typeface="한컴 고딕" panose="02000500000000000000" pitchFamily="2" charset="-127"/>
+              <a:ea typeface="한컴 고딕" panose="02000500000000000000" pitchFamily="2" charset="-127"/>
+              <a:sym typeface="Wingdings" panose="05000000000000000000" pitchFamily="2" charset="2"/>
+            </a:endParaRPr>
+          </a:p>
+        </p:txBody>
+      </p:sp>
+      <p:sp>
+        <p:nvSpPr>
+          <p:cNvPr id="3" name="슬라이드 번호 개체 틀 2">
+            <a:extLst>
+              <a:ext uri="{FF2B5EF4-FFF2-40B4-BE49-F238E27FC236}">
+                <a16:creationId xmlns:a16="http://schemas.microsoft.com/office/drawing/2014/main" id="{4EC25071-CFFA-8C9C-CB7A-29C2F016666E}"/>
+              </a:ext>
+            </a:extLst>
+          </p:cNvPr>
+          <p:cNvSpPr>
+            <a:spLocks noGrp="1"/>
+          </p:cNvSpPr>
+          <p:nvPr>
+            <p:ph type="sldNum" sz="quarter" idx="12"/>
+          </p:nvPr>
+        </p:nvSpPr>
+        <p:spPr/>
+        <p:txBody>
+          <a:bodyPr/>
+          <a:lstStyle/>
+          <a:p>
+            <a:fld id="{4503EA79-8FE5-4AB7-9144-49D69278BFF0}" type="slidenum">
+              <a:rPr lang="ko-KR" altLang="en-US" smtClean="0"/>
+              <a:t>9</a:t>
+            </a:fld>
+            <a:endParaRPr lang="ko-KR" altLang="en-US" dirty="0"/>
+          </a:p>
+        </p:txBody>
+      </p:sp>
+    </p:spTree>
+    <p:extLst>
+      <p:ext uri="{BB962C8B-B14F-4D97-AF65-F5344CB8AC3E}">
+        <p14:creationId xmlns:p14="http://schemas.microsoft.com/office/powerpoint/2010/main" val="742329375"/>
       </p:ext>
     </p:extLst>
   </p:cSld>
@@ -6741,6 +11175,12 @@
 </file>
 
 <file path=customXml/item1.xml><?xml version="1.0" encoding="utf-8"?>
+<p:properties xmlns:p="http://schemas.microsoft.com/office/2006/metadata/properties" xmlns:xsi="http://www.w3.org/2001/XMLSchema-instance" xmlns:pc="http://schemas.microsoft.com/office/infopath/2007/PartnerControls">
+  <documentManagement/>
+</p:properties>
+</file>
+
+<file path=customXml/item2.xml><?xml version="1.0" encoding="utf-8"?>
 <ct:contentTypeSchema xmlns:ct="http://schemas.microsoft.com/office/2006/metadata/contentType" xmlns:ma="http://schemas.microsoft.com/office/2006/metadata/properties/metaAttributes" ct:_="" ma:_="" ma:contentTypeName="문서" ma:contentTypeID="0x010100E4927A4037DBD641A85992FBC73A8B40" ma:contentTypeVersion="2" ma:contentTypeDescription="새 문서를 만듭니다." ma:contentTypeScope="" ma:versionID="785516272148627df98f01afb93c3ec0">
   <xsd:schema xmlns:xsd="http://www.w3.org/2001/XMLSchema" xmlns:xs="http://www.w3.org/2001/XMLSchema" xmlns:p="http://schemas.microsoft.com/office/2006/metadata/properties" xmlns:ns3="8163f15b-5006-406c-85c3-8b9bf000eef1" targetNamespace="http://schemas.microsoft.com/office/2006/metadata/properties" ma:root="true" ma:fieldsID="3387be2b6cc6ac182b5d48e801aa7a71" ns3:_="">
     <xsd:import namespace="8163f15b-5006-406c-85c3-8b9bf000eef1"/>
@@ -6872,12 +11312,6 @@
 </ct:contentTypeSchema>
 </file>
 
-<file path=customXml/item2.xml><?xml version="1.0" encoding="utf-8"?>
-<p:properties xmlns:p="http://schemas.microsoft.com/office/2006/metadata/properties" xmlns:xsi="http://www.w3.org/2001/XMLSchema-instance" xmlns:pc="http://schemas.microsoft.com/office/infopath/2007/PartnerControls">
-  <documentManagement/>
-</p:properties>
-</file>
-
 <file path=customXml/item3.xml><?xml version="1.0" encoding="utf-8"?>
 <?mso-contentType ?>
 <FormTemplates xmlns="http://schemas.microsoft.com/sharepoint/v3/contenttype/forms">
@@ -6888,6 +11322,22 @@
 </file>
 
 <file path=customXml/itemProps1.xml><?xml version="1.0" encoding="utf-8"?>
+<ds:datastoreItem xmlns:ds="http://schemas.openxmlformats.org/officeDocument/2006/customXml" ds:itemID="{77F7A99E-4399-4A80-972F-A96848332908}">
+  <ds:schemaRefs>
+    <ds:schemaRef ds:uri="http://purl.org/dc/terms/"/>
+    <ds:schemaRef ds:uri="http://www.w3.org/XML/1998/namespace"/>
+    <ds:schemaRef ds:uri="http://purl.org/dc/elements/1.1/"/>
+    <ds:schemaRef ds:uri="http://purl.org/dc/dcmitype/"/>
+    <ds:schemaRef ds:uri="http://schemas.microsoft.com/office/infopath/2007/PartnerControls"/>
+    <ds:schemaRef ds:uri="http://schemas.microsoft.com/office/2006/metadata/properties"/>
+    <ds:schemaRef ds:uri="http://schemas.microsoft.com/office/2006/documentManagement/types"/>
+    <ds:schemaRef ds:uri="http://schemas.openxmlformats.org/package/2006/metadata/core-properties"/>
+    <ds:schemaRef ds:uri="8163f15b-5006-406c-85c3-8b9bf000eef1"/>
+  </ds:schemaRefs>
+</ds:datastoreItem>
+</file>
+
+<file path=customXml/itemProps2.xml><?xml version="1.0" encoding="utf-8"?>
 <ds:datastoreItem xmlns:ds="http://schemas.openxmlformats.org/officeDocument/2006/customXml" ds:itemID="{B23CD78E-FDBA-45D3-A74E-F9DB3B758C5E}">
   <ds:schemaRefs>
     <ds:schemaRef ds:uri="http://schemas.microsoft.com/office/2006/metadata/contentType"/>
@@ -6905,22 +11355,6 @@
 </ds:datastoreItem>
 </file>
 
-<file path=customXml/itemProps2.xml><?xml version="1.0" encoding="utf-8"?>
-<ds:datastoreItem xmlns:ds="http://schemas.openxmlformats.org/officeDocument/2006/customXml" ds:itemID="{77F7A99E-4399-4A80-972F-A96848332908}">
-  <ds:schemaRefs>
-    <ds:schemaRef ds:uri="http://purl.org/dc/terms/"/>
-    <ds:schemaRef ds:uri="http://www.w3.org/XML/1998/namespace"/>
-    <ds:schemaRef ds:uri="http://purl.org/dc/elements/1.1/"/>
-    <ds:schemaRef ds:uri="http://purl.org/dc/dcmitype/"/>
-    <ds:schemaRef ds:uri="http://schemas.microsoft.com/office/infopath/2007/PartnerControls"/>
-    <ds:schemaRef ds:uri="http://schemas.microsoft.com/office/2006/metadata/properties"/>
-    <ds:schemaRef ds:uri="http://schemas.microsoft.com/office/2006/documentManagement/types"/>
-    <ds:schemaRef ds:uri="http://schemas.openxmlformats.org/package/2006/metadata/core-properties"/>
-    <ds:schemaRef ds:uri="8163f15b-5006-406c-85c3-8b9bf000eef1"/>
-  </ds:schemaRefs>
-</ds:datastoreItem>
-</file>
-
 <file path=customXml/itemProps3.xml><?xml version="1.0" encoding="utf-8"?>
 <ds:datastoreItem xmlns:ds="http://schemas.openxmlformats.org/officeDocument/2006/customXml" ds:itemID="{4F4AD1C9-2958-46E3-9F6B-F7BA68A8F8FC}">
   <ds:schemaRefs>
